--- a/project_2/Barrelet_Xavier_2_presentation_180424.pptx
+++ b/project_2/Barrelet_Xavier_2_presentation_180424.pptx
@@ -51,10 +51,6 @@
     <p:sldId id="291" r:id="rId46"/>
     <p:sldId id="292" r:id="rId47"/>
     <p:sldId id="293" r:id="rId48"/>
-    <p:sldId id="294" r:id="rId49"/>
-    <p:sldId id="295" r:id="rId50"/>
-    <p:sldId id="296" r:id="rId51"/>
-    <p:sldId id="297" r:id="rId52"/>
   </p:sldIdLst>
   <p:sldSz cx="10080625" cy="5670550"/>
   <p:notesSz cx="7559675" cy="10691813"/>
@@ -365,7 +361,7 @@
         <p:spPr>
           <a:xfrm>
             <a:off x="0" y="4114800"/>
-            <a:ext cx="10079280" cy="1554480"/>
+            <a:ext cx="10078920" cy="1554120"/>
           </a:xfrm>
           <a:prstGeom prst="rect">
             <a:avLst/>
@@ -412,9 +408,9 @@
         <p:grpSpPr>
           <a:xfrm>
             <a:off x="0" y="0"/>
-            <a:ext cx="10080000" cy="4114080"/>
+            <a:ext cx="10079640" cy="4113720"/>
             <a:chOff x="0" y="0"/>
-            <a:chExt cx="10080000" cy="4114080"/>
+            <a:chExt cx="10079640" cy="4113720"/>
           </a:xfrm>
         </p:grpSpPr>
         <p:sp>
@@ -426,7 +422,7 @@
           <p:spPr>
             <a:xfrm>
               <a:off x="0" y="0"/>
-              <a:ext cx="10080000" cy="4114080"/>
+              <a:ext cx="10079640" cy="4113720"/>
             </a:xfrm>
             <a:prstGeom prst="rect">
               <a:avLst/>
@@ -473,7 +469,7 @@
           <p:spPr>
             <a:xfrm>
               <a:off x="0" y="1280160"/>
-              <a:ext cx="1553760" cy="639360"/>
+              <a:ext cx="1553400" cy="639000"/>
             </a:xfrm>
             <a:prstGeom prst="rect">
               <a:avLst/>
@@ -522,7 +518,7 @@
           <p:spPr>
             <a:xfrm>
               <a:off x="914400" y="1920240"/>
-              <a:ext cx="1279440" cy="1828080"/>
+              <a:ext cx="1279080" cy="1827720"/>
             </a:xfrm>
             <a:prstGeom prst="rect">
               <a:avLst/>
@@ -569,7 +565,7 @@
           <p:spPr>
             <a:xfrm>
               <a:off x="2194560" y="548640"/>
-              <a:ext cx="1279440" cy="1828080"/>
+              <a:ext cx="1279080" cy="1827720"/>
             </a:xfrm>
             <a:prstGeom prst="rect">
               <a:avLst/>
@@ -616,7 +612,7 @@
           <p:spPr>
             <a:xfrm>
               <a:off x="3474720" y="1188720"/>
-              <a:ext cx="365040" cy="365040"/>
+              <a:ext cx="364680" cy="364680"/>
             </a:xfrm>
             <a:prstGeom prst="rect">
               <a:avLst/>
@@ -663,7 +659,7 @@
           <p:spPr>
             <a:xfrm>
               <a:off x="4206240" y="0"/>
-              <a:ext cx="1462320" cy="913680"/>
+              <a:ext cx="1461960" cy="913320"/>
             </a:xfrm>
             <a:prstGeom prst="rect">
               <a:avLst/>
@@ -710,7 +706,7 @@
           <p:spPr>
             <a:xfrm>
               <a:off x="4663440" y="914400"/>
-              <a:ext cx="1005120" cy="456480"/>
+              <a:ext cx="1004760" cy="456120"/>
             </a:xfrm>
             <a:prstGeom prst="rect">
               <a:avLst/>
@@ -757,7 +753,7 @@
           <p:spPr>
             <a:xfrm>
               <a:off x="3474720" y="1737360"/>
-              <a:ext cx="3108240" cy="1005120"/>
+              <a:ext cx="3107880" cy="1004760"/>
             </a:xfrm>
             <a:prstGeom prst="rect">
               <a:avLst/>
@@ -804,7 +800,7 @@
           <p:spPr>
             <a:xfrm>
               <a:off x="4114800" y="2743200"/>
-              <a:ext cx="1462320" cy="1005120"/>
+              <a:ext cx="1461960" cy="1004760"/>
             </a:xfrm>
             <a:prstGeom prst="rect">
               <a:avLst/>
@@ -851,7 +847,7 @@
           <p:spPr>
             <a:xfrm>
               <a:off x="6583680" y="1463040"/>
-              <a:ext cx="1553760" cy="456480"/>
+              <a:ext cx="1553400" cy="456120"/>
             </a:xfrm>
             <a:prstGeom prst="rect">
               <a:avLst/>
@@ -900,7 +896,7 @@
           <p:spPr>
             <a:xfrm>
               <a:off x="7315200" y="1920240"/>
-              <a:ext cx="1462320" cy="1645200"/>
+              <a:ext cx="1461960" cy="1644840"/>
             </a:xfrm>
             <a:prstGeom prst="rect">
               <a:avLst/>
@@ -949,7 +945,7 @@
           <p:spPr>
             <a:xfrm>
               <a:off x="2743200" y="2377440"/>
-              <a:ext cx="547920" cy="822240"/>
+              <a:ext cx="547560" cy="821880"/>
             </a:xfrm>
             <a:prstGeom prst="rect">
               <a:avLst/>
@@ -996,7 +992,7 @@
           <p:spPr>
             <a:xfrm>
               <a:off x="8595360" y="0"/>
-              <a:ext cx="1484640" cy="1462320"/>
+              <a:ext cx="1484280" cy="1461960"/>
             </a:xfrm>
             <a:prstGeom prst="rect">
               <a:avLst/>
@@ -1043,7 +1039,7 @@
           <p:spPr>
             <a:xfrm>
               <a:off x="6766560" y="0"/>
-              <a:ext cx="273600" cy="1005120"/>
+              <a:ext cx="273240" cy="1004760"/>
             </a:xfrm>
             <a:prstGeom prst="rect">
               <a:avLst/>
@@ -1092,7 +1088,7 @@
           <p:spPr>
             <a:xfrm>
               <a:off x="1554480" y="0"/>
-              <a:ext cx="182160" cy="913680"/>
+              <a:ext cx="181800" cy="913320"/>
             </a:xfrm>
             <a:prstGeom prst="rect">
               <a:avLst/>
@@ -1139,7 +1135,7 @@
           <p:spPr>
             <a:xfrm>
               <a:off x="0" y="3017520"/>
-              <a:ext cx="365040" cy="1096560"/>
+              <a:ext cx="364680" cy="1096200"/>
             </a:xfrm>
             <a:prstGeom prst="rect">
               <a:avLst/>
@@ -1186,7 +1182,7 @@
           <p:spPr>
             <a:xfrm>
               <a:off x="9601200" y="2560320"/>
-              <a:ext cx="365040" cy="1553760"/>
+              <a:ext cx="364680" cy="1553400"/>
             </a:xfrm>
             <a:prstGeom prst="rect">
               <a:avLst/>
@@ -1233,7 +1229,7 @@
           <p:spPr>
             <a:xfrm>
               <a:off x="8778240" y="1828800"/>
-              <a:ext cx="365040" cy="365040"/>
+              <a:ext cx="364680" cy="364680"/>
             </a:xfrm>
             <a:prstGeom prst="rect">
               <a:avLst/>
@@ -1580,10 +1576,10 @@
         </p:nvGrpSpPr>
         <p:grpSpPr>
           <a:xfrm>
-            <a:off x="8540280" y="5065200"/>
-            <a:ext cx="1279800" cy="914040"/>
-            <a:chOff x="8540280" y="5065200"/>
-            <a:chExt cx="1279800" cy="914040"/>
+            <a:off x="8540280" y="5064840"/>
+            <a:ext cx="1279440" cy="913680"/>
+            <a:chOff x="8540280" y="5064840"/>
+            <a:chExt cx="1279440" cy="913680"/>
           </a:xfrm>
         </p:grpSpPr>
         <p:grpSp>
@@ -1594,10 +1590,10 @@
           </p:nvGrpSpPr>
           <p:grpSpPr>
             <a:xfrm>
-              <a:off x="8540280" y="5065200"/>
-              <a:ext cx="1279800" cy="914040"/>
-              <a:chOff x="8540280" y="5065200"/>
-              <a:chExt cx="1279800" cy="914040"/>
+              <a:off x="8540280" y="5064840"/>
+              <a:ext cx="1279440" cy="913680"/>
+              <a:chOff x="8540280" y="5064840"/>
+              <a:chExt cx="1279440" cy="913680"/>
             </a:xfrm>
           </p:grpSpPr>
           <p:sp>
@@ -1608,8 +1604,8 @@
             </p:nvSpPr>
             <p:spPr>
               <a:xfrm flipV="1" rot="21598800">
-                <a:off x="9637560" y="5430960"/>
-                <a:ext cx="182160" cy="182160"/>
+                <a:off x="9637560" y="5430240"/>
+                <a:ext cx="181800" cy="181800"/>
               </a:xfrm>
               <a:prstGeom prst="ellipse">
                 <a:avLst/>
@@ -1617,7 +1613,7 @@
               <a:blipFill rotWithShape="0">
                 <a:blip r:embed="rId2"/>
                 <a:srcRect/>
-                <a:tile tx="0" ty="0" sx="74113" sy="74113" algn="ctr"/>
+                <a:tile tx="0" ty="0" sx="73758" sy="73758" algn="ctr"/>
               </a:blipFill>
               <a:ln w="0">
                 <a:noFill/>
@@ -1664,8 +1660,8 @@
             </p:nvSpPr>
             <p:spPr>
               <a:xfrm flipV="1" rot="21598800">
-                <a:off x="9271800" y="5430960"/>
-                <a:ext cx="182160" cy="182160"/>
+                <a:off x="9271800" y="5430240"/>
+                <a:ext cx="181800" cy="181800"/>
               </a:xfrm>
               <a:prstGeom prst="ellipse">
                 <a:avLst/>
@@ -1673,7 +1669,7 @@
               <a:blipFill rotWithShape="0">
                 <a:blip r:embed="rId3"/>
                 <a:srcRect/>
-                <a:tile tx="0" ty="0" sx="74113" sy="74113" algn="ctr"/>
+                <a:tile tx="0" ty="0" sx="73758" sy="73758" algn="ctr"/>
               </a:blipFill>
               <a:ln w="0">
                 <a:noFill/>
@@ -1720,8 +1716,8 @@
             </p:nvSpPr>
             <p:spPr>
               <a:xfrm flipV="1" rot="21598800">
-                <a:off x="8906400" y="5430960"/>
-                <a:ext cx="182160" cy="182160"/>
+                <a:off x="8906400" y="5430240"/>
+                <a:ext cx="181800" cy="181800"/>
               </a:xfrm>
               <a:prstGeom prst="ellipse">
                 <a:avLst/>
@@ -1729,7 +1725,7 @@
               <a:blipFill rotWithShape="0">
                 <a:blip r:embed="rId4"/>
                 <a:srcRect/>
-                <a:tile tx="0" ty="0" sx="74113" sy="74113" algn="ctr"/>
+                <a:tile tx="0" ty="0" sx="73758" sy="73758" algn="ctr"/>
               </a:blipFill>
               <a:ln w="0">
                 <a:noFill/>
@@ -1776,8 +1772,8 @@
             </p:nvSpPr>
             <p:spPr>
               <a:xfrm flipV="1" rot="21598800">
-                <a:off x="8540280" y="5431320"/>
-                <a:ext cx="182160" cy="182160"/>
+                <a:off x="8540280" y="5430600"/>
+                <a:ext cx="181800" cy="181800"/>
               </a:xfrm>
               <a:prstGeom prst="ellipse">
                 <a:avLst/>
@@ -1785,7 +1781,7 @@
               <a:blipFill rotWithShape="0">
                 <a:blip r:embed="rId5"/>
                 <a:srcRect/>
-                <a:tile tx="0" ty="0" sx="74113" sy="74113" algn="ctr"/>
+                <a:tile tx="0" ty="0" sx="73758" sy="73758" algn="ctr"/>
               </a:blipFill>
               <a:ln w="0">
                 <a:noFill/>
@@ -1832,8 +1828,8 @@
             </p:nvSpPr>
             <p:spPr>
               <a:xfrm flipV="1" rot="21598800">
-                <a:off x="8540280" y="5065200"/>
-                <a:ext cx="182160" cy="182160"/>
+                <a:off x="8540280" y="5064480"/>
+                <a:ext cx="181800" cy="181800"/>
               </a:xfrm>
               <a:prstGeom prst="ellipse">
                 <a:avLst/>
@@ -1841,7 +1837,7 @@
               <a:blipFill rotWithShape="0">
                 <a:blip r:embed="rId6"/>
                 <a:srcRect/>
-                <a:tile tx="0" ty="0" sx="74113" sy="74113" algn="ctr"/>
+                <a:tile tx="0" ty="0" sx="73758" sy="73758" algn="ctr"/>
               </a:blipFill>
               <a:ln w="0">
                 <a:noFill/>
@@ -1888,8 +1884,8 @@
             </p:nvSpPr>
             <p:spPr>
               <a:xfrm flipV="1" rot="21598800">
-                <a:off x="8906040" y="5065200"/>
-                <a:ext cx="182160" cy="182160"/>
+                <a:off x="8906040" y="5064480"/>
+                <a:ext cx="181800" cy="181800"/>
               </a:xfrm>
               <a:prstGeom prst="ellipse">
                 <a:avLst/>
@@ -1897,7 +1893,7 @@
               <a:blipFill rotWithShape="0">
                 <a:blip r:embed="rId7"/>
                 <a:srcRect/>
-                <a:tile tx="0" ty="0" sx="74113" sy="74113" algn="ctr"/>
+                <a:tile tx="0" ty="0" sx="73758" sy="73758" algn="ctr"/>
               </a:blipFill>
               <a:ln w="0">
                 <a:noFill/>
@@ -1944,8 +1940,8 @@
             </p:nvSpPr>
             <p:spPr>
               <a:xfrm flipV="1" rot="21598800">
-                <a:off x="9271800" y="5065560"/>
-                <a:ext cx="182160" cy="182160"/>
+                <a:off x="9271800" y="5064840"/>
+                <a:ext cx="181800" cy="181800"/>
               </a:xfrm>
               <a:prstGeom prst="ellipse">
                 <a:avLst/>
@@ -1953,7 +1949,7 @@
               <a:blipFill rotWithShape="0">
                 <a:blip r:embed="rId8"/>
                 <a:srcRect/>
-                <a:tile tx="0" ty="0" sx="74113" sy="74113" algn="ctr"/>
+                <a:tile tx="0" ty="0" sx="73758" sy="73758" algn="ctr"/>
               </a:blipFill>
               <a:ln w="0">
                 <a:noFill/>
@@ -2000,8 +1996,8 @@
             </p:nvSpPr>
             <p:spPr>
               <a:xfrm flipV="1" rot="21598800">
-                <a:off x="9637920" y="5065200"/>
-                <a:ext cx="182160" cy="182160"/>
+                <a:off x="9637920" y="5064480"/>
+                <a:ext cx="181800" cy="181800"/>
               </a:xfrm>
               <a:prstGeom prst="ellipse">
                 <a:avLst/>
@@ -2009,7 +2005,7 @@
               <a:blipFill rotWithShape="0">
                 <a:blip r:embed="rId9"/>
                 <a:srcRect/>
-                <a:tile tx="0" ty="0" sx="74113" sy="74113" algn="ctr"/>
+                <a:tile tx="0" ty="0" sx="73758" sy="73758" algn="ctr"/>
               </a:blipFill>
               <a:ln w="0">
                 <a:noFill/>
@@ -2056,8 +2052,8 @@
             </p:nvSpPr>
             <p:spPr>
               <a:xfrm flipV="1" rot="21598800">
-                <a:off x="9637560" y="5796720"/>
-                <a:ext cx="182160" cy="182160"/>
+                <a:off x="9637560" y="5796000"/>
+                <a:ext cx="181800" cy="181800"/>
               </a:xfrm>
               <a:prstGeom prst="ellipse">
                 <a:avLst/>
@@ -2065,7 +2061,7 @@
               <a:blipFill rotWithShape="0">
                 <a:blip r:embed="rId10"/>
                 <a:srcRect/>
-                <a:tile tx="0" ty="0" sx="74113" sy="74113" algn="ctr"/>
+                <a:tile tx="0" ty="0" sx="73758" sy="73758" algn="ctr"/>
               </a:blipFill>
               <a:ln w="0">
                 <a:noFill/>
@@ -2112,8 +2108,8 @@
             </p:nvSpPr>
             <p:spPr>
               <a:xfrm flipV="1" rot="21598800">
-                <a:off x="9272160" y="5797080"/>
-                <a:ext cx="182160" cy="182160"/>
+                <a:off x="9272160" y="5796360"/>
+                <a:ext cx="181800" cy="181800"/>
               </a:xfrm>
               <a:prstGeom prst="ellipse">
                 <a:avLst/>
@@ -2121,7 +2117,7 @@
               <a:blipFill rotWithShape="0">
                 <a:blip r:embed="rId11"/>
                 <a:srcRect/>
-                <a:tile tx="0" ty="0" sx="74113" sy="74113" algn="ctr"/>
+                <a:tile tx="0" ty="0" sx="73758" sy="73758" algn="ctr"/>
               </a:blipFill>
               <a:ln w="0">
                 <a:noFill/>
@@ -2168,8 +2164,8 @@
             </p:nvSpPr>
             <p:spPr>
               <a:xfrm flipV="1" rot="21598800">
-                <a:off x="8906040" y="5796720"/>
-                <a:ext cx="182160" cy="182160"/>
+                <a:off x="8906040" y="5796000"/>
+                <a:ext cx="181800" cy="181800"/>
               </a:xfrm>
               <a:prstGeom prst="ellipse">
                 <a:avLst/>
@@ -2177,7 +2173,7 @@
               <a:blipFill rotWithShape="0">
                 <a:blip r:embed="rId12"/>
                 <a:srcRect/>
-                <a:tile tx="0" ty="0" sx="74113" sy="74113" algn="ctr"/>
+                <a:tile tx="0" ty="0" sx="73758" sy="73758" algn="ctr"/>
               </a:blipFill>
               <a:ln w="0">
                 <a:noFill/>
@@ -2224,8 +2220,8 @@
             </p:nvSpPr>
             <p:spPr>
               <a:xfrm flipV="1" rot="21598800">
-                <a:off x="8540280" y="5796720"/>
-                <a:ext cx="182160" cy="182160"/>
+                <a:off x="8540280" y="5796000"/>
+                <a:ext cx="181800" cy="181800"/>
               </a:xfrm>
               <a:prstGeom prst="ellipse">
                 <a:avLst/>
@@ -2233,7 +2229,7 @@
               <a:blipFill rotWithShape="0">
                 <a:blip r:embed="rId13"/>
                 <a:srcRect/>
-                <a:tile tx="0" ty="0" sx="74113" sy="74113" algn="ctr"/>
+                <a:tile tx="0" ty="0" sx="73758" sy="73758" algn="ctr"/>
               </a:blipFill>
               <a:ln w="0">
                 <a:noFill/>
@@ -2283,7 +2279,7 @@
         <p:spPr>
           <a:xfrm>
             <a:off x="1499760" y="1774080"/>
-            <a:ext cx="2925360" cy="2925360"/>
+            <a:ext cx="2925000" cy="2925000"/>
           </a:xfrm>
           <a:prstGeom prst="ellipse">
             <a:avLst/>
@@ -2332,7 +2328,7 @@
         <p:spPr>
           <a:xfrm>
             <a:off x="1225080" y="1134360"/>
-            <a:ext cx="1188360" cy="1187640"/>
+            <a:ext cx="1188000" cy="1187280"/>
           </a:xfrm>
           <a:prstGeom prst="ellipse">
             <a:avLst/>
@@ -2381,7 +2377,7 @@
         <p:spPr>
           <a:xfrm>
             <a:off x="3420000" y="4242960"/>
-            <a:ext cx="639360" cy="639360"/>
+            <a:ext cx="639000" cy="639000"/>
           </a:xfrm>
           <a:prstGeom prst="ellipse">
             <a:avLst/>
@@ -2434,7 +2430,7 @@
         <p:spPr>
           <a:xfrm>
             <a:off x="4349520" y="792360"/>
-            <a:ext cx="5525280" cy="4144680"/>
+            <a:ext cx="5524920" cy="4144320"/>
           </a:xfrm>
           <a:prstGeom prst="rect">
             <a:avLst/>
@@ -2453,7 +2449,7 @@
         <p:spPr>
           <a:xfrm>
             <a:off x="4846320" y="4846320"/>
-            <a:ext cx="2132280" cy="241920"/>
+            <a:ext cx="2131920" cy="241560"/>
           </a:xfrm>
           <a:prstGeom prst="rect">
             <a:avLst/>
@@ -2573,9 +2569,9 @@
         <p:grpSpPr>
           <a:xfrm>
             <a:off x="7406640" y="3566160"/>
-            <a:ext cx="2376720" cy="4296960"/>
+            <a:ext cx="2376360" cy="4296600"/>
             <a:chOff x="7406640" y="3566160"/>
-            <a:chExt cx="2376720" cy="4296960"/>
+            <a:chExt cx="2376360" cy="4296600"/>
           </a:xfrm>
         </p:grpSpPr>
         <p:sp>
@@ -2587,7 +2583,7 @@
           <p:spPr>
             <a:xfrm>
               <a:off x="8138160" y="4754880"/>
-              <a:ext cx="456480" cy="2559600"/>
+              <a:ext cx="456120" cy="2559240"/>
             </a:xfrm>
             <a:prstGeom prst="rect">
               <a:avLst/>
@@ -2595,7 +2591,7 @@
             <a:blipFill rotWithShape="0">
               <a:blip r:embed="rId2"/>
               <a:srcRect/>
-              <a:tile tx="0" ty="0" sx="74113" sy="74113" algn="ctr"/>
+              <a:tile tx="0" ty="0" sx="73758" sy="73758" algn="ctr"/>
             </a:blipFill>
             <a:ln w="0">
               <a:noFill/>
@@ -2636,7 +2632,7 @@
           <p:spPr>
             <a:xfrm>
               <a:off x="8961120" y="3566160"/>
-              <a:ext cx="456480" cy="2559600"/>
+              <a:ext cx="456120" cy="2559240"/>
             </a:xfrm>
             <a:prstGeom prst="rect">
               <a:avLst/>
@@ -2644,7 +2640,7 @@
             <a:blipFill rotWithShape="0">
               <a:blip r:embed="rId3"/>
               <a:srcRect/>
-              <a:tile tx="0" ty="0" sx="74113" sy="74113" algn="ctr"/>
+              <a:tile tx="0" ty="0" sx="73758" sy="73758" algn="ctr"/>
             </a:blipFill>
             <a:ln w="0">
               <a:noFill/>
@@ -2685,7 +2681,7 @@
           <p:spPr>
             <a:xfrm>
               <a:off x="8503920" y="5120640"/>
-              <a:ext cx="1279440" cy="90720"/>
+              <a:ext cx="1279080" cy="90360"/>
             </a:xfrm>
             <a:prstGeom prst="rect">
               <a:avLst/>
@@ -2734,7 +2730,7 @@
           <p:spPr>
             <a:xfrm>
               <a:off x="8321040" y="5303520"/>
-              <a:ext cx="913680" cy="90720"/>
+              <a:ext cx="913320" cy="90360"/>
             </a:xfrm>
             <a:prstGeom prst="rect">
               <a:avLst/>
@@ -2783,7 +2779,7 @@
           <p:spPr>
             <a:xfrm>
               <a:off x="8869680" y="5486400"/>
-              <a:ext cx="913680" cy="90720"/>
+              <a:ext cx="913320" cy="90360"/>
             </a:xfrm>
             <a:prstGeom prst="rect">
               <a:avLst/>
@@ -2832,7 +2828,7 @@
           <p:spPr>
             <a:xfrm>
               <a:off x="7406640" y="5303520"/>
-              <a:ext cx="456480" cy="2559600"/>
+              <a:ext cx="456120" cy="2559240"/>
             </a:xfrm>
             <a:prstGeom prst="rect">
               <a:avLst/>
@@ -2840,7 +2836,7 @@
             <a:blipFill rotWithShape="0">
               <a:blip r:embed="rId4"/>
               <a:srcRect/>
-              <a:tile tx="0" ty="0" sx="74113" sy="74113" algn="ctr"/>
+              <a:tile tx="0" ty="0" sx="73758" sy="73758" algn="ctr"/>
             </a:blipFill>
             <a:ln w="0">
               <a:noFill/>
@@ -2881,8 +2877,8 @@
         </p:nvSpPr>
         <p:spPr>
           <a:xfrm flipH="1" flipV="1">
-            <a:off x="1461240" y="-1555200"/>
-            <a:ext cx="456480" cy="2559600"/>
+            <a:off x="1460160" y="-1555920"/>
+            <a:ext cx="456120" cy="2559240"/>
           </a:xfrm>
           <a:prstGeom prst="rect">
             <a:avLst/>
@@ -2890,7 +2886,7 @@
           <a:blipFill rotWithShape="0">
             <a:blip r:embed="rId5"/>
             <a:srcRect/>
-            <a:tile tx="0" ty="0" sx="74113" sy="74113" algn="ctr"/>
+            <a:tile tx="0" ty="0" sx="73758" sy="73758" algn="ctr"/>
           </a:blipFill>
           <a:ln w="0">
             <a:noFill/>
@@ -2930,8 +2926,8 @@
         </p:nvSpPr>
         <p:spPr>
           <a:xfrm flipH="1" flipV="1">
-            <a:off x="638280" y="-365400"/>
-            <a:ext cx="456480" cy="2559600"/>
+            <a:off x="637200" y="-365760"/>
+            <a:ext cx="456120" cy="2559240"/>
           </a:xfrm>
           <a:prstGeom prst="rect">
             <a:avLst/>
@@ -2939,7 +2935,7 @@
           <a:blipFill rotWithShape="0">
             <a:blip r:embed="rId6"/>
             <a:srcRect/>
-            <a:tile tx="0" ty="0" sx="74113" sy="74113" algn="ctr"/>
+            <a:tile tx="0" ty="0" sx="73758" sy="73758" algn="ctr"/>
           </a:blipFill>
           <a:ln w="0">
             <a:noFill/>
@@ -2979,8 +2975,8 @@
         </p:nvSpPr>
         <p:spPr>
           <a:xfrm flipH="1" flipV="1">
-            <a:off x="273600" y="547920"/>
-            <a:ext cx="1279440" cy="90720"/>
+            <a:off x="272880" y="547200"/>
+            <a:ext cx="1279080" cy="90360"/>
           </a:xfrm>
           <a:prstGeom prst="rect">
             <a:avLst/>
@@ -3028,8 +3024,8 @@
         </p:nvSpPr>
         <p:spPr>
           <a:xfrm flipH="1" flipV="1">
-            <a:off x="822240" y="365040"/>
-            <a:ext cx="913680" cy="90720"/>
+            <a:off x="821520" y="364320"/>
+            <a:ext cx="913320" cy="90360"/>
           </a:xfrm>
           <a:prstGeom prst="rect">
             <a:avLst/>
@@ -3077,8 +3073,8 @@
         </p:nvSpPr>
         <p:spPr>
           <a:xfrm flipH="1" flipV="1">
-            <a:off x="273600" y="182160"/>
-            <a:ext cx="913680" cy="90720"/>
+            <a:off x="272880" y="181440"/>
+            <a:ext cx="913320" cy="90360"/>
           </a:xfrm>
           <a:prstGeom prst="rect">
             <a:avLst/>
@@ -3126,8 +3122,8 @@
         </p:nvSpPr>
         <p:spPr>
           <a:xfrm flipH="1" flipV="1">
-            <a:off x="2193840" y="-2103840"/>
-            <a:ext cx="456480" cy="2559600"/>
+            <a:off x="2193120" y="-2104560"/>
+            <a:ext cx="456120" cy="2559240"/>
           </a:xfrm>
           <a:prstGeom prst="rect">
             <a:avLst/>
@@ -3135,7 +3131,7 @@
           <a:blipFill rotWithShape="0">
             <a:blip r:embed="rId7"/>
             <a:srcRect/>
-            <a:tile tx="0" ty="0" sx="74113" sy="74113" algn="ctr"/>
+            <a:tile tx="0" ty="0" sx="73758" sy="73758" algn="ctr"/>
           </a:blipFill>
           <a:ln w="0">
             <a:noFill/>
@@ -3176,7 +3172,7 @@
         <p:spPr>
           <a:xfrm>
             <a:off x="3474720" y="2560320"/>
-            <a:ext cx="2742480" cy="2742480"/>
+            <a:ext cx="2742120" cy="2742120"/>
           </a:xfrm>
           <a:prstGeom prst="ellipse">
             <a:avLst/>
@@ -3254,7 +3250,16 @@
                 </a:solidFill>
                 <a:latin typeface="Arial"/>
               </a:rPr>
-              <a:t>Click to edit the title text format</a:t>
+              <a:t>Click to edit the title </a:t>
+            </a:r>
+            <a:r>
+              <a:rPr b="0" lang="fr-CH" sz="4400" spc="-1" strike="noStrike">
+                <a:solidFill>
+                  <a:srgbClr val="000000"/>
+                </a:solidFill>
+                <a:latin typeface="Arial"/>
+              </a:rPr>
+              <a:t>text format</a:t>
             </a:r>
             <a:endParaRPr b="0" lang="fr-CH" sz="4400" spc="-1" strike="noStrike">
               <a:solidFill>
@@ -3525,7 +3530,7 @@
         <p:spPr>
           <a:xfrm>
             <a:off x="822960" y="2468880"/>
-            <a:ext cx="1462320" cy="1462320"/>
+            <a:ext cx="1461960" cy="1461960"/>
           </a:xfrm>
           <a:prstGeom prst="ellipse">
             <a:avLst/>
@@ -3579,7 +3584,7 @@
         <p:spPr>
           <a:xfrm>
             <a:off x="4480560" y="1554480"/>
-            <a:ext cx="1462320" cy="1462320"/>
+            <a:ext cx="1461960" cy="1461960"/>
           </a:xfrm>
           <a:prstGeom prst="ellipse">
             <a:avLst/>
@@ -3633,7 +3638,7 @@
         <p:spPr>
           <a:xfrm>
             <a:off x="6583680" y="3108960"/>
-            <a:ext cx="1462320" cy="1462320"/>
+            <a:ext cx="1461960" cy="1461960"/>
           </a:xfrm>
           <a:prstGeom prst="ellipse">
             <a:avLst/>
@@ -3687,15 +3692,15 @@
         <p:spPr>
           <a:xfrm>
             <a:off x="1554480" y="4114800"/>
-            <a:ext cx="913680" cy="656640"/>
+            <a:ext cx="913320" cy="656280"/>
           </a:xfrm>
           <a:custGeom>
             <a:avLst/>
             <a:gdLst>
-              <a:gd name="textAreaLeft" fmla="*/ 0 w 913680"/>
-              <a:gd name="textAreaRight" fmla="*/ 914400 w 913680"/>
-              <a:gd name="textAreaTop" fmla="*/ 0 h 656640"/>
-              <a:gd name="textAreaBottom" fmla="*/ 657360 h 656640"/>
+              <a:gd name="textAreaLeft" fmla="*/ 0 w 913320"/>
+              <a:gd name="textAreaRight" fmla="*/ 914400 w 913320"/>
+              <a:gd name="textAreaTop" fmla="*/ 0 h 656280"/>
+              <a:gd name="textAreaBottom" fmla="*/ 657360 h 656280"/>
             </a:gdLst>
             <a:ahLst/>
             <a:rect l="textAreaLeft" t="textAreaTop" r="textAreaRight" b="textAreaBottom"/>
@@ -3758,15 +3763,15 @@
         <p:spPr>
           <a:xfrm>
             <a:off x="3657600" y="1188720"/>
-            <a:ext cx="822240" cy="639360"/>
+            <a:ext cx="821880" cy="639000"/>
           </a:xfrm>
           <a:custGeom>
             <a:avLst/>
             <a:gdLst>
-              <a:gd name="textAreaLeft" fmla="*/ 0 w 822240"/>
-              <a:gd name="textAreaRight" fmla="*/ 822960 w 822240"/>
-              <a:gd name="textAreaTop" fmla="*/ 0 h 639360"/>
-              <a:gd name="textAreaBottom" fmla="*/ 640080 h 639360"/>
+              <a:gd name="textAreaLeft" fmla="*/ 0 w 821880"/>
+              <a:gd name="textAreaRight" fmla="*/ 822960 w 821880"/>
+              <a:gd name="textAreaTop" fmla="*/ 0 h 639000"/>
+              <a:gd name="textAreaBottom" fmla="*/ 640080 h 639000"/>
             </a:gdLst>
             <a:ahLst/>
             <a:rect l="textAreaLeft" t="textAreaTop" r="textAreaRight" b="textAreaBottom"/>
@@ -3829,15 +3834,15 @@
         <p:spPr>
           <a:xfrm>
             <a:off x="7955280" y="2011680"/>
-            <a:ext cx="1463400" cy="1188000"/>
+            <a:ext cx="1463040" cy="1187640"/>
           </a:xfrm>
           <a:custGeom>
             <a:avLst/>
             <a:gdLst>
-              <a:gd name="textAreaLeft" fmla="*/ 0 w 1463400"/>
-              <a:gd name="textAreaRight" fmla="*/ 1464120 w 1463400"/>
-              <a:gd name="textAreaTop" fmla="*/ 0 h 1188000"/>
-              <a:gd name="textAreaBottom" fmla="*/ 1188720 h 1188000"/>
+              <a:gd name="textAreaLeft" fmla="*/ 0 w 1463040"/>
+              <a:gd name="textAreaRight" fmla="*/ 1464120 w 1463040"/>
+              <a:gd name="textAreaTop" fmla="*/ 0 h 1187640"/>
+              <a:gd name="textAreaBottom" fmla="*/ 1188720 h 1187640"/>
             </a:gdLst>
             <a:ahLst/>
             <a:rect l="textAreaLeft" t="textAreaTop" r="textAreaRight" b="textAreaBottom"/>
@@ -3905,7 +3910,7 @@
         <p:spPr>
           <a:xfrm>
             <a:off x="2468880" y="822960"/>
-            <a:ext cx="1409760" cy="1370880"/>
+            <a:ext cx="1409400" cy="1370520"/>
           </a:xfrm>
           <a:prstGeom prst="ellipse">
             <a:avLst/>
@@ -3954,7 +3959,7 @@
         <p:spPr>
           <a:xfrm>
             <a:off x="3931920" y="4663440"/>
-            <a:ext cx="1684080" cy="1645200"/>
+            <a:ext cx="1683720" cy="1644840"/>
           </a:xfrm>
           <a:prstGeom prst="ellipse">
             <a:avLst/>
@@ -4003,7 +4008,7 @@
         <p:spPr>
           <a:xfrm>
             <a:off x="8412480" y="1280160"/>
-            <a:ext cx="1096560" cy="1005120"/>
+            <a:ext cx="1096200" cy="1004760"/>
           </a:xfrm>
           <a:prstGeom prst="ellipse">
             <a:avLst/>
@@ -4078,7 +4083,7 @@
         <p:spPr>
           <a:xfrm>
             <a:off x="2103480" y="3658320"/>
-            <a:ext cx="1645200" cy="1645200"/>
+            <a:ext cx="1644840" cy="1644840"/>
           </a:xfrm>
           <a:prstGeom prst="ellipse">
             <a:avLst/>
@@ -4127,7 +4132,7 @@
         <p:spPr>
           <a:xfrm>
             <a:off x="823320" y="-273240"/>
-            <a:ext cx="2193840" cy="2193840"/>
+            <a:ext cx="2193480" cy="2193480"/>
           </a:xfrm>
           <a:prstGeom prst="ellipse">
             <a:avLst/>
@@ -4176,7 +4181,7 @@
         <p:spPr>
           <a:xfrm>
             <a:off x="7955640" y="3109680"/>
-            <a:ext cx="2193840" cy="2193840"/>
+            <a:ext cx="2193480" cy="2193480"/>
           </a:xfrm>
           <a:prstGeom prst="ellipse">
             <a:avLst/>
@@ -4225,7 +4230,7 @@
         <p:spPr>
           <a:xfrm>
             <a:off x="9601560" y="915120"/>
-            <a:ext cx="1645200" cy="1645200"/>
+            <a:ext cx="1644840" cy="1644840"/>
           </a:xfrm>
           <a:prstGeom prst="ellipse">
             <a:avLst/>
@@ -4273,10 +4278,10 @@
         </p:nvGrpSpPr>
         <p:grpSpPr>
           <a:xfrm>
-            <a:off x="3917520" y="775080"/>
-            <a:ext cx="2432880" cy="4338360"/>
-            <a:chOff x="3917520" y="775080"/>
-            <a:chExt cx="2432880" cy="4338360"/>
+            <a:off x="3917160" y="774360"/>
+            <a:ext cx="2432520" cy="4338000"/>
+            <a:chOff x="3917160" y="774360"/>
+            <a:chExt cx="2432520" cy="4338000"/>
           </a:xfrm>
         </p:grpSpPr>
         <p:sp>
@@ -4287,8 +4292,8 @@
           </p:nvSpPr>
           <p:spPr>
             <a:xfrm flipH="1" flipV="1" rot="5330400">
-              <a:off x="4853160" y="3377520"/>
-              <a:ext cx="1370880" cy="1462320"/>
+              <a:off x="4852440" y="3377160"/>
+              <a:ext cx="1370520" cy="1461960"/>
             </a:xfrm>
             <a:prstGeom prst="parallelogram">
               <a:avLst>
@@ -4336,8 +4341,8 @@
           </p:nvSpPr>
           <p:spPr>
             <a:xfrm flipH="1" flipV="1" rot="5330400">
-              <a:off x="4022640" y="2339280"/>
-              <a:ext cx="1370880" cy="1462320"/>
+              <a:off x="4021920" y="2338920"/>
+              <a:ext cx="1370520" cy="1461960"/>
             </a:xfrm>
             <a:prstGeom prst="parallelogram">
               <a:avLst>
@@ -4385,8 +4390,8 @@
           </p:nvSpPr>
           <p:spPr>
             <a:xfrm flipH="1" flipV="1" rot="5330400">
-              <a:off x="4919760" y="2075040"/>
-              <a:ext cx="1370880" cy="1462320"/>
+              <a:off x="4919040" y="2074680"/>
+              <a:ext cx="1370520" cy="1461960"/>
             </a:xfrm>
             <a:prstGeom prst="parallelogram">
               <a:avLst>
@@ -4434,8 +4439,8 @@
           </p:nvSpPr>
           <p:spPr>
             <a:xfrm flipH="1" flipV="1" rot="5330400">
-              <a:off x="3976560" y="981360"/>
-              <a:ext cx="1370880" cy="1462320"/>
+              <a:off x="3975840" y="981000"/>
+              <a:ext cx="1370520" cy="1461960"/>
             </a:xfrm>
             <a:prstGeom prst="parallelogram">
               <a:avLst>
@@ -4483,8 +4488,8 @@
           </p:nvSpPr>
           <p:spPr>
             <a:xfrm flipH="1" flipV="1" rot="5330400">
-              <a:off x="4910760" y="743400"/>
-              <a:ext cx="1370880" cy="1462320"/>
+              <a:off x="4910040" y="743040"/>
+              <a:ext cx="1370520" cy="1461960"/>
             </a:xfrm>
             <a:prstGeom prst="parallelogram">
               <a:avLst>
@@ -4532,8 +4537,8 @@
           </p:nvSpPr>
           <p:spPr>
             <a:xfrm flipH="1" flipV="1" rot="5330400">
-              <a:off x="4031280" y="3681720"/>
-              <a:ext cx="1370880" cy="1462320"/>
+              <a:off x="4030560" y="3681360"/>
+              <a:ext cx="1370520" cy="1461960"/>
             </a:xfrm>
             <a:prstGeom prst="parallelogram">
               <a:avLst>
@@ -4609,7 +4614,7 @@
         <p:spPr>
           <a:xfrm>
             <a:off x="6411960" y="1300320"/>
-            <a:ext cx="861120" cy="182160"/>
+            <a:ext cx="860760" cy="181800"/>
           </a:xfrm>
           <a:prstGeom prst="rect">
             <a:avLst/>
@@ -4663,7 +4668,7 @@
         <p:spPr>
           <a:xfrm>
             <a:off x="5813280" y="3854880"/>
-            <a:ext cx="861120" cy="182160"/>
+            <a:ext cx="860760" cy="181800"/>
           </a:xfrm>
           <a:prstGeom prst="rect">
             <a:avLst/>
@@ -4717,7 +4722,7 @@
         <p:spPr>
           <a:xfrm>
             <a:off x="7589520" y="2560320"/>
-            <a:ext cx="2193840" cy="2193840"/>
+            <a:ext cx="2193480" cy="2193480"/>
           </a:xfrm>
           <a:prstGeom prst="ellipse">
             <a:avLst/>
@@ -4766,7 +4771,7 @@
         <p:spPr>
           <a:xfrm>
             <a:off x="3200400" y="731520"/>
-            <a:ext cx="1684080" cy="1645200"/>
+            <a:ext cx="1683720" cy="1644840"/>
           </a:xfrm>
           <a:prstGeom prst="ellipse">
             <a:avLst/>
@@ -4815,7 +4820,7 @@
         <p:spPr>
           <a:xfrm>
             <a:off x="1424160" y="3489120"/>
-            <a:ext cx="1684080" cy="1645200"/>
+            <a:ext cx="1683720" cy="1644840"/>
           </a:xfrm>
           <a:prstGeom prst="ellipse">
             <a:avLst/>
@@ -4864,15 +4869,15 @@
         <p:spPr>
           <a:xfrm>
             <a:off x="700920" y="1900080"/>
-            <a:ext cx="1401480" cy="1848240"/>
+            <a:ext cx="1401120" cy="1847880"/>
           </a:xfrm>
           <a:custGeom>
             <a:avLst/>
             <a:gdLst>
-              <a:gd name="textAreaLeft" fmla="*/ 0 w 1401480"/>
-              <a:gd name="textAreaRight" fmla="*/ 1402200 w 1401480"/>
-              <a:gd name="textAreaTop" fmla="*/ 0 h 1848240"/>
-              <a:gd name="textAreaBottom" fmla="*/ 1848960 h 1848240"/>
+              <a:gd name="textAreaLeft" fmla="*/ 0 w 1401120"/>
+              <a:gd name="textAreaRight" fmla="*/ 1402200 w 1401120"/>
+              <a:gd name="textAreaTop" fmla="*/ 0 h 1847880"/>
+              <a:gd name="textAreaBottom" fmla="*/ 1848960 h 1847880"/>
             </a:gdLst>
             <a:ahLst/>
             <a:rect l="textAreaLeft" t="textAreaTop" r="textAreaRight" b="textAreaBottom"/>
@@ -4937,15 +4942,15 @@
         <p:spPr>
           <a:xfrm>
             <a:off x="3931920" y="2011680"/>
-            <a:ext cx="975240" cy="1370880"/>
+            <a:ext cx="974880" cy="1370520"/>
           </a:xfrm>
           <a:custGeom>
             <a:avLst/>
             <a:gdLst>
-              <a:gd name="textAreaLeft" fmla="*/ 0 w 975240"/>
-              <a:gd name="textAreaRight" fmla="*/ 975960 w 975240"/>
-              <a:gd name="textAreaTop" fmla="*/ 0 h 1370880"/>
-              <a:gd name="textAreaBottom" fmla="*/ 1371600 h 1370880"/>
+              <a:gd name="textAreaLeft" fmla="*/ 0 w 974880"/>
+              <a:gd name="textAreaRight" fmla="*/ 975960 w 974880"/>
+              <a:gd name="textAreaTop" fmla="*/ 0 h 1370520"/>
+              <a:gd name="textAreaBottom" fmla="*/ 1371600 h 1370520"/>
             </a:gdLst>
             <a:ahLst/>
             <a:rect l="textAreaLeft" t="textAreaTop" r="textAreaRight" b="textAreaBottom"/>
@@ -5020,15 +5025,15 @@
         <p:spPr>
           <a:xfrm>
             <a:off x="7724880" y="2103120"/>
-            <a:ext cx="778320" cy="1462320"/>
+            <a:ext cx="777960" cy="1461960"/>
           </a:xfrm>
           <a:custGeom>
             <a:avLst/>
             <a:gdLst>
-              <a:gd name="textAreaLeft" fmla="*/ 0 w 778320"/>
-              <a:gd name="textAreaRight" fmla="*/ 779040 w 778320"/>
-              <a:gd name="textAreaTop" fmla="*/ 0 h 1462320"/>
-              <a:gd name="textAreaBottom" fmla="*/ 1463040 h 1462320"/>
+              <a:gd name="textAreaLeft" fmla="*/ 0 w 777960"/>
+              <a:gd name="textAreaRight" fmla="*/ 779040 w 777960"/>
+              <a:gd name="textAreaTop" fmla="*/ 0 h 1461960"/>
+              <a:gd name="textAreaBottom" fmla="*/ 1463040 h 1461960"/>
             </a:gdLst>
             <a:ahLst/>
             <a:rect l="textAreaLeft" t="textAreaTop" r="textAreaRight" b="textAreaBottom"/>
@@ -5103,7 +5108,7 @@
         <p:spPr>
           <a:xfrm>
             <a:off x="1424160" y="4754880"/>
-            <a:ext cx="861120" cy="182160"/>
+            <a:ext cx="860760" cy="181800"/>
           </a:xfrm>
           <a:prstGeom prst="rect">
             <a:avLst/>
@@ -5157,7 +5162,7 @@
         <p:spPr>
           <a:xfrm>
             <a:off x="2887200" y="1300320"/>
-            <a:ext cx="861120" cy="182160"/>
+            <a:ext cx="860760" cy="181800"/>
           </a:xfrm>
           <a:prstGeom prst="rect">
             <a:avLst/>
@@ -5237,9 +5242,9 @@
         <p:grpSpPr>
           <a:xfrm>
             <a:off x="3570480" y="1225440"/>
-            <a:ext cx="5119920" cy="2925360"/>
+            <a:ext cx="5119560" cy="2925000"/>
             <a:chOff x="3570480" y="1225440"/>
-            <a:chExt cx="5119920" cy="2925360"/>
+            <a:chExt cx="5119560" cy="2925000"/>
           </a:xfrm>
         </p:grpSpPr>
         <p:sp>
@@ -5251,7 +5256,7 @@
           <p:spPr>
             <a:xfrm>
               <a:off x="3570480" y="1528200"/>
-              <a:ext cx="4926600" cy="2622600"/>
+              <a:ext cx="4926240" cy="2622240"/>
             </a:xfrm>
             <a:prstGeom prst="rect">
               <a:avLst/>
@@ -5298,7 +5303,7 @@
           <p:spPr>
             <a:xfrm>
               <a:off x="3763800" y="1225440"/>
-              <a:ext cx="4926600" cy="2622600"/>
+              <a:ext cx="4926240" cy="2622240"/>
             </a:xfrm>
             <a:prstGeom prst="rect">
               <a:avLst/>
@@ -5346,10 +5351,10 @@
         </p:nvGrpSpPr>
         <p:grpSpPr>
           <a:xfrm>
-            <a:off x="-2092680" y="-402120"/>
-            <a:ext cx="4944600" cy="8520840"/>
-            <a:chOff x="-2092680" y="-402120"/>
-            <a:chExt cx="4944600" cy="8520840"/>
+            <a:off x="-2091960" y="-402120"/>
+            <a:ext cx="4943520" cy="8520480"/>
+            <a:chOff x="-2091960" y="-402120"/>
+            <a:chExt cx="4943520" cy="8520480"/>
           </a:xfrm>
         </p:grpSpPr>
         <p:sp>
@@ -5361,15 +5366,15 @@
           <p:spPr>
             <a:xfrm>
               <a:off x="-893160" y="4486680"/>
-              <a:ext cx="1072440" cy="765720"/>
+              <a:ext cx="1072080" cy="765360"/>
             </a:xfrm>
             <a:custGeom>
               <a:avLst/>
               <a:gdLst>
-                <a:gd name="textAreaLeft" fmla="*/ 278280 w 1072440"/>
-                <a:gd name="textAreaRight" fmla="*/ 794880 w 1072440"/>
-                <a:gd name="textAreaTop" fmla="*/ 258840 h 765720"/>
-                <a:gd name="textAreaBottom" fmla="*/ 507600 h 765720"/>
+                <a:gd name="textAreaLeft" fmla="*/ 278280 w 1072080"/>
+                <a:gd name="textAreaRight" fmla="*/ 794880 w 1072080"/>
+                <a:gd name="textAreaTop" fmla="*/ 258840 h 765360"/>
+                <a:gd name="textAreaBottom" fmla="*/ 507600 h 765360"/>
               </a:gdLst>
               <a:ahLst/>
               <a:rect l="textAreaLeft" t="textAreaTop" r="textAreaRight" b="textAreaBottom"/>
@@ -5764,16 +5769,16 @@
           </p:nvSpPr>
           <p:spPr>
             <a:xfrm rot="5358000">
-              <a:off x="-896040" y="5152680"/>
-              <a:ext cx="1068120" cy="765720"/>
+              <a:off x="-895320" y="5152320"/>
+              <a:ext cx="1067760" cy="765360"/>
             </a:xfrm>
             <a:custGeom>
               <a:avLst/>
               <a:gdLst>
-                <a:gd name="textAreaLeft" fmla="*/ 277200 w 1068120"/>
-                <a:gd name="textAreaRight" fmla="*/ 792000 w 1068120"/>
-                <a:gd name="textAreaTop" fmla="*/ 258840 h 765720"/>
-                <a:gd name="textAreaBottom" fmla="*/ 507600 h 765720"/>
+                <a:gd name="textAreaLeft" fmla="*/ 277200 w 1067760"/>
+                <a:gd name="textAreaRight" fmla="*/ 792000 w 1067760"/>
+                <a:gd name="textAreaTop" fmla="*/ 258840 h 765360"/>
+                <a:gd name="textAreaBottom" fmla="*/ 507600 h 765360"/>
               </a:gdLst>
               <a:ahLst/>
               <a:rect l="textAreaLeft" t="textAreaTop" r="textAreaRight" b="textAreaBottom"/>
@@ -6169,15 +6174,15 @@
           <p:spPr>
             <a:xfrm>
               <a:off x="-228960" y="5161680"/>
-              <a:ext cx="1072440" cy="765720"/>
+              <a:ext cx="1072080" cy="765360"/>
             </a:xfrm>
             <a:custGeom>
               <a:avLst/>
               <a:gdLst>
-                <a:gd name="textAreaLeft" fmla="*/ 278280 w 1072440"/>
-                <a:gd name="textAreaRight" fmla="*/ 794880 w 1072440"/>
-                <a:gd name="textAreaTop" fmla="*/ 258840 h 765720"/>
-                <a:gd name="textAreaBottom" fmla="*/ 507600 h 765720"/>
+                <a:gd name="textAreaLeft" fmla="*/ 278280 w 1072080"/>
+                <a:gd name="textAreaRight" fmla="*/ 794880 w 1072080"/>
+                <a:gd name="textAreaTop" fmla="*/ 258840 h 765360"/>
+                <a:gd name="textAreaBottom" fmla="*/ 507600 h 765360"/>
               </a:gdLst>
               <a:ahLst/>
               <a:rect l="textAreaLeft" t="textAreaTop" r="textAreaRight" b="textAreaBottom"/>
@@ -6572,16 +6577,16 @@
           </p:nvSpPr>
           <p:spPr>
             <a:xfrm rot="5358000">
-              <a:off x="-219240" y="4488840"/>
-              <a:ext cx="1067760" cy="765720"/>
+              <a:off x="-218880" y="4488840"/>
+              <a:ext cx="1067400" cy="765360"/>
             </a:xfrm>
             <a:custGeom>
               <a:avLst/>
               <a:gdLst>
-                <a:gd name="textAreaLeft" fmla="*/ 276840 w 1067760"/>
-                <a:gd name="textAreaRight" fmla="*/ 791640 w 1067760"/>
-                <a:gd name="textAreaTop" fmla="*/ 258840 h 765720"/>
-                <a:gd name="textAreaBottom" fmla="*/ 507600 h 765720"/>
+                <a:gd name="textAreaLeft" fmla="*/ 276840 w 1067400"/>
+                <a:gd name="textAreaRight" fmla="*/ 791640 w 1067400"/>
+                <a:gd name="textAreaTop" fmla="*/ 258840 h 765360"/>
+                <a:gd name="textAreaBottom" fmla="*/ 507600 h 765360"/>
               </a:gdLst>
               <a:ahLst/>
               <a:rect l="textAreaLeft" t="textAreaTop" r="textAreaRight" b="textAreaBottom"/>
@@ -6977,15 +6982,15 @@
           <p:spPr>
             <a:xfrm>
               <a:off x="-228960" y="3826080"/>
-              <a:ext cx="1072440" cy="765720"/>
+              <a:ext cx="1072080" cy="765360"/>
             </a:xfrm>
             <a:custGeom>
               <a:avLst/>
               <a:gdLst>
-                <a:gd name="textAreaLeft" fmla="*/ 278280 w 1072440"/>
-                <a:gd name="textAreaRight" fmla="*/ 794880 w 1072440"/>
-                <a:gd name="textAreaTop" fmla="*/ 258840 h 765720"/>
-                <a:gd name="textAreaBottom" fmla="*/ 507600 h 765720"/>
+                <a:gd name="textAreaLeft" fmla="*/ 278280 w 1072080"/>
+                <a:gd name="textAreaRight" fmla="*/ 794880 w 1072080"/>
+                <a:gd name="textAreaTop" fmla="*/ 258840 h 765360"/>
+                <a:gd name="textAreaBottom" fmla="*/ 507600 h 765360"/>
               </a:gdLst>
               <a:ahLst/>
               <a:rect l="textAreaLeft" t="textAreaTop" r="textAreaRight" b="textAreaBottom"/>
@@ -7333,7 +7338,7 @@
             <a:blipFill rotWithShape="0">
               <a:blip r:embed="rId2"/>
               <a:srcRect/>
-              <a:tile tx="0" ty="0" sx="74113" sy="74113" algn="ctr"/>
+              <a:tile tx="0" ty="0" sx="73758" sy="73758" algn="ctr"/>
             </a:blipFill>
             <a:ln w="0">
               <a:solidFill>
@@ -7382,16 +7387,16 @@
           </p:nvSpPr>
           <p:spPr>
             <a:xfrm rot="5358000">
-              <a:off x="-1584720" y="4493880"/>
-              <a:ext cx="1068120" cy="765720"/>
+              <a:off x="-1584000" y="4493520"/>
+              <a:ext cx="1067760" cy="765360"/>
             </a:xfrm>
             <a:custGeom>
               <a:avLst/>
               <a:gdLst>
-                <a:gd name="textAreaLeft" fmla="*/ 277200 w 1068120"/>
-                <a:gd name="textAreaRight" fmla="*/ 792000 w 1068120"/>
-                <a:gd name="textAreaTop" fmla="*/ 258840 h 765720"/>
-                <a:gd name="textAreaBottom" fmla="*/ 507600 h 765720"/>
+                <a:gd name="textAreaLeft" fmla="*/ 277200 w 1067760"/>
+                <a:gd name="textAreaRight" fmla="*/ 792000 w 1067760"/>
+                <a:gd name="textAreaTop" fmla="*/ 258840 h 765360"/>
+                <a:gd name="textAreaBottom" fmla="*/ 507600 h 765360"/>
               </a:gdLst>
               <a:ahLst/>
               <a:rect l="textAreaLeft" t="textAreaTop" r="textAreaRight" b="textAreaBottom"/>
@@ -7739,7 +7744,7 @@
             <a:blipFill rotWithShape="0">
               <a:blip r:embed="rId3"/>
               <a:srcRect/>
-              <a:tile tx="0" ty="0" sx="74113" sy="74113" algn="ctr"/>
+              <a:tile tx="0" ty="0" sx="73758" sy="73758" algn="ctr"/>
             </a:blipFill>
             <a:ln w="0">
               <a:solidFill>
@@ -7788,16 +7793,16 @@
           </p:nvSpPr>
           <p:spPr>
             <a:xfrm rot="5358000">
-              <a:off x="-2237040" y="5169960"/>
-              <a:ext cx="1068120" cy="765720"/>
+              <a:off x="-2236320" y="5169600"/>
+              <a:ext cx="1067760" cy="765360"/>
             </a:xfrm>
             <a:custGeom>
               <a:avLst/>
               <a:gdLst>
-                <a:gd name="textAreaLeft" fmla="*/ 277200 w 1068120"/>
-                <a:gd name="textAreaRight" fmla="*/ 792000 w 1068120"/>
-                <a:gd name="textAreaTop" fmla="*/ 258840 h 765720"/>
-                <a:gd name="textAreaBottom" fmla="*/ 507600 h 765720"/>
+                <a:gd name="textAreaLeft" fmla="*/ 277200 w 1067760"/>
+                <a:gd name="textAreaRight" fmla="*/ 792000 w 1067760"/>
+                <a:gd name="textAreaTop" fmla="*/ 258840 h 765360"/>
+                <a:gd name="textAreaBottom" fmla="*/ 507600 h 765360"/>
               </a:gdLst>
               <a:ahLst/>
               <a:rect l="textAreaLeft" t="textAreaTop" r="textAreaRight" b="textAreaBottom"/>
@@ -8192,16 +8197,16 @@
           </p:nvSpPr>
           <p:spPr>
             <a:xfrm rot="5358000">
-              <a:off x="-895680" y="3820680"/>
-              <a:ext cx="1068120" cy="765720"/>
+              <a:off x="-894960" y="3820320"/>
+              <a:ext cx="1067760" cy="765360"/>
             </a:xfrm>
             <a:custGeom>
               <a:avLst/>
               <a:gdLst>
-                <a:gd name="textAreaLeft" fmla="*/ 277200 w 1068120"/>
-                <a:gd name="textAreaRight" fmla="*/ 792000 w 1068120"/>
-                <a:gd name="textAreaTop" fmla="*/ 258840 h 765720"/>
-                <a:gd name="textAreaBottom" fmla="*/ 507600 h 765720"/>
+                <a:gd name="textAreaLeft" fmla="*/ 277200 w 1067760"/>
+                <a:gd name="textAreaRight" fmla="*/ 792000 w 1067760"/>
+                <a:gd name="textAreaTop" fmla="*/ 258840 h 765360"/>
+                <a:gd name="textAreaBottom" fmla="*/ 507600 h 765360"/>
               </a:gdLst>
               <a:ahLst/>
               <a:rect l="textAreaLeft" t="textAreaTop" r="textAreaRight" b="textAreaBottom"/>
@@ -8596,16 +8601,16 @@
           </p:nvSpPr>
           <p:spPr>
             <a:xfrm rot="5358000">
-              <a:off x="-220680" y="3153960"/>
-              <a:ext cx="1068120" cy="765720"/>
+              <a:off x="-219960" y="3153600"/>
+              <a:ext cx="1067760" cy="765360"/>
             </a:xfrm>
             <a:custGeom>
               <a:avLst/>
               <a:gdLst>
-                <a:gd name="textAreaLeft" fmla="*/ 277200 w 1068120"/>
-                <a:gd name="textAreaRight" fmla="*/ 792000 w 1068120"/>
-                <a:gd name="textAreaTop" fmla="*/ 258840 h 765720"/>
-                <a:gd name="textAreaBottom" fmla="*/ 507600 h 765720"/>
+                <a:gd name="textAreaLeft" fmla="*/ 277200 w 1067760"/>
+                <a:gd name="textAreaRight" fmla="*/ 792000 w 1067760"/>
+                <a:gd name="textAreaTop" fmla="*/ 258840 h 765360"/>
+                <a:gd name="textAreaBottom" fmla="*/ 507600 h 765360"/>
               </a:gdLst>
               <a:ahLst/>
               <a:rect l="textAreaLeft" t="textAreaTop" r="textAreaRight" b="textAreaBottom"/>
@@ -9001,15 +9006,15 @@
           <p:spPr>
             <a:xfrm>
               <a:off x="455040" y="4477680"/>
-              <a:ext cx="1072440" cy="765720"/>
+              <a:ext cx="1072080" cy="765360"/>
             </a:xfrm>
             <a:custGeom>
               <a:avLst/>
               <a:gdLst>
-                <a:gd name="textAreaLeft" fmla="*/ 278280 w 1072440"/>
-                <a:gd name="textAreaRight" fmla="*/ 794880 w 1072440"/>
-                <a:gd name="textAreaTop" fmla="*/ 258840 h 765720"/>
-                <a:gd name="textAreaBottom" fmla="*/ 507600 h 765720"/>
+                <a:gd name="textAreaLeft" fmla="*/ 278280 w 1072080"/>
+                <a:gd name="textAreaRight" fmla="*/ 794880 w 1072080"/>
+                <a:gd name="textAreaTop" fmla="*/ 258840 h 765360"/>
+                <a:gd name="textAreaBottom" fmla="*/ 507600 h 765360"/>
               </a:gdLst>
               <a:ahLst/>
               <a:rect l="textAreaLeft" t="textAreaTop" r="textAreaRight" b="textAreaBottom"/>
@@ -9404,16 +9409,16 @@
           </p:nvSpPr>
           <p:spPr>
             <a:xfrm rot="5358000">
-              <a:off x="471240" y="3820680"/>
-              <a:ext cx="1068120" cy="765720"/>
+              <a:off x="471600" y="3820320"/>
+              <a:ext cx="1067760" cy="765360"/>
             </a:xfrm>
             <a:custGeom>
               <a:avLst/>
               <a:gdLst>
-                <a:gd name="textAreaLeft" fmla="*/ 277200 w 1068120"/>
-                <a:gd name="textAreaRight" fmla="*/ 792000 w 1068120"/>
-                <a:gd name="textAreaTop" fmla="*/ 258840 h 765720"/>
-                <a:gd name="textAreaBottom" fmla="*/ 507600 h 765720"/>
+                <a:gd name="textAreaLeft" fmla="*/ 277200 w 1067760"/>
+                <a:gd name="textAreaRight" fmla="*/ 792000 w 1067760"/>
+                <a:gd name="textAreaTop" fmla="*/ 258840 h 765360"/>
+                <a:gd name="textAreaBottom" fmla="*/ 507600 h 765360"/>
               </a:gdLst>
               <a:ahLst/>
               <a:rect l="textAreaLeft" t="textAreaTop" r="textAreaRight" b="textAreaBottom"/>
@@ -9809,15 +9814,15 @@
           <p:spPr>
             <a:xfrm>
               <a:off x="1158840" y="5170680"/>
-              <a:ext cx="1072440" cy="765720"/>
+              <a:ext cx="1072080" cy="765360"/>
             </a:xfrm>
             <a:custGeom>
               <a:avLst/>
               <a:gdLst>
-                <a:gd name="textAreaLeft" fmla="*/ 278280 w 1072440"/>
-                <a:gd name="textAreaRight" fmla="*/ 794880 w 1072440"/>
-                <a:gd name="textAreaTop" fmla="*/ 258840 h 765720"/>
-                <a:gd name="textAreaBottom" fmla="*/ 507600 h 765720"/>
+                <a:gd name="textAreaLeft" fmla="*/ 278280 w 1072080"/>
+                <a:gd name="textAreaRight" fmla="*/ 794880 w 1072080"/>
+                <a:gd name="textAreaTop" fmla="*/ 258840 h 765360"/>
+                <a:gd name="textAreaBottom" fmla="*/ 507600 h 765360"/>
               </a:gdLst>
               <a:ahLst/>
               <a:rect l="textAreaLeft" t="textAreaTop" r="textAreaRight" b="textAreaBottom"/>
@@ -10213,15 +10218,15 @@
           <p:spPr>
             <a:xfrm>
               <a:off x="-1561680" y="5162760"/>
-              <a:ext cx="1072440" cy="765720"/>
+              <a:ext cx="1072080" cy="765360"/>
             </a:xfrm>
             <a:custGeom>
               <a:avLst/>
               <a:gdLst>
-                <a:gd name="textAreaLeft" fmla="*/ 278280 w 1072440"/>
-                <a:gd name="textAreaRight" fmla="*/ 794880 w 1072440"/>
-                <a:gd name="textAreaTop" fmla="*/ 258840 h 765720"/>
-                <a:gd name="textAreaBottom" fmla="*/ 507600 h 765720"/>
+                <a:gd name="textAreaLeft" fmla="*/ 278280 w 1072080"/>
+                <a:gd name="textAreaRight" fmla="*/ 794880 w 1072080"/>
+                <a:gd name="textAreaTop" fmla="*/ 258840 h 765360"/>
+                <a:gd name="textAreaBottom" fmla="*/ 507600 h 765360"/>
               </a:gdLst>
               <a:ahLst/>
               <a:rect l="textAreaLeft" t="textAreaTop" r="textAreaRight" b="textAreaBottom"/>
@@ -10616,16 +10621,16 @@
           </p:nvSpPr>
           <p:spPr>
             <a:xfrm rot="5358000">
-              <a:off x="462240" y="5169960"/>
-              <a:ext cx="1068120" cy="765720"/>
+              <a:off x="462600" y="5169600"/>
+              <a:ext cx="1067760" cy="765360"/>
             </a:xfrm>
             <a:custGeom>
               <a:avLst/>
               <a:gdLst>
-                <a:gd name="textAreaLeft" fmla="*/ 277200 w 1068120"/>
-                <a:gd name="textAreaRight" fmla="*/ 792000 w 1068120"/>
-                <a:gd name="textAreaTop" fmla="*/ 258840 h 765720"/>
-                <a:gd name="textAreaBottom" fmla="*/ 507600 h 765720"/>
+                <a:gd name="textAreaLeft" fmla="*/ 277200 w 1067760"/>
+                <a:gd name="textAreaRight" fmla="*/ 792000 w 1067760"/>
+                <a:gd name="textAreaTop" fmla="*/ 258840 h 765360"/>
+                <a:gd name="textAreaBottom" fmla="*/ 507600 h 765360"/>
               </a:gdLst>
               <a:ahLst/>
               <a:rect l="textAreaLeft" t="textAreaTop" r="textAreaRight" b="textAreaBottom"/>
@@ -11020,16 +11025,16 @@
           </p:nvSpPr>
           <p:spPr>
             <a:xfrm flipH="1" rot="16242000">
-              <a:off x="-231840" y="1793160"/>
-              <a:ext cx="1068120" cy="765720"/>
+              <a:off x="-231120" y="1792800"/>
+              <a:ext cx="1067760" cy="765360"/>
             </a:xfrm>
             <a:custGeom>
               <a:avLst/>
               <a:gdLst>
-                <a:gd name="textAreaLeft" fmla="*/ 276480 w 1068120"/>
-                <a:gd name="textAreaRight" fmla="*/ 791280 w 1068120"/>
-                <a:gd name="textAreaTop" fmla="*/ 258840 h 765720"/>
-                <a:gd name="textAreaBottom" fmla="*/ 507600 h 765720"/>
+                <a:gd name="textAreaLeft" fmla="*/ 276480 w 1067760"/>
+                <a:gd name="textAreaRight" fmla="*/ 791280 w 1067760"/>
+                <a:gd name="textAreaTop" fmla="*/ 258840 h 765360"/>
+                <a:gd name="textAreaBottom" fmla="*/ 507600 h 765360"/>
               </a:gdLst>
               <a:ahLst/>
               <a:rect l="textAreaLeft" t="textAreaTop" r="textAreaRight" b="textAreaBottom"/>
@@ -11424,16 +11429,16 @@
           </p:nvSpPr>
           <p:spPr>
             <a:xfrm flipH="1" rot="16242000">
-              <a:off x="419400" y="2469240"/>
-              <a:ext cx="1068120" cy="765720"/>
+              <a:off x="419760" y="2468880"/>
+              <a:ext cx="1067760" cy="765360"/>
             </a:xfrm>
             <a:custGeom>
               <a:avLst/>
               <a:gdLst>
-                <a:gd name="textAreaLeft" fmla="*/ 276480 w 1068120"/>
-                <a:gd name="textAreaRight" fmla="*/ 791280 w 1068120"/>
-                <a:gd name="textAreaTop" fmla="*/ 258840 h 765720"/>
-                <a:gd name="textAreaBottom" fmla="*/ 507600 h 765720"/>
+                <a:gd name="textAreaLeft" fmla="*/ 276480 w 1067760"/>
+                <a:gd name="textAreaRight" fmla="*/ 791280 w 1067760"/>
+                <a:gd name="textAreaTop" fmla="*/ 258840 h 765360"/>
+                <a:gd name="textAreaBottom" fmla="*/ 507600 h 765360"/>
               </a:gdLst>
               <a:ahLst/>
               <a:rect l="textAreaLeft" t="textAreaTop" r="textAreaRight" b="textAreaBottom"/>
@@ -11829,15 +11834,15 @@
           <p:spPr>
             <a:xfrm flipH="1">
               <a:off x="-247320" y="2462040"/>
-              <a:ext cx="1072440" cy="765720"/>
+              <a:ext cx="1072080" cy="765360"/>
             </a:xfrm>
             <a:custGeom>
               <a:avLst/>
               <a:gdLst>
-                <a:gd name="textAreaLeft" fmla="*/ 278640 w 1072440"/>
-                <a:gd name="textAreaRight" fmla="*/ 795240 w 1072440"/>
-                <a:gd name="textAreaTop" fmla="*/ 258840 h 765720"/>
-                <a:gd name="textAreaBottom" fmla="*/ 507600 h 765720"/>
+                <a:gd name="textAreaLeft" fmla="*/ 279000 w 1072080"/>
+                <a:gd name="textAreaRight" fmla="*/ 795600 w 1072080"/>
+                <a:gd name="textAreaTop" fmla="*/ 258840 h 765360"/>
+                <a:gd name="textAreaBottom" fmla="*/ 507600 h 765360"/>
               </a:gdLst>
               <a:ahLst/>
               <a:rect l="textAreaLeft" t="textAreaTop" r="textAreaRight" b="textAreaBottom"/>
@@ -12233,15 +12238,15 @@
           <p:spPr>
             <a:xfrm>
               <a:off x="1107720" y="1135080"/>
-              <a:ext cx="1072440" cy="765720"/>
+              <a:ext cx="1072080" cy="765360"/>
             </a:xfrm>
             <a:custGeom>
               <a:avLst/>
               <a:gdLst>
-                <a:gd name="textAreaLeft" fmla="*/ 278280 w 1072440"/>
-                <a:gd name="textAreaRight" fmla="*/ 794880 w 1072440"/>
-                <a:gd name="textAreaTop" fmla="*/ 258840 h 765720"/>
-                <a:gd name="textAreaBottom" fmla="*/ 507600 h 765720"/>
+                <a:gd name="textAreaLeft" fmla="*/ 278280 w 1072080"/>
+                <a:gd name="textAreaRight" fmla="*/ 794880 w 1072080"/>
+                <a:gd name="textAreaTop" fmla="*/ 258840 h 765360"/>
+                <a:gd name="textAreaBottom" fmla="*/ 507600 h 765360"/>
               </a:gdLst>
               <a:ahLst/>
               <a:rect l="textAreaLeft" t="textAreaTop" r="textAreaRight" b="textAreaBottom"/>
@@ -12636,16 +12641,16 @@
           </p:nvSpPr>
           <p:spPr>
             <a:xfrm rot="5358000">
-              <a:off x="1103760" y="1801080"/>
-              <a:ext cx="1068120" cy="765720"/>
+              <a:off x="1104120" y="1800720"/>
+              <a:ext cx="1067760" cy="765360"/>
             </a:xfrm>
             <a:custGeom>
               <a:avLst/>
               <a:gdLst>
-                <a:gd name="textAreaLeft" fmla="*/ 277200 w 1068120"/>
-                <a:gd name="textAreaRight" fmla="*/ 792000 w 1068120"/>
-                <a:gd name="textAreaTop" fmla="*/ 258840 h 765720"/>
-                <a:gd name="textAreaBottom" fmla="*/ 507600 h 765720"/>
+                <a:gd name="textAreaLeft" fmla="*/ 277200 w 1067760"/>
+                <a:gd name="textAreaRight" fmla="*/ 792000 w 1067760"/>
+                <a:gd name="textAreaTop" fmla="*/ 258840 h 765360"/>
+                <a:gd name="textAreaBottom" fmla="*/ 507600 h 765360"/>
               </a:gdLst>
               <a:ahLst/>
               <a:rect l="textAreaLeft" t="textAreaTop" r="textAreaRight" b="textAreaBottom"/>
@@ -13040,16 +13045,16 @@
           </p:nvSpPr>
           <p:spPr>
             <a:xfrm rot="5358000">
-              <a:off x="415080" y="1142280"/>
-              <a:ext cx="1068120" cy="765720"/>
+              <a:off x="415440" y="1141920"/>
+              <a:ext cx="1067760" cy="765360"/>
             </a:xfrm>
             <a:custGeom>
               <a:avLst/>
               <a:gdLst>
-                <a:gd name="textAreaLeft" fmla="*/ 277200 w 1068120"/>
-                <a:gd name="textAreaRight" fmla="*/ 792000 w 1068120"/>
-                <a:gd name="textAreaTop" fmla="*/ 258840 h 765720"/>
-                <a:gd name="textAreaBottom" fmla="*/ 507600 h 765720"/>
+                <a:gd name="textAreaLeft" fmla="*/ 277200 w 1067760"/>
+                <a:gd name="textAreaRight" fmla="*/ 792000 w 1067760"/>
+                <a:gd name="textAreaTop" fmla="*/ 258840 h 765360"/>
+                <a:gd name="textAreaBottom" fmla="*/ 507600 h 765360"/>
               </a:gdLst>
               <a:ahLst/>
               <a:rect l="textAreaLeft" t="textAreaTop" r="textAreaRight" b="textAreaBottom"/>
@@ -13397,7 +13402,7 @@
             <a:blipFill rotWithShape="0">
               <a:blip r:embed="rId4"/>
               <a:srcRect/>
-              <a:tile tx="0" ty="0" sx="74113" sy="74113" algn="ctr"/>
+              <a:tile tx="0" ty="0" sx="73758" sy="73758" algn="ctr"/>
             </a:blipFill>
             <a:ln w="0">
               <a:solidFill>
@@ -13447,15 +13452,15 @@
           <p:spPr>
             <a:xfrm>
               <a:off x="439200" y="1811160"/>
-              <a:ext cx="1072440" cy="765720"/>
+              <a:ext cx="1072080" cy="765360"/>
             </a:xfrm>
             <a:custGeom>
               <a:avLst/>
               <a:gdLst>
-                <a:gd name="textAreaLeft" fmla="*/ 278280 w 1072440"/>
-                <a:gd name="textAreaRight" fmla="*/ 794880 w 1072440"/>
-                <a:gd name="textAreaTop" fmla="*/ 258840 h 765720"/>
-                <a:gd name="textAreaBottom" fmla="*/ 507600 h 765720"/>
+                <a:gd name="textAreaLeft" fmla="*/ 278280 w 1072080"/>
+                <a:gd name="textAreaRight" fmla="*/ 794880 w 1072080"/>
+                <a:gd name="textAreaTop" fmla="*/ 258840 h 765360"/>
+                <a:gd name="textAreaBottom" fmla="*/ 507600 h 765360"/>
               </a:gdLst>
               <a:ahLst/>
               <a:rect l="textAreaLeft" t="textAreaTop" r="textAreaRight" b="textAreaBottom"/>
@@ -13851,15 +13856,15 @@
           <p:spPr>
             <a:xfrm>
               <a:off x="423720" y="451080"/>
-              <a:ext cx="1072440" cy="765720"/>
+              <a:ext cx="1072080" cy="765360"/>
             </a:xfrm>
             <a:custGeom>
               <a:avLst/>
               <a:gdLst>
-                <a:gd name="textAreaLeft" fmla="*/ 278280 w 1072440"/>
-                <a:gd name="textAreaRight" fmla="*/ 794880 w 1072440"/>
-                <a:gd name="textAreaTop" fmla="*/ 258840 h 765720"/>
-                <a:gd name="textAreaBottom" fmla="*/ 507600 h 765720"/>
+                <a:gd name="textAreaLeft" fmla="*/ 278280 w 1072080"/>
+                <a:gd name="textAreaRight" fmla="*/ 794880 w 1072080"/>
+                <a:gd name="textAreaTop" fmla="*/ 258840 h 765360"/>
+                <a:gd name="textAreaBottom" fmla="*/ 507600 h 765360"/>
               </a:gdLst>
               <a:ahLst/>
               <a:rect l="textAreaLeft" t="textAreaTop" r="textAreaRight" b="textAreaBottom"/>
@@ -14254,16 +14259,16 @@
           </p:nvSpPr>
           <p:spPr>
             <a:xfrm rot="5358000">
-              <a:off x="-245160" y="438120"/>
-              <a:ext cx="1068120" cy="765720"/>
+              <a:off x="-244440" y="437760"/>
+              <a:ext cx="1067760" cy="765360"/>
             </a:xfrm>
             <a:custGeom>
               <a:avLst/>
               <a:gdLst>
-                <a:gd name="textAreaLeft" fmla="*/ 277200 w 1068120"/>
-                <a:gd name="textAreaRight" fmla="*/ 792000 w 1068120"/>
-                <a:gd name="textAreaTop" fmla="*/ 258840 h 765720"/>
-                <a:gd name="textAreaBottom" fmla="*/ 507600 h 765720"/>
+                <a:gd name="textAreaLeft" fmla="*/ 277200 w 1067760"/>
+                <a:gd name="textAreaRight" fmla="*/ 792000 w 1067760"/>
+                <a:gd name="textAreaTop" fmla="*/ 258840 h 765360"/>
+                <a:gd name="textAreaBottom" fmla="*/ 507600 h 765360"/>
               </a:gdLst>
               <a:ahLst/>
               <a:rect l="textAreaLeft" t="textAreaTop" r="textAreaRight" b="textAreaBottom"/>
@@ -14658,16 +14663,16 @@
           </p:nvSpPr>
           <p:spPr>
             <a:xfrm rot="5358000">
-              <a:off x="435600" y="-246240"/>
-              <a:ext cx="1068120" cy="765720"/>
+              <a:off x="435960" y="-246240"/>
+              <a:ext cx="1067760" cy="765360"/>
             </a:xfrm>
             <a:custGeom>
               <a:avLst/>
               <a:gdLst>
-                <a:gd name="textAreaLeft" fmla="*/ 277200 w 1068120"/>
-                <a:gd name="textAreaRight" fmla="*/ 792000 w 1068120"/>
-                <a:gd name="textAreaTop" fmla="*/ 258840 h 765720"/>
-                <a:gd name="textAreaBottom" fmla="*/ 507600 h 765720"/>
+                <a:gd name="textAreaLeft" fmla="*/ 277200 w 1067760"/>
+                <a:gd name="textAreaRight" fmla="*/ 792000 w 1067760"/>
+                <a:gd name="textAreaTop" fmla="*/ 258840 h 765360"/>
+                <a:gd name="textAreaBottom" fmla="*/ 507600 h 765360"/>
               </a:gdLst>
               <a:ahLst/>
               <a:rect l="textAreaLeft" t="textAreaTop" r="textAreaRight" b="textAreaBottom"/>
@@ -15063,15 +15068,15 @@
           <p:spPr>
             <a:xfrm>
               <a:off x="1779480" y="1794600"/>
-              <a:ext cx="1072440" cy="765720"/>
+              <a:ext cx="1072080" cy="765360"/>
             </a:xfrm>
             <a:custGeom>
               <a:avLst/>
               <a:gdLst>
-                <a:gd name="textAreaLeft" fmla="*/ 278280 w 1072440"/>
-                <a:gd name="textAreaRight" fmla="*/ 794880 w 1072440"/>
-                <a:gd name="textAreaTop" fmla="*/ 258840 h 765720"/>
-                <a:gd name="textAreaBottom" fmla="*/ 507600 h 765720"/>
+                <a:gd name="textAreaLeft" fmla="*/ 278280 w 1072080"/>
+                <a:gd name="textAreaRight" fmla="*/ 794880 w 1072080"/>
+                <a:gd name="textAreaTop" fmla="*/ 258840 h 765360"/>
+                <a:gd name="textAreaBottom" fmla="*/ 507600 h 765360"/>
               </a:gdLst>
               <a:ahLst/>
               <a:rect l="textAreaLeft" t="textAreaTop" r="textAreaRight" b="textAreaBottom"/>
@@ -15467,15 +15472,15 @@
           <p:spPr>
             <a:xfrm>
               <a:off x="1106280" y="-257040"/>
-              <a:ext cx="1072440" cy="765720"/>
+              <a:ext cx="1072080" cy="765360"/>
             </a:xfrm>
             <a:custGeom>
               <a:avLst/>
               <a:gdLst>
-                <a:gd name="textAreaLeft" fmla="*/ 278280 w 1072440"/>
-                <a:gd name="textAreaRight" fmla="*/ 794880 w 1072440"/>
-                <a:gd name="textAreaTop" fmla="*/ 258840 h 765720"/>
-                <a:gd name="textAreaBottom" fmla="*/ 507600 h 765720"/>
+                <a:gd name="textAreaLeft" fmla="*/ 278280 w 1072080"/>
+                <a:gd name="textAreaRight" fmla="*/ 794880 w 1072080"/>
+                <a:gd name="textAreaTop" fmla="*/ 258840 h 765360"/>
+                <a:gd name="textAreaBottom" fmla="*/ 507600 h 765360"/>
               </a:gdLst>
               <a:ahLst/>
               <a:rect l="textAreaLeft" t="textAreaTop" r="textAreaRight" b="textAreaBottom"/>
@@ -15823,7 +15828,7 @@
             <a:blipFill rotWithShape="0">
               <a:blip r:embed="rId5"/>
               <a:srcRect/>
-              <a:tile tx="0" ty="0" sx="74113" sy="74113" algn="ctr"/>
+              <a:tile tx="0" ty="0" sx="73758" sy="73758" algn="ctr"/>
             </a:blipFill>
             <a:ln w="0">
               <a:solidFill>
@@ -15873,15 +15878,15 @@
           <p:spPr>
             <a:xfrm>
               <a:off x="-908280" y="1790640"/>
-              <a:ext cx="1072440" cy="765720"/>
+              <a:ext cx="1072080" cy="765360"/>
             </a:xfrm>
             <a:custGeom>
               <a:avLst/>
               <a:gdLst>
-                <a:gd name="textAreaLeft" fmla="*/ 278280 w 1072440"/>
-                <a:gd name="textAreaRight" fmla="*/ 794880 w 1072440"/>
-                <a:gd name="textAreaTop" fmla="*/ 258840 h 765720"/>
-                <a:gd name="textAreaBottom" fmla="*/ 507600 h 765720"/>
+                <a:gd name="textAreaLeft" fmla="*/ 278280 w 1072080"/>
+                <a:gd name="textAreaRight" fmla="*/ 794880 w 1072080"/>
+                <a:gd name="textAreaTop" fmla="*/ 258840 h 765360"/>
+                <a:gd name="textAreaBottom" fmla="*/ 507600 h 765360"/>
               </a:gdLst>
               <a:ahLst/>
               <a:rect l="textAreaLeft" t="textAreaTop" r="textAreaRight" b="textAreaBottom"/>
@@ -16229,7 +16234,7 @@
             <a:blipFill rotWithShape="0">
               <a:blip r:embed="rId6"/>
               <a:srcRect/>
-              <a:tile tx="0" ty="0" sx="74113" sy="74113" algn="ctr"/>
+              <a:tile tx="0" ty="0" sx="73758" sy="73758" algn="ctr"/>
             </a:blipFill>
             <a:ln w="0">
               <a:solidFill>
@@ -16278,16 +16283,16 @@
           </p:nvSpPr>
           <p:spPr>
             <a:xfrm rot="5358000">
-              <a:off x="-244440" y="5824440"/>
-              <a:ext cx="1068120" cy="765720"/>
+              <a:off x="-243720" y="5824080"/>
+              <a:ext cx="1067760" cy="765360"/>
             </a:xfrm>
             <a:custGeom>
               <a:avLst/>
               <a:gdLst>
-                <a:gd name="textAreaLeft" fmla="*/ 277200 w 1068120"/>
-                <a:gd name="textAreaRight" fmla="*/ 792000 w 1068120"/>
-                <a:gd name="textAreaTop" fmla="*/ 258840 h 765720"/>
-                <a:gd name="textAreaBottom" fmla="*/ 507600 h 765720"/>
+                <a:gd name="textAreaLeft" fmla="*/ 277200 w 1067760"/>
+                <a:gd name="textAreaRight" fmla="*/ 792000 w 1067760"/>
+                <a:gd name="textAreaTop" fmla="*/ 258840 h 765360"/>
+                <a:gd name="textAreaBottom" fmla="*/ 507600 h 765360"/>
               </a:gdLst>
               <a:ahLst/>
               <a:rect l="textAreaLeft" t="textAreaTop" r="textAreaRight" b="textAreaBottom"/>
@@ -16683,15 +16688,15 @@
           <p:spPr>
             <a:xfrm>
               <a:off x="427320" y="5853960"/>
-              <a:ext cx="1072440" cy="765720"/>
+              <a:ext cx="1072080" cy="765360"/>
             </a:xfrm>
             <a:custGeom>
               <a:avLst/>
               <a:gdLst>
-                <a:gd name="textAreaLeft" fmla="*/ 278280 w 1072440"/>
-                <a:gd name="textAreaRight" fmla="*/ 794880 w 1072440"/>
-                <a:gd name="textAreaTop" fmla="*/ 258840 h 765720"/>
-                <a:gd name="textAreaBottom" fmla="*/ 507600 h 765720"/>
+                <a:gd name="textAreaLeft" fmla="*/ 278280 w 1072080"/>
+                <a:gd name="textAreaRight" fmla="*/ 794880 w 1072080"/>
+                <a:gd name="textAreaTop" fmla="*/ 258840 h 765360"/>
+                <a:gd name="textAreaBottom" fmla="*/ 507600 h 765360"/>
               </a:gdLst>
               <a:ahLst/>
               <a:rect l="textAreaLeft" t="textAreaTop" r="textAreaRight" b="textAreaBottom"/>
@@ -17039,7 +17044,7 @@
             <a:blipFill rotWithShape="0">
               <a:blip r:embed="rId7"/>
               <a:srcRect/>
-              <a:tile tx="0" ty="0" sx="74113" sy="74113" algn="ctr"/>
+              <a:tile tx="0" ty="0" sx="73758" sy="73758" algn="ctr"/>
             </a:blipFill>
             <a:ln w="0">
               <a:solidFill>
@@ -17089,15 +17094,15 @@
           <p:spPr>
             <a:xfrm>
               <a:off x="-236880" y="6494040"/>
-              <a:ext cx="1072440" cy="765720"/>
+              <a:ext cx="1072080" cy="765360"/>
             </a:xfrm>
             <a:custGeom>
               <a:avLst/>
               <a:gdLst>
-                <a:gd name="textAreaLeft" fmla="*/ 278280 w 1072440"/>
-                <a:gd name="textAreaRight" fmla="*/ 794880 w 1072440"/>
-                <a:gd name="textAreaTop" fmla="*/ 258840 h 765720"/>
-                <a:gd name="textAreaBottom" fmla="*/ 507600 h 765720"/>
+                <a:gd name="textAreaLeft" fmla="*/ 278280 w 1072080"/>
+                <a:gd name="textAreaRight" fmla="*/ 794880 w 1072080"/>
+                <a:gd name="textAreaTop" fmla="*/ 258840 h 765360"/>
+                <a:gd name="textAreaBottom" fmla="*/ 507600 h 765360"/>
               </a:gdLst>
               <a:ahLst/>
               <a:rect l="textAreaLeft" t="textAreaTop" r="textAreaRight" b="textAreaBottom"/>
@@ -17492,16 +17497,16 @@
           </p:nvSpPr>
           <p:spPr>
             <a:xfrm rot="5358000">
-              <a:off x="-928440" y="6501240"/>
-              <a:ext cx="1068120" cy="765720"/>
+              <a:off x="-927720" y="6500880"/>
+              <a:ext cx="1067760" cy="765360"/>
             </a:xfrm>
             <a:custGeom>
               <a:avLst/>
               <a:gdLst>
-                <a:gd name="textAreaLeft" fmla="*/ 277200 w 1068120"/>
-                <a:gd name="textAreaRight" fmla="*/ 792000 w 1068120"/>
-                <a:gd name="textAreaTop" fmla="*/ 258840 h 765720"/>
-                <a:gd name="textAreaBottom" fmla="*/ 507600 h 765720"/>
+                <a:gd name="textAreaLeft" fmla="*/ 277200 w 1067760"/>
+                <a:gd name="textAreaRight" fmla="*/ 792000 w 1067760"/>
+                <a:gd name="textAreaTop" fmla="*/ 258840 h 765360"/>
+                <a:gd name="textAreaBottom" fmla="*/ 507600 h 765360"/>
               </a:gdLst>
               <a:ahLst/>
               <a:rect l="textAreaLeft" t="textAreaTop" r="textAreaRight" b="textAreaBottom"/>
@@ -17896,16 +17901,16 @@
           </p:nvSpPr>
           <p:spPr>
             <a:xfrm rot="5358000">
-              <a:off x="-245880" y="7197120"/>
-              <a:ext cx="1067760" cy="765720"/>
+              <a:off x="-245520" y="7197120"/>
+              <a:ext cx="1067400" cy="765360"/>
             </a:xfrm>
             <a:custGeom>
               <a:avLst/>
               <a:gdLst>
-                <a:gd name="textAreaLeft" fmla="*/ 276840 w 1067760"/>
-                <a:gd name="textAreaRight" fmla="*/ 791640 w 1067760"/>
-                <a:gd name="textAreaTop" fmla="*/ 258840 h 765720"/>
-                <a:gd name="textAreaBottom" fmla="*/ 507600 h 765720"/>
+                <a:gd name="textAreaLeft" fmla="*/ 276840 w 1067400"/>
+                <a:gd name="textAreaRight" fmla="*/ 791640 w 1067400"/>
+                <a:gd name="textAreaTop" fmla="*/ 258840 h 765360"/>
+                <a:gd name="textAreaBottom" fmla="*/ 507600 h 765360"/>
               </a:gdLst>
               <a:ahLst/>
               <a:rect l="textAreaLeft" t="textAreaTop" r="textAreaRight" b="textAreaBottom"/>
@@ -18300,16 +18305,16 @@
           </p:nvSpPr>
           <p:spPr>
             <a:xfrm rot="5358000">
-              <a:off x="427320" y="6517800"/>
-              <a:ext cx="1068120" cy="765720"/>
+              <a:off x="427680" y="6517440"/>
+              <a:ext cx="1067760" cy="765360"/>
             </a:xfrm>
             <a:custGeom>
               <a:avLst/>
               <a:gdLst>
-                <a:gd name="textAreaLeft" fmla="*/ 277200 w 1068120"/>
-                <a:gd name="textAreaRight" fmla="*/ 792000 w 1068120"/>
-                <a:gd name="textAreaTop" fmla="*/ 258840 h 765720"/>
-                <a:gd name="textAreaBottom" fmla="*/ 507600 h 765720"/>
+                <a:gd name="textAreaLeft" fmla="*/ 277200 w 1067760"/>
+                <a:gd name="textAreaRight" fmla="*/ 792000 w 1067760"/>
+                <a:gd name="textAreaTop" fmla="*/ 258840 h 765360"/>
+                <a:gd name="textAreaBottom" fmla="*/ 507600 h 765360"/>
               </a:gdLst>
               <a:ahLst/>
               <a:rect l="textAreaLeft" t="textAreaTop" r="textAreaRight" b="textAreaBottom"/>
@@ -18705,15 +18710,15 @@
           <p:spPr>
             <a:xfrm>
               <a:off x="1103400" y="6530040"/>
-              <a:ext cx="1072440" cy="765720"/>
+              <a:ext cx="1072080" cy="765360"/>
             </a:xfrm>
             <a:custGeom>
               <a:avLst/>
               <a:gdLst>
-                <a:gd name="textAreaLeft" fmla="*/ 278280 w 1072440"/>
-                <a:gd name="textAreaRight" fmla="*/ 794880 w 1072440"/>
-                <a:gd name="textAreaTop" fmla="*/ 258840 h 765720"/>
-                <a:gd name="textAreaBottom" fmla="*/ 507600 h 765720"/>
+                <a:gd name="textAreaLeft" fmla="*/ 278280 w 1072080"/>
+                <a:gd name="textAreaRight" fmla="*/ 794880 w 1072080"/>
+                <a:gd name="textAreaTop" fmla="*/ 258840 h 765360"/>
+                <a:gd name="textAreaBottom" fmla="*/ 507600 h 765360"/>
               </a:gdLst>
               <a:ahLst/>
               <a:rect l="textAreaLeft" t="textAreaTop" r="textAreaRight" b="textAreaBottom"/>
@@ -19110,7 +19115,7 @@
         <p:spPr>
           <a:xfrm>
             <a:off x="3844800" y="1408320"/>
-            <a:ext cx="1096560" cy="1225080"/>
+            <a:ext cx="1096200" cy="1224720"/>
           </a:xfrm>
           <a:prstGeom prst="rect">
             <a:avLst/>
@@ -19164,7 +19169,7 @@
         <p:spPr>
           <a:xfrm>
             <a:off x="7868160" y="3039840"/>
-            <a:ext cx="1096560" cy="1110960"/>
+            <a:ext cx="1096200" cy="1110600"/>
           </a:xfrm>
           <a:prstGeom prst="rect">
             <a:avLst/>
@@ -19218,15 +19223,15 @@
         <p:spPr>
           <a:xfrm>
             <a:off x="8538120" y="3877200"/>
-            <a:ext cx="975240" cy="1370880"/>
+            <a:ext cx="974880" cy="1370520"/>
           </a:xfrm>
           <a:custGeom>
             <a:avLst/>
             <a:gdLst>
-              <a:gd name="textAreaLeft" fmla="*/ 0 w 975240"/>
-              <a:gd name="textAreaRight" fmla="*/ 975960 w 975240"/>
-              <a:gd name="textAreaTop" fmla="*/ 0 h 1370880"/>
-              <a:gd name="textAreaBottom" fmla="*/ 1371600 h 1370880"/>
+              <a:gd name="textAreaLeft" fmla="*/ 0 w 974880"/>
+              <a:gd name="textAreaRight" fmla="*/ 975960 w 974880"/>
+              <a:gd name="textAreaTop" fmla="*/ 0 h 1370520"/>
+              <a:gd name="textAreaBottom" fmla="*/ 1371600 h 1370520"/>
             </a:gdLst>
             <a:ahLst/>
             <a:rect l="textAreaLeft" t="textAreaTop" r="textAreaRight" b="textAreaBottom"/>
@@ -19301,7 +19306,7 @@
         <p:spPr>
           <a:xfrm>
             <a:off x="7372080" y="4974480"/>
-            <a:ext cx="1684080" cy="1645200"/>
+            <a:ext cx="1683720" cy="1644840"/>
           </a:xfrm>
           <a:prstGeom prst="ellipse">
             <a:avLst/>
@@ -19350,7 +19355,7 @@
         <p:spPr>
           <a:xfrm>
             <a:off x="7868160" y="-329040"/>
-            <a:ext cx="2010960" cy="2010960"/>
+            <a:ext cx="2010600" cy="2010600"/>
           </a:xfrm>
           <a:prstGeom prst="ellipse">
             <a:avLst/>
@@ -19399,7 +19404,7 @@
         <p:spPr>
           <a:xfrm>
             <a:off x="2982960" y="3757320"/>
-            <a:ext cx="1044000" cy="302040"/>
+            <a:ext cx="1043640" cy="301680"/>
           </a:xfrm>
           <a:prstGeom prst="rect">
             <a:avLst/>
@@ -19479,7 +19484,7 @@
         <p:spPr>
           <a:xfrm>
             <a:off x="8266320" y="4115520"/>
-            <a:ext cx="1919520" cy="1919520"/>
+            <a:ext cx="1919160" cy="1919160"/>
           </a:xfrm>
           <a:prstGeom prst="ellipse">
             <a:avLst/>
@@ -19528,7 +19533,7 @@
         <p:spPr>
           <a:xfrm>
             <a:off x="7717680" y="-548280"/>
-            <a:ext cx="1919520" cy="1919520"/>
+            <a:ext cx="1919160" cy="1919160"/>
           </a:xfrm>
           <a:prstGeom prst="ellipse">
             <a:avLst/>
@@ -19576,10 +19581,10 @@
         </p:nvGrpSpPr>
         <p:grpSpPr>
           <a:xfrm>
-            <a:off x="-146880" y="-295560"/>
-            <a:ext cx="914400" cy="1279800"/>
-            <a:chOff x="-146880" y="-295560"/>
-            <a:chExt cx="914400" cy="1279800"/>
+            <a:off x="-146520" y="-295200"/>
+            <a:ext cx="913680" cy="1279080"/>
+            <a:chOff x="-146520" y="-295200"/>
+            <a:chExt cx="913680" cy="1279080"/>
           </a:xfrm>
         </p:grpSpPr>
         <p:sp>
@@ -19590,8 +19595,8 @@
           </p:nvSpPr>
           <p:spPr>
             <a:xfrm flipV="1" rot="5395800">
-              <a:off x="219240" y="801000"/>
-              <a:ext cx="182160" cy="182160"/>
+              <a:off x="219240" y="801360"/>
+              <a:ext cx="181800" cy="181800"/>
             </a:xfrm>
             <a:prstGeom prst="ellipse">
               <a:avLst/>
@@ -19599,7 +19604,7 @@
             <a:blipFill rotWithShape="0">
               <a:blip r:embed="rId2"/>
               <a:srcRect/>
-              <a:tile tx="0" ty="0" sx="74113" sy="74113" algn="ctr"/>
+              <a:tile tx="0" ty="0" sx="73758" sy="73758" algn="ctr"/>
             </a:blipFill>
             <a:ln w="0">
               <a:noFill/>
@@ -19646,8 +19651,8 @@
           </p:nvSpPr>
           <p:spPr>
             <a:xfrm flipV="1" rot="5395800">
-              <a:off x="218880" y="435240"/>
-              <a:ext cx="182160" cy="182160"/>
+              <a:off x="218880" y="435600"/>
+              <a:ext cx="181800" cy="181800"/>
             </a:xfrm>
             <a:prstGeom prst="ellipse">
               <a:avLst/>
@@ -19655,7 +19660,7 @@
             <a:blipFill rotWithShape="0">
               <a:blip r:embed="rId3"/>
               <a:srcRect/>
-              <a:tile tx="0" ty="0" sx="74113" sy="74113" algn="ctr"/>
+              <a:tile tx="0" ty="0" sx="73758" sy="73758" algn="ctr"/>
             </a:blipFill>
             <a:ln w="0">
               <a:noFill/>
@@ -19702,8 +19707,8 @@
           </p:nvSpPr>
           <p:spPr>
             <a:xfrm flipV="1" rot="5395800">
-              <a:off x="218520" y="69840"/>
-              <a:ext cx="182160" cy="182160"/>
+              <a:off x="218520" y="70200"/>
+              <a:ext cx="181800" cy="181800"/>
             </a:xfrm>
             <a:prstGeom prst="ellipse">
               <a:avLst/>
@@ -19711,7 +19716,7 @@
             <a:blipFill rotWithShape="0">
               <a:blip r:embed="rId4"/>
               <a:srcRect/>
-              <a:tile tx="0" ty="0" sx="74113" sy="74113" algn="ctr"/>
+              <a:tile tx="0" ty="0" sx="73758" sy="73758" algn="ctr"/>
             </a:blipFill>
             <a:ln w="0">
               <a:noFill/>
@@ -19758,8 +19763,8 @@
           </p:nvSpPr>
           <p:spPr>
             <a:xfrm flipV="1" rot="5395800">
-              <a:off x="217800" y="-295200"/>
-              <a:ext cx="182160" cy="182160"/>
+              <a:off x="217800" y="-294480"/>
+              <a:ext cx="181800" cy="181800"/>
             </a:xfrm>
             <a:prstGeom prst="ellipse">
               <a:avLst/>
@@ -19767,7 +19772,7 @@
             <a:blipFill rotWithShape="0">
               <a:blip r:embed="rId5"/>
               <a:srcRect/>
-              <a:tile tx="0" ty="0" sx="74113" sy="74113" algn="ctr"/>
+              <a:tile tx="0" ty="0" sx="73758" sy="73758" algn="ctr"/>
             </a:blipFill>
             <a:ln w="0">
               <a:noFill/>
@@ -19814,8 +19819,8 @@
           </p:nvSpPr>
           <p:spPr>
             <a:xfrm flipV="1" rot="5395800">
-              <a:off x="583920" y="-295560"/>
-              <a:ext cx="182160" cy="182160"/>
+              <a:off x="583920" y="-294840"/>
+              <a:ext cx="181800" cy="181800"/>
             </a:xfrm>
             <a:prstGeom prst="ellipse">
               <a:avLst/>
@@ -19823,7 +19828,7 @@
             <a:blipFill rotWithShape="0">
               <a:blip r:embed="rId6"/>
               <a:srcRect/>
-              <a:tile tx="0" ty="0" sx="74113" sy="74113" algn="ctr"/>
+              <a:tile tx="0" ty="0" sx="73758" sy="73758" algn="ctr"/>
             </a:blipFill>
             <a:ln w="0">
               <a:noFill/>
@@ -19870,8 +19875,8 @@
           </p:nvSpPr>
           <p:spPr>
             <a:xfrm flipV="1" rot="5395800">
-              <a:off x="584280" y="69120"/>
-              <a:ext cx="182160" cy="182160"/>
+              <a:off x="584280" y="69480"/>
+              <a:ext cx="181800" cy="181800"/>
             </a:xfrm>
             <a:prstGeom prst="ellipse">
               <a:avLst/>
@@ -19879,7 +19884,7 @@
             <a:blipFill rotWithShape="0">
               <a:blip r:embed="rId7"/>
               <a:srcRect/>
-              <a:tile tx="0" ty="0" sx="74113" sy="74113" algn="ctr"/>
+              <a:tile tx="0" ty="0" sx="73758" sy="73758" algn="ctr"/>
             </a:blipFill>
             <a:ln w="0">
               <a:noFill/>
@@ -19926,8 +19931,8 @@
           </p:nvSpPr>
           <p:spPr>
             <a:xfrm flipV="1" rot="5395800">
-              <a:off x="584280" y="434880"/>
-              <a:ext cx="182160" cy="182160"/>
+              <a:off x="584280" y="435240"/>
+              <a:ext cx="181800" cy="181800"/>
             </a:xfrm>
             <a:prstGeom prst="ellipse">
               <a:avLst/>
@@ -19935,7 +19940,7 @@
             <a:blipFill rotWithShape="0">
               <a:blip r:embed="rId8"/>
               <a:srcRect/>
-              <a:tile tx="0" ty="0" sx="74113" sy="74113" algn="ctr"/>
+              <a:tile tx="0" ty="0" sx="73758" sy="73758" algn="ctr"/>
             </a:blipFill>
             <a:ln w="0">
               <a:noFill/>
@@ -19982,8 +19987,8 @@
           </p:nvSpPr>
           <p:spPr>
             <a:xfrm flipV="1" rot="5395800">
-              <a:off x="585000" y="801000"/>
-              <a:ext cx="182160" cy="182160"/>
+              <a:off x="585000" y="801360"/>
+              <a:ext cx="181800" cy="181800"/>
             </a:xfrm>
             <a:prstGeom prst="ellipse">
               <a:avLst/>
@@ -19991,7 +19996,7 @@
             <a:blipFill rotWithShape="0">
               <a:blip r:embed="rId9"/>
               <a:srcRect/>
-              <a:tile tx="0" ty="0" sx="74113" sy="74113" algn="ctr"/>
+              <a:tile tx="0" ty="0" sx="73758" sy="73758" algn="ctr"/>
             </a:blipFill>
             <a:ln w="0">
               <a:noFill/>
@@ -20038,8 +20043,8 @@
           </p:nvSpPr>
           <p:spPr>
             <a:xfrm flipV="1" rot="5395800">
-              <a:off x="-145440" y="801360"/>
-              <a:ext cx="182160" cy="182160"/>
+              <a:off x="-145080" y="801720"/>
+              <a:ext cx="181800" cy="181800"/>
             </a:xfrm>
             <a:prstGeom prst="ellipse">
               <a:avLst/>
@@ -20047,7 +20052,7 @@
             <a:blipFill rotWithShape="0">
               <a:blip r:embed="rId10"/>
               <a:srcRect/>
-              <a:tile tx="0" ty="0" sx="74113" sy="74113" algn="ctr"/>
+              <a:tile tx="0" ty="0" sx="73758" sy="73758" algn="ctr"/>
             </a:blipFill>
             <a:ln w="0">
               <a:noFill/>
@@ -20094,8 +20099,8 @@
           </p:nvSpPr>
           <p:spPr>
             <a:xfrm flipV="1" rot="5395800">
-              <a:off x="-146160" y="435960"/>
-              <a:ext cx="182160" cy="182160"/>
+              <a:off x="-145800" y="436320"/>
+              <a:ext cx="181800" cy="181800"/>
             </a:xfrm>
             <a:prstGeom prst="ellipse">
               <a:avLst/>
@@ -20103,7 +20108,7 @@
             <a:blipFill rotWithShape="0">
               <a:blip r:embed="rId11"/>
               <a:srcRect/>
-              <a:tile tx="0" ty="0" sx="74113" sy="74113" algn="ctr"/>
+              <a:tile tx="0" ty="0" sx="73758" sy="73758" algn="ctr"/>
             </a:blipFill>
             <a:ln w="0">
               <a:noFill/>
@@ -20150,8 +20155,8 @@
           </p:nvSpPr>
           <p:spPr>
             <a:xfrm flipV="1" rot="5395800">
-              <a:off x="-146160" y="69840"/>
-              <a:ext cx="182160" cy="182160"/>
+              <a:off x="-145800" y="70200"/>
+              <a:ext cx="181800" cy="181800"/>
             </a:xfrm>
             <a:prstGeom prst="ellipse">
               <a:avLst/>
@@ -20159,7 +20164,7 @@
             <a:blipFill rotWithShape="0">
               <a:blip r:embed="rId12"/>
               <a:srcRect/>
-              <a:tile tx="0" ty="0" sx="74113" sy="74113" algn="ctr"/>
+              <a:tile tx="0" ty="0" sx="73758" sy="73758" algn="ctr"/>
             </a:blipFill>
             <a:ln w="0">
               <a:noFill/>
@@ -20206,8 +20211,8 @@
           </p:nvSpPr>
           <p:spPr>
             <a:xfrm flipV="1" rot="5395800">
-              <a:off x="-146520" y="-294840"/>
-              <a:ext cx="182160" cy="182160"/>
+              <a:off x="-146160" y="-294120"/>
+              <a:ext cx="181800" cy="181800"/>
             </a:xfrm>
             <a:prstGeom prst="ellipse">
               <a:avLst/>
@@ -20215,7 +20220,7 @@
             <a:blipFill rotWithShape="0">
               <a:blip r:embed="rId13"/>
               <a:srcRect/>
-              <a:tile tx="0" ty="0" sx="74113" sy="74113" algn="ctr"/>
+              <a:tile tx="0" ty="0" sx="73758" sy="73758" algn="ctr"/>
             </a:blipFill>
             <a:ln w="0">
               <a:noFill/>
@@ -20264,9 +20269,9 @@
         <p:grpSpPr>
           <a:xfrm>
             <a:off x="9545040" y="4645800"/>
-            <a:ext cx="915120" cy="1280520"/>
+            <a:ext cx="914760" cy="1280160"/>
             <a:chOff x="9545040" y="4645800"/>
-            <a:chExt cx="915120" cy="1280520"/>
+            <a:chExt cx="914760" cy="1280160"/>
           </a:xfrm>
         </p:grpSpPr>
         <p:sp>
@@ -20277,8 +20282,8 @@
           </p:nvSpPr>
           <p:spPr>
             <a:xfrm flipV="1" rot="5395800">
-              <a:off x="9911880" y="5743080"/>
-              <a:ext cx="182160" cy="182160"/>
+              <a:off x="9911880" y="5743440"/>
+              <a:ext cx="181800" cy="181800"/>
             </a:xfrm>
             <a:prstGeom prst="ellipse">
               <a:avLst/>
@@ -20286,7 +20291,7 @@
             <a:blipFill rotWithShape="0">
               <a:blip r:embed="rId14"/>
               <a:srcRect/>
-              <a:tile tx="0" ty="0" sx="74113" sy="74113" algn="ctr"/>
+              <a:tile tx="0" ty="0" sx="73758" sy="73758" algn="ctr"/>
             </a:blipFill>
             <a:ln w="0">
               <a:noFill/>
@@ -20333,8 +20338,8 @@
           </p:nvSpPr>
           <p:spPr>
             <a:xfrm flipV="1" rot="5395800">
-              <a:off x="9911520" y="5377320"/>
-              <a:ext cx="182160" cy="182160"/>
+              <a:off x="9911520" y="5377680"/>
+              <a:ext cx="181800" cy="181800"/>
             </a:xfrm>
             <a:prstGeom prst="ellipse">
               <a:avLst/>
@@ -20342,7 +20347,7 @@
             <a:blipFill rotWithShape="0">
               <a:blip r:embed="rId15"/>
               <a:srcRect/>
-              <a:tile tx="0" ty="0" sx="74113" sy="74113" algn="ctr"/>
+              <a:tile tx="0" ty="0" sx="73758" sy="73758" algn="ctr"/>
             </a:blipFill>
             <a:ln w="0">
               <a:noFill/>
@@ -20389,8 +20394,8 @@
           </p:nvSpPr>
           <p:spPr>
             <a:xfrm flipV="1" rot="5395800">
-              <a:off x="9911160" y="5011920"/>
-              <a:ext cx="182160" cy="182160"/>
+              <a:off x="9911160" y="5012280"/>
+              <a:ext cx="181800" cy="181800"/>
             </a:xfrm>
             <a:prstGeom prst="ellipse">
               <a:avLst/>
@@ -20398,7 +20403,7 @@
             <a:blipFill rotWithShape="0">
               <a:blip r:embed="rId16"/>
               <a:srcRect/>
-              <a:tile tx="0" ty="0" sx="74113" sy="74113" algn="ctr"/>
+              <a:tile tx="0" ty="0" sx="73758" sy="73758" algn="ctr"/>
             </a:blipFill>
             <a:ln w="0">
               <a:noFill/>
@@ -20445,8 +20450,8 @@
           </p:nvSpPr>
           <p:spPr>
             <a:xfrm flipV="1" rot="5395800">
-              <a:off x="9910440" y="4645800"/>
-              <a:ext cx="182160" cy="182160"/>
+              <a:off x="9910440" y="4646160"/>
+              <a:ext cx="181800" cy="181800"/>
             </a:xfrm>
             <a:prstGeom prst="ellipse">
               <a:avLst/>
@@ -20454,7 +20459,7 @@
             <a:blipFill rotWithShape="0">
               <a:blip r:embed="rId17"/>
               <a:srcRect/>
-              <a:tile tx="0" ty="0" sx="74113" sy="74113" algn="ctr"/>
+              <a:tile tx="0" ty="0" sx="73758" sy="73758" algn="ctr"/>
             </a:blipFill>
             <a:ln w="0">
               <a:noFill/>
@@ -20501,8 +20506,8 @@
           </p:nvSpPr>
           <p:spPr>
             <a:xfrm flipV="1" rot="5395800">
-              <a:off x="10276560" y="4645440"/>
-              <a:ext cx="182160" cy="182160"/>
+              <a:off x="10276560" y="4645800"/>
+              <a:ext cx="181800" cy="181800"/>
             </a:xfrm>
             <a:prstGeom prst="ellipse">
               <a:avLst/>
@@ -20510,7 +20515,7 @@
             <a:blipFill rotWithShape="0">
               <a:blip r:embed="rId18"/>
               <a:srcRect/>
-              <a:tile tx="0" ty="0" sx="74113" sy="74113" algn="ctr"/>
+              <a:tile tx="0" ty="0" sx="73758" sy="73758" algn="ctr"/>
             </a:blipFill>
             <a:ln w="0">
               <a:noFill/>
@@ -20557,8 +20562,8 @@
           </p:nvSpPr>
           <p:spPr>
             <a:xfrm flipV="1" rot="5395800">
-              <a:off x="10276920" y="5011200"/>
-              <a:ext cx="182160" cy="182160"/>
+              <a:off x="10276920" y="5011560"/>
+              <a:ext cx="181800" cy="181800"/>
             </a:xfrm>
             <a:prstGeom prst="ellipse">
               <a:avLst/>
@@ -20566,7 +20571,7 @@
             <a:blipFill rotWithShape="0">
               <a:blip r:embed="rId19"/>
               <a:srcRect/>
-              <a:tile tx="0" ty="0" sx="74113" sy="74113" algn="ctr"/>
+              <a:tile tx="0" ty="0" sx="73758" sy="73758" algn="ctr"/>
             </a:blipFill>
             <a:ln w="0">
               <a:noFill/>
@@ -20613,8 +20618,8 @@
           </p:nvSpPr>
           <p:spPr>
             <a:xfrm flipV="1" rot="5395800">
-              <a:off x="10276920" y="5376960"/>
-              <a:ext cx="182160" cy="182160"/>
+              <a:off x="10276920" y="5377320"/>
+              <a:ext cx="181800" cy="181800"/>
             </a:xfrm>
             <a:prstGeom prst="ellipse">
               <a:avLst/>
@@ -20622,7 +20627,7 @@
             <a:blipFill rotWithShape="0">
               <a:blip r:embed="rId20"/>
               <a:srcRect/>
-              <a:tile tx="0" ty="0" sx="74113" sy="74113" algn="ctr"/>
+              <a:tile tx="0" ty="0" sx="73758" sy="73758" algn="ctr"/>
             </a:blipFill>
             <a:ln w="0">
               <a:noFill/>
@@ -20669,8 +20674,8 @@
           </p:nvSpPr>
           <p:spPr>
             <a:xfrm flipV="1" rot="5395800">
-              <a:off x="10277640" y="5743080"/>
-              <a:ext cx="182160" cy="182160"/>
+              <a:off x="10277640" y="5743440"/>
+              <a:ext cx="181800" cy="181800"/>
             </a:xfrm>
             <a:prstGeom prst="ellipse">
               <a:avLst/>
@@ -20678,7 +20683,7 @@
             <a:blipFill rotWithShape="0">
               <a:blip r:embed="rId21"/>
               <a:srcRect/>
-              <a:tile tx="0" ty="0" sx="74113" sy="74113" algn="ctr"/>
+              <a:tile tx="0" ty="0" sx="73758" sy="73758" algn="ctr"/>
             </a:blipFill>
             <a:ln w="0">
               <a:noFill/>
@@ -20725,8 +20730,8 @@
           </p:nvSpPr>
           <p:spPr>
             <a:xfrm flipV="1" rot="5395800">
-              <a:off x="9546120" y="5743440"/>
-              <a:ext cx="182160" cy="182160"/>
+              <a:off x="9546120" y="5743800"/>
+              <a:ext cx="181800" cy="181800"/>
             </a:xfrm>
             <a:prstGeom prst="ellipse">
               <a:avLst/>
@@ -20734,7 +20739,7 @@
             <a:blipFill rotWithShape="0">
               <a:blip r:embed="rId22"/>
               <a:srcRect/>
-              <a:tile tx="0" ty="0" sx="74113" sy="74113" algn="ctr"/>
+              <a:tile tx="0" ty="0" sx="73758" sy="73758" algn="ctr"/>
             </a:blipFill>
             <a:ln w="0">
               <a:noFill/>
@@ -20781,8 +20786,8 @@
           </p:nvSpPr>
           <p:spPr>
             <a:xfrm flipV="1" rot="5395800">
-              <a:off x="9545400" y="5378040"/>
-              <a:ext cx="182160" cy="182160"/>
+              <a:off x="9545400" y="5378400"/>
+              <a:ext cx="181800" cy="181800"/>
             </a:xfrm>
             <a:prstGeom prst="ellipse">
               <a:avLst/>
@@ -20790,7 +20795,7 @@
             <a:blipFill rotWithShape="0">
               <a:blip r:embed="rId23"/>
               <a:srcRect/>
-              <a:tile tx="0" ty="0" sx="74113" sy="74113" algn="ctr"/>
+              <a:tile tx="0" ty="0" sx="73758" sy="73758" algn="ctr"/>
             </a:blipFill>
             <a:ln w="0">
               <a:noFill/>
@@ -20837,8 +20842,8 @@
           </p:nvSpPr>
           <p:spPr>
             <a:xfrm flipV="1" rot="5395800">
-              <a:off x="9545400" y="5011920"/>
-              <a:ext cx="182160" cy="182160"/>
+              <a:off x="9545400" y="5012280"/>
+              <a:ext cx="181800" cy="181800"/>
             </a:xfrm>
             <a:prstGeom prst="ellipse">
               <a:avLst/>
@@ -20846,7 +20851,7 @@
             <a:blipFill rotWithShape="0">
               <a:blip r:embed="rId24"/>
               <a:srcRect/>
-              <a:tile tx="0" ty="0" sx="74113" sy="74113" algn="ctr"/>
+              <a:tile tx="0" ty="0" sx="73758" sy="73758" algn="ctr"/>
             </a:blipFill>
             <a:ln w="0">
               <a:noFill/>
@@ -20893,8 +20898,8 @@
           </p:nvSpPr>
           <p:spPr>
             <a:xfrm flipV="1" rot="5395800">
-              <a:off x="9545040" y="4646160"/>
-              <a:ext cx="182160" cy="182160"/>
+              <a:off x="9545040" y="4646520"/>
+              <a:ext cx="181800" cy="181800"/>
             </a:xfrm>
             <a:prstGeom prst="ellipse">
               <a:avLst/>
@@ -20902,7 +20907,7 @@
             <a:blipFill rotWithShape="0">
               <a:blip r:embed="rId25"/>
               <a:srcRect/>
-              <a:tile tx="0" ty="0" sx="74113" sy="74113" algn="ctr"/>
+              <a:tile tx="0" ty="0" sx="73758" sy="73758" algn="ctr"/>
             </a:blipFill>
             <a:ln w="0">
               <a:noFill/>
@@ -20951,7 +20956,7 @@
         <p:spPr>
           <a:xfrm>
             <a:off x="-146160" y="3109320"/>
-            <a:ext cx="1919520" cy="1919520"/>
+            <a:ext cx="1919160" cy="1919160"/>
           </a:xfrm>
           <a:prstGeom prst="ellipse">
             <a:avLst/>
@@ -21025,8 +21030,8 @@
         </p:nvSpPr>
         <p:spPr>
           <a:xfrm rot="18876000">
-            <a:off x="8645760" y="-405000"/>
-            <a:ext cx="2894760" cy="2894760"/>
+            <a:off x="8645400" y="-404640"/>
+            <a:ext cx="2894400" cy="2894400"/>
           </a:xfrm>
           <a:prstGeom prst="rect">
             <a:avLst/>
@@ -21072,8 +21077,8 @@
         </p:nvSpPr>
         <p:spPr>
           <a:xfrm rot="18876000">
-            <a:off x="8665920" y="3983040"/>
-            <a:ext cx="2894760" cy="2894760"/>
+            <a:off x="8665560" y="3983040"/>
+            <a:ext cx="2894400" cy="2894400"/>
           </a:xfrm>
           <a:prstGeom prst="rect">
             <a:avLst/>
@@ -21119,8 +21124,8 @@
         </p:nvSpPr>
         <p:spPr>
           <a:xfrm rot="18964800">
-            <a:off x="993600" y="5915880"/>
-            <a:ext cx="2588040" cy="730800"/>
+            <a:off x="993240" y="5915880"/>
+            <a:ext cx="2587680" cy="730440"/>
           </a:xfrm>
           <a:prstGeom prst="rect">
             <a:avLst/>
@@ -21169,7 +21174,7 @@
         <p:spPr>
           <a:xfrm rot="18964800">
             <a:off x="-1296720" y="5513760"/>
-            <a:ext cx="2588040" cy="730800"/>
+            <a:ext cx="2587680" cy="730440"/>
           </a:xfrm>
           <a:prstGeom prst="rect">
             <a:avLst/>
@@ -21217,8 +21222,8 @@
         </p:nvSpPr>
         <p:spPr>
           <a:xfrm rot="18964800">
-            <a:off x="3681720" y="339480"/>
-            <a:ext cx="3457080" cy="921600"/>
+            <a:off x="3681360" y="339480"/>
+            <a:ext cx="3456720" cy="921240"/>
           </a:xfrm>
           <a:prstGeom prst="rect">
             <a:avLst/>
@@ -21266,8 +21271,8 @@
         </p:nvSpPr>
         <p:spPr>
           <a:xfrm rot="18964800">
-            <a:off x="1445400" y="-757800"/>
-            <a:ext cx="2588040" cy="730800"/>
+            <a:off x="1445040" y="-757440"/>
+            <a:ext cx="2587680" cy="730440"/>
           </a:xfrm>
           <a:prstGeom prst="rect">
             <a:avLst/>
@@ -21316,7 +21321,7 @@
         <p:spPr>
           <a:xfrm rot="18964800">
             <a:off x="-726840" y="3295080"/>
-            <a:ext cx="2588040" cy="512280"/>
+            <a:ext cx="2587680" cy="511920"/>
           </a:xfrm>
           <a:prstGeom prst="rect">
             <a:avLst/>
@@ -21391,7 +21396,7 @@
         <p:spPr>
           <a:xfrm>
             <a:off x="820800" y="4140000"/>
-            <a:ext cx="6198480" cy="1439280"/>
+            <a:ext cx="6198120" cy="1438920"/>
           </a:xfrm>
           <a:prstGeom prst="rect">
             <a:avLst/>
@@ -21445,7 +21450,7 @@
         <p:spPr>
           <a:xfrm>
             <a:off x="7315200" y="4629240"/>
-            <a:ext cx="2376720" cy="493560"/>
+            <a:ext cx="2376360" cy="493200"/>
           </a:xfrm>
           <a:prstGeom prst="rect">
             <a:avLst/>
@@ -21594,7 +21599,7 @@
         <p:spPr>
           <a:xfrm>
             <a:off x="1080000" y="1080000"/>
-            <a:ext cx="5759640" cy="394200"/>
+            <a:ext cx="5759280" cy="393840"/>
           </a:xfrm>
           <a:prstGeom prst="rect">
             <a:avLst/>
@@ -21652,7 +21657,7 @@
         <p:spPr>
           <a:xfrm>
             <a:off x="1260000" y="1620000"/>
-            <a:ext cx="5576040" cy="3059640"/>
+            <a:ext cx="5575680" cy="3059280"/>
           </a:xfrm>
           <a:prstGeom prst="rect">
             <a:avLst/>
@@ -21701,7 +21706,7 @@
         <p:spPr>
           <a:xfrm>
             <a:off x="1080000" y="1080000"/>
-            <a:ext cx="5759640" cy="394200"/>
+            <a:ext cx="5759280" cy="393840"/>
           </a:xfrm>
           <a:prstGeom prst="rect">
             <a:avLst/>
@@ -21759,7 +21764,7 @@
         <p:spPr>
           <a:xfrm>
             <a:off x="1239840" y="1620000"/>
-            <a:ext cx="5959800" cy="3270240"/>
+            <a:ext cx="5959440" cy="3269880"/>
           </a:xfrm>
           <a:prstGeom prst="rect">
             <a:avLst/>
@@ -21808,7 +21813,7 @@
         <p:spPr>
           <a:xfrm>
             <a:off x="900000" y="2520000"/>
-            <a:ext cx="1871640" cy="857880"/>
+            <a:ext cx="1871280" cy="857520"/>
           </a:xfrm>
           <a:prstGeom prst="rect">
             <a:avLst/>
@@ -21840,6 +21845,7 @@
                   <a:srgbClr val="000000"/>
                 </a:solidFill>
                 <a:latin typeface="Arial"/>
+                <a:ea typeface="DejaVu Sans"/>
               </a:rPr>
               <a:t>Avant nettoyage</a:t>
             </a:r>
@@ -21862,6 +21868,7 @@
                   <a:srgbClr val="000000"/>
                 </a:solidFill>
                 <a:latin typeface="Arial"/>
+                <a:ea typeface="DejaVu Sans"/>
               </a:rPr>
               <a:t>288’069 valeurs</a:t>
             </a:r>
@@ -21887,7 +21894,7 @@
         <p:spPr>
           <a:xfrm>
             <a:off x="2689560" y="5400"/>
-            <a:ext cx="4724640" cy="5670000"/>
+            <a:ext cx="4724280" cy="5669640"/>
           </a:xfrm>
           <a:prstGeom prst="rect">
             <a:avLst/>
@@ -21936,7 +21943,7 @@
         <p:spPr>
           <a:xfrm>
             <a:off x="900000" y="2520000"/>
-            <a:ext cx="1871640" cy="857880"/>
+            <a:ext cx="1871280" cy="857520"/>
           </a:xfrm>
           <a:prstGeom prst="rect">
             <a:avLst/>
@@ -21968,6 +21975,7 @@
                   <a:srgbClr val="000000"/>
                 </a:solidFill>
                 <a:latin typeface="Arial"/>
+                <a:ea typeface="DejaVu Sans"/>
               </a:rPr>
               <a:t>Après nettoyage</a:t>
             </a:r>
@@ -21990,6 +21998,7 @@
                   <a:srgbClr val="000000"/>
                 </a:solidFill>
                 <a:latin typeface="Arial"/>
+                <a:ea typeface="DejaVu Sans"/>
               </a:rPr>
               <a:t>154’711 valeurs</a:t>
             </a:r>
@@ -22015,7 +22024,7 @@
         <p:spPr>
           <a:xfrm>
             <a:off x="2689560" y="5400"/>
-            <a:ext cx="4724640" cy="5670000"/>
+            <a:ext cx="4724280" cy="5669640"/>
           </a:xfrm>
           <a:prstGeom prst="rect">
             <a:avLst/>
@@ -22064,7 +22073,7 @@
         <p:spPr>
           <a:xfrm>
             <a:off x="1080000" y="1706040"/>
-            <a:ext cx="7739640" cy="2001600"/>
+            <a:ext cx="7739280" cy="2001240"/>
           </a:xfrm>
           <a:prstGeom prst="rect">
             <a:avLst/>
@@ -22223,7 +22232,7 @@
         <p:spPr>
           <a:xfrm>
             <a:off x="1080000" y="1080000"/>
-            <a:ext cx="5759640" cy="394200"/>
+            <a:ext cx="5759280" cy="393840"/>
           </a:xfrm>
           <a:prstGeom prst="rect">
             <a:avLst/>
@@ -22307,7 +22316,7 @@
         <p:spPr>
           <a:xfrm>
             <a:off x="1080000" y="1562040"/>
-            <a:ext cx="7739640" cy="2001600"/>
+            <a:ext cx="7739280" cy="2001240"/>
           </a:xfrm>
           <a:prstGeom prst="rect">
             <a:avLst/>
@@ -22466,7 +22475,7 @@
         <p:spPr>
           <a:xfrm>
             <a:off x="1080000" y="1080000"/>
-            <a:ext cx="8279640" cy="394200"/>
+            <a:ext cx="8279280" cy="393840"/>
           </a:xfrm>
           <a:prstGeom prst="rect">
             <a:avLst/>
@@ -22550,7 +22559,7 @@
         <p:spPr>
           <a:xfrm>
             <a:off x="1080000" y="1238040"/>
-            <a:ext cx="7739640" cy="2001600"/>
+            <a:ext cx="7739280" cy="2001240"/>
           </a:xfrm>
           <a:prstGeom prst="rect">
             <a:avLst/>
@@ -22783,7 +22792,7 @@
         <p:spPr>
           <a:xfrm>
             <a:off x="1080000" y="1080000"/>
-            <a:ext cx="5759640" cy="394200"/>
+            <a:ext cx="5759280" cy="393840"/>
           </a:xfrm>
           <a:prstGeom prst="rect">
             <a:avLst/>
@@ -22867,7 +22876,7 @@
         <p:spPr>
           <a:xfrm>
             <a:off x="1080000" y="1238040"/>
-            <a:ext cx="7739640" cy="2001600"/>
+            <a:ext cx="7739280" cy="2001240"/>
           </a:xfrm>
           <a:prstGeom prst="rect">
             <a:avLst/>
@@ -23054,7 +23063,7 @@
         <p:spPr>
           <a:xfrm>
             <a:off x="1080000" y="1080000"/>
-            <a:ext cx="5759640" cy="394200"/>
+            <a:ext cx="5759280" cy="393840"/>
           </a:xfrm>
           <a:prstGeom prst="rect">
             <a:avLst/>
@@ -23138,7 +23147,7 @@
         <p:spPr>
           <a:xfrm>
             <a:off x="1080000" y="1080000"/>
-            <a:ext cx="8459640" cy="394200"/>
+            <a:ext cx="8459280" cy="393840"/>
           </a:xfrm>
           <a:prstGeom prst="rect">
             <a:avLst/>
@@ -23226,7 +23235,7 @@
         <p:spPr>
           <a:xfrm>
             <a:off x="2126160" y="2160000"/>
-            <a:ext cx="4375440" cy="3281400"/>
+            <a:ext cx="4375080" cy="3281040"/>
           </a:xfrm>
           <a:prstGeom prst="rect">
             <a:avLst/>
@@ -23245,7 +23254,7 @@
         <p:spPr>
           <a:xfrm>
             <a:off x="1080000" y="1598040"/>
-            <a:ext cx="7739640" cy="2001600"/>
+            <a:ext cx="7739280" cy="2001240"/>
           </a:xfrm>
           <a:prstGeom prst="rect">
             <a:avLst/>
@@ -23308,7 +23317,7 @@
         <p:spPr>
           <a:xfrm>
             <a:off x="1080000" y="1080000"/>
-            <a:ext cx="5759640" cy="394200"/>
+            <a:ext cx="5759280" cy="393840"/>
           </a:xfrm>
           <a:prstGeom prst="rect">
             <a:avLst/>
@@ -23392,7 +23401,7 @@
         <p:spPr>
           <a:xfrm>
             <a:off x="1121760" y="1748880"/>
-            <a:ext cx="6833520" cy="2001600"/>
+            <a:ext cx="6833160" cy="2001240"/>
           </a:xfrm>
           <a:prstGeom prst="rect">
             <a:avLst/>
@@ -23561,7 +23570,7 @@
         <p:spPr>
           <a:xfrm>
             <a:off x="1080000" y="1080000"/>
-            <a:ext cx="3864960" cy="394200"/>
+            <a:ext cx="3864600" cy="393840"/>
           </a:xfrm>
           <a:prstGeom prst="rect">
             <a:avLst/>
@@ -23645,7 +23654,7 @@
         <p:spPr>
           <a:xfrm>
             <a:off x="1080000" y="1080000"/>
-            <a:ext cx="5759640" cy="394200"/>
+            <a:ext cx="5759280" cy="393840"/>
           </a:xfrm>
           <a:prstGeom prst="rect">
             <a:avLst/>
@@ -23702,8 +23711,8 @@
         </p:blipFill>
         <p:spPr>
           <a:xfrm>
-            <a:off x="4144320" y="1729800"/>
-            <a:ext cx="4855320" cy="3641400"/>
+            <a:off x="0" y="2214000"/>
+            <a:ext cx="3287880" cy="2466000"/>
           </a:xfrm>
           <a:prstGeom prst="rect">
             <a:avLst/>
@@ -23725,8 +23734,31 @@
         </p:blipFill>
         <p:spPr>
           <a:xfrm>
-            <a:off x="0" y="1729800"/>
-            <a:ext cx="4893480" cy="3669840"/>
+            <a:off x="3024000" y="2214000"/>
+            <a:ext cx="3312000" cy="2484000"/>
+          </a:xfrm>
+          <a:prstGeom prst="rect">
+            <a:avLst/>
+          </a:prstGeom>
+          <a:ln w="0">
+            <a:noFill/>
+          </a:ln>
+        </p:spPr>
+      </p:pic>
+      <p:pic>
+        <p:nvPicPr>
+          <p:cNvPr id="210" name="" descr=""/>
+          <p:cNvPicPr/>
+          <p:nvPr/>
+        </p:nvPicPr>
+        <p:blipFill>
+          <a:blip r:embed="rId3"/>
+          <a:stretch/>
+        </p:blipFill>
+        <p:spPr>
+          <a:xfrm>
+            <a:off x="6136560" y="2073240"/>
+            <a:ext cx="3907440" cy="2790720"/>
           </a:xfrm>
           <a:prstGeom prst="rect">
             <a:avLst/>
@@ -23766,116 +23798,9 @@
           <a:chExt cx="0" cy="0"/>
         </a:xfrm>
       </p:grpSpPr>
-      <p:sp>
-        <p:nvSpPr>
-          <p:cNvPr id="210" name="TextShape 31"/>
-          <p:cNvSpPr/>
-          <p:nvPr/>
-        </p:nvSpPr>
-        <p:spPr>
-          <a:xfrm>
-            <a:off x="1080000" y="1080000"/>
-            <a:ext cx="5759640" cy="394200"/>
-          </a:xfrm>
-          <a:prstGeom prst="rect">
-            <a:avLst/>
-          </a:prstGeom>
-          <a:noFill/>
-          <a:ln w="0">
-            <a:noFill/>
-          </a:ln>
-        </p:spPr>
-        <p:style>
-          <a:lnRef idx="0"/>
-          <a:fillRef idx="0"/>
-          <a:effectRef idx="0"/>
-          <a:fontRef idx="minor"/>
-        </p:style>
-        <p:txBody>
-          <a:bodyPr lIns="90000" rIns="90000" tIns="45000" bIns="45000" anchor="t">
-            <a:noAutofit/>
-          </a:bodyPr>
-          <a:p>
-            <a:pPr>
-              <a:lnSpc>
-                <a:spcPct val="100000"/>
-              </a:lnSpc>
-            </a:pPr>
-            <a:r>
-              <a:rPr b="1" lang="de-DE" sz="2400" spc="-1" strike="noStrike">
-                <a:solidFill>
-                  <a:srgbClr val="000000"/>
-                </a:solidFill>
-                <a:latin typeface="Noto Sans"/>
-                <a:ea typeface="DejaVu Sans"/>
-              </a:rPr>
-              <a:t>Analyse uni-variée: carbohydrate</a:t>
-            </a:r>
-            <a:endParaRPr b="0" lang="fr-CH" sz="2400" spc="-1" strike="noStrike">
-              <a:solidFill>
-                <a:srgbClr val="000000"/>
-              </a:solidFill>
-              <a:latin typeface="Arial"/>
-            </a:endParaRPr>
-          </a:p>
-        </p:txBody>
-      </p:sp>
-      <p:sp>
-        <p:nvSpPr>
-          <p:cNvPr id="211" name=""/>
-          <p:cNvSpPr/>
-          <p:nvPr/>
-        </p:nvSpPr>
-        <p:spPr>
-          <a:xfrm>
-            <a:off x="7308000" y="3780000"/>
-            <a:ext cx="1259640" cy="601920"/>
-          </a:xfrm>
-          <a:prstGeom prst="rect">
-            <a:avLst/>
-          </a:prstGeom>
-          <a:noFill/>
-          <a:ln w="0">
-            <a:noFill/>
-          </a:ln>
-        </p:spPr>
-        <p:style>
-          <a:lnRef idx="0"/>
-          <a:fillRef idx="0"/>
-          <a:effectRef idx="0"/>
-          <a:fontRef idx="minor"/>
-        </p:style>
-        <p:txBody>
-          <a:bodyPr lIns="90000" rIns="90000" tIns="45000" bIns="45000" anchor="t">
-            <a:noAutofit/>
-          </a:bodyPr>
-          <a:p>
-            <a:pPr>
-              <a:lnSpc>
-                <a:spcPct val="100000"/>
-              </a:lnSpc>
-            </a:pPr>
-            <a:r>
-              <a:rPr b="0" lang="fr-CH" sz="1400" spc="-1" strike="noStrike">
-                <a:solidFill>
-                  <a:srgbClr val="000000"/>
-                </a:solidFill>
-                <a:latin typeface="Arial"/>
-              </a:rPr>
-              <a:t>uni-modale</a:t>
-            </a:r>
-            <a:endParaRPr b="0" lang="fr-CH" sz="1400" spc="-1" strike="noStrike">
-              <a:solidFill>
-                <a:srgbClr val="000000"/>
-              </a:solidFill>
-              <a:latin typeface="Arial"/>
-            </a:endParaRPr>
-          </a:p>
-        </p:txBody>
-      </p:sp>
       <p:pic>
         <p:nvPicPr>
-          <p:cNvPr id="212" name="" descr=""/>
+          <p:cNvPr id="211" name="" descr=""/>
           <p:cNvPicPr/>
           <p:nvPr/>
         </p:nvPicPr>
@@ -23885,61 +23810,8 @@
         </p:blipFill>
         <p:spPr>
           <a:xfrm>
-            <a:off x="2126160" y="1501560"/>
-            <a:ext cx="5253480" cy="3939840"/>
-          </a:xfrm>
-          <a:prstGeom prst="rect">
-            <a:avLst/>
-          </a:prstGeom>
-          <a:ln w="0">
-            <a:noFill/>
-          </a:ln>
-        </p:spPr>
-      </p:pic>
-    </p:spTree>
-  </p:cSld>
-  <mc:AlternateContent>
-    <mc:Choice Requires="p14">
-      <p:transition spd="slow" p14:dur="2000"/>
-    </mc:Choice>
-    <mc:Fallback>
-      <p:transition spd="slow"/>
-    </mc:Fallback>
-  </mc:AlternateContent>
-</p:sld>
-</file>
-
-<file path=ppt/slides/slide22.xml><?xml version="1.0" encoding="utf-8"?>
-<p:sld xmlns:a="http://schemas.openxmlformats.org/drawingml/2006/main" xmlns:p="http://schemas.openxmlformats.org/presentationml/2006/main" xmlns:r="http://schemas.openxmlformats.org/officeDocument/2006/relationships" xmlns:p14="http://schemas.microsoft.com/office/powerpoint/2010/main" xmlns:p15="http://schemas.microsoft.com/office/powerpoint/2012/main" xmlns:mc="http://schemas.openxmlformats.org/markup-compatibility/2006">
-  <p:cSld>
-    <p:spTree>
-      <p:nvGrpSpPr>
-        <p:cNvPr id="1" name=""/>
-        <p:cNvGrpSpPr/>
-        <p:nvPr/>
-      </p:nvGrpSpPr>
-      <p:grpSpPr>
-        <a:xfrm>
-          <a:off x="0" y="0"/>
-          <a:ext cx="0" cy="0"/>
-          <a:chOff x="0" y="0"/>
-          <a:chExt cx="0" cy="0"/>
-        </a:xfrm>
-      </p:grpSpPr>
-      <p:pic>
-        <p:nvPicPr>
-          <p:cNvPr id="213" name="" descr=""/>
-          <p:cNvPicPr/>
-          <p:nvPr/>
-        </p:nvPicPr>
-        <p:blipFill>
-          <a:blip r:embed="rId1"/>
-          <a:stretch/>
-        </p:blipFill>
-        <p:spPr>
-          <a:xfrm>
-            <a:off x="326160" y="1620000"/>
-            <a:ext cx="4893480" cy="3669840"/>
+            <a:off x="3161160" y="2214360"/>
+            <a:ext cx="3593520" cy="2694960"/>
           </a:xfrm>
           <a:prstGeom prst="rect">
             <a:avLst/>
@@ -23951,14 +23823,14 @@
       </p:pic>
       <p:sp>
         <p:nvSpPr>
-          <p:cNvPr id="214" name="TextShape 32"/>
+          <p:cNvPr id="212" name="TextShape 32"/>
           <p:cNvSpPr/>
           <p:nvPr/>
         </p:nvSpPr>
         <p:spPr>
           <a:xfrm>
             <a:off x="1080000" y="1080000"/>
-            <a:ext cx="5759640" cy="394200"/>
+            <a:ext cx="5759280" cy="393840"/>
           </a:xfrm>
           <a:prstGeom prst="rect">
             <a:avLst/>
@@ -24005,7 +23877,7 @@
       </p:sp>
       <p:pic>
         <p:nvPicPr>
-          <p:cNvPr id="215" name="" descr=""/>
+          <p:cNvPr id="213" name="" descr=""/>
           <p:cNvPicPr/>
           <p:nvPr/>
         </p:nvPicPr>
@@ -24015,8 +23887,31 @@
         </p:blipFill>
         <p:spPr>
           <a:xfrm>
-            <a:off x="4739760" y="1690200"/>
-            <a:ext cx="4799880" cy="3599640"/>
+            <a:off x="6372000" y="2236680"/>
+            <a:ext cx="3672720" cy="2623320"/>
+          </a:xfrm>
+          <a:prstGeom prst="rect">
+            <a:avLst/>
+          </a:prstGeom>
+          <a:ln w="0">
+            <a:noFill/>
+          </a:ln>
+        </p:spPr>
+      </p:pic>
+      <p:pic>
+        <p:nvPicPr>
+          <p:cNvPr id="214" name="" descr=""/>
+          <p:cNvPicPr/>
+          <p:nvPr/>
+        </p:nvPicPr>
+        <p:blipFill>
+          <a:blip r:embed="rId3"/>
+          <a:stretch/>
+        </p:blipFill>
+        <p:spPr>
+          <a:xfrm>
+            <a:off x="6480" y="2214360"/>
+            <a:ext cx="3593520" cy="2694960"/>
           </a:xfrm>
           <a:prstGeom prst="rect">
             <a:avLst/>
@@ -24039,7 +23934,7 @@
 </p:sld>
 </file>
 
-<file path=ppt/slides/slide23.xml><?xml version="1.0" encoding="utf-8"?>
+<file path=ppt/slides/slide22.xml><?xml version="1.0" encoding="utf-8"?>
 <p:sld xmlns:a="http://schemas.openxmlformats.org/drawingml/2006/main" xmlns:p="http://schemas.openxmlformats.org/presentationml/2006/main" xmlns:r="http://schemas.openxmlformats.org/officeDocument/2006/relationships" xmlns:p14="http://schemas.microsoft.com/office/powerpoint/2010/main" xmlns:p15="http://schemas.microsoft.com/office/powerpoint/2012/main" xmlns:mc="http://schemas.openxmlformats.org/markup-compatibility/2006">
   <p:cSld>
     <p:spTree>
@@ -24056,16 +23951,39 @@
           <a:chExt cx="0" cy="0"/>
         </a:xfrm>
       </p:grpSpPr>
+      <p:pic>
+        <p:nvPicPr>
+          <p:cNvPr id="215" name="" descr=""/>
+          <p:cNvPicPr/>
+          <p:nvPr/>
+        </p:nvPicPr>
+        <p:blipFill>
+          <a:blip r:embed="rId1"/>
+          <a:stretch/>
+        </p:blipFill>
+        <p:spPr>
+          <a:xfrm>
+            <a:off x="3161160" y="2214360"/>
+            <a:ext cx="3593520" cy="2694960"/>
+          </a:xfrm>
+          <a:prstGeom prst="rect">
+            <a:avLst/>
+          </a:prstGeom>
+          <a:ln w="0">
+            <a:noFill/>
+          </a:ln>
+        </p:spPr>
+      </p:pic>
       <p:sp>
         <p:nvSpPr>
-          <p:cNvPr id="216" name="TextShape 33"/>
+          <p:cNvPr id="216" name="TextShape 31"/>
           <p:cNvSpPr/>
           <p:nvPr/>
         </p:nvSpPr>
         <p:spPr>
           <a:xfrm>
             <a:off x="1080000" y="1080000"/>
-            <a:ext cx="5759640" cy="394200"/>
+            <a:ext cx="5759280" cy="393840"/>
           </a:xfrm>
           <a:prstGeom prst="rect">
             <a:avLst/>
@@ -24117,13 +24035,13 @@
           <p:nvPr/>
         </p:nvPicPr>
         <p:blipFill>
-          <a:blip r:embed="rId1"/>
+          <a:blip r:embed="rId2"/>
           <a:stretch/>
         </p:blipFill>
         <p:spPr>
           <a:xfrm>
-            <a:off x="2126160" y="1501560"/>
-            <a:ext cx="5253480" cy="3939840"/>
+            <a:off x="6372000" y="2236680"/>
+            <a:ext cx="3672720" cy="2623320"/>
           </a:xfrm>
           <a:prstGeom prst="rect">
             <a:avLst/>
@@ -24133,59 +24051,29 @@
           </a:ln>
         </p:spPr>
       </p:pic>
-      <p:sp>
-        <p:nvSpPr>
-          <p:cNvPr id="218" name=""/>
-          <p:cNvSpPr/>
+      <p:pic>
+        <p:nvPicPr>
+          <p:cNvPr id="218" name="" descr=""/>
+          <p:cNvPicPr/>
           <p:nvPr/>
-        </p:nvSpPr>
+        </p:nvPicPr>
+        <p:blipFill>
+          <a:blip r:embed="rId3"/>
+          <a:stretch/>
+        </p:blipFill>
         <p:spPr>
           <a:xfrm>
-            <a:off x="7020000" y="3780360"/>
-            <a:ext cx="1259640" cy="601920"/>
+            <a:off x="6480" y="2214360"/>
+            <a:ext cx="3593520" cy="2694960"/>
           </a:xfrm>
           <a:prstGeom prst="rect">
             <a:avLst/>
           </a:prstGeom>
-          <a:noFill/>
           <a:ln w="0">
             <a:noFill/>
           </a:ln>
         </p:spPr>
-        <p:style>
-          <a:lnRef idx="0"/>
-          <a:fillRef idx="0"/>
-          <a:effectRef idx="0"/>
-          <a:fontRef idx="minor"/>
-        </p:style>
-        <p:txBody>
-          <a:bodyPr lIns="90000" rIns="90000" tIns="45000" bIns="45000" anchor="t">
-            <a:noAutofit/>
-          </a:bodyPr>
-          <a:p>
-            <a:pPr>
-              <a:lnSpc>
-                <a:spcPct val="100000"/>
-              </a:lnSpc>
-            </a:pPr>
-            <a:r>
-              <a:rPr b="0" lang="fr-CH" sz="1400" spc="-1" strike="noStrike">
-                <a:solidFill>
-                  <a:srgbClr val="000000"/>
-                </a:solidFill>
-                <a:latin typeface="Arial"/>
-              </a:rPr>
-              <a:t>bi-modale</a:t>
-            </a:r>
-            <a:endParaRPr b="0" lang="fr-CH" sz="1400" spc="-1" strike="noStrike">
-              <a:solidFill>
-                <a:srgbClr val="000000"/>
-              </a:solidFill>
-              <a:latin typeface="Arial"/>
-            </a:endParaRPr>
-          </a:p>
-        </p:txBody>
-      </p:sp>
+      </p:pic>
     </p:spTree>
   </p:cSld>
   <mc:AlternateContent>
@@ -24199,7 +24087,7 @@
 </p:sld>
 </file>
 
-<file path=ppt/slides/slide24.xml><?xml version="1.0" encoding="utf-8"?>
+<file path=ppt/slides/slide23.xml><?xml version="1.0" encoding="utf-8"?>
 <p:sld xmlns:a="http://schemas.openxmlformats.org/drawingml/2006/main" xmlns:p="http://schemas.openxmlformats.org/presentationml/2006/main" xmlns:r="http://schemas.openxmlformats.org/officeDocument/2006/relationships" xmlns:p14="http://schemas.microsoft.com/office/powerpoint/2010/main" xmlns:p15="http://schemas.microsoft.com/office/powerpoint/2012/main" xmlns:mc="http://schemas.openxmlformats.org/markup-compatibility/2006">
   <p:cSld>
     <p:spTree>
@@ -24216,39 +24104,16 @@
           <a:chExt cx="0" cy="0"/>
         </a:xfrm>
       </p:grpSpPr>
-      <p:pic>
-        <p:nvPicPr>
-          <p:cNvPr id="219" name="" descr=""/>
-          <p:cNvPicPr/>
-          <p:nvPr/>
-        </p:nvPicPr>
-        <p:blipFill>
-          <a:blip r:embed="rId1"/>
-          <a:stretch/>
-        </p:blipFill>
-        <p:spPr>
-          <a:xfrm>
-            <a:off x="266040" y="1620000"/>
-            <a:ext cx="4773600" cy="3579840"/>
-          </a:xfrm>
-          <a:prstGeom prst="rect">
-            <a:avLst/>
-          </a:prstGeom>
-          <a:ln w="0">
-            <a:noFill/>
-          </a:ln>
-        </p:spPr>
-      </p:pic>
       <p:sp>
         <p:nvSpPr>
-          <p:cNvPr id="220" name="TextShape 29"/>
+          <p:cNvPr id="219" name="TextShape 29"/>
           <p:cNvSpPr/>
           <p:nvPr/>
         </p:nvSpPr>
         <p:spPr>
           <a:xfrm>
             <a:off x="1080000" y="1080000"/>
-            <a:ext cx="5759640" cy="394200"/>
+            <a:ext cx="5759280" cy="393840"/>
           </a:xfrm>
           <a:prstGeom prst="rect">
             <a:avLst/>
@@ -24295,6 +24160,29 @@
       </p:sp>
       <p:pic>
         <p:nvPicPr>
+          <p:cNvPr id="220" name="" descr=""/>
+          <p:cNvPicPr/>
+          <p:nvPr/>
+        </p:nvPicPr>
+        <p:blipFill>
+          <a:blip r:embed="rId1"/>
+          <a:stretch/>
+        </p:blipFill>
+        <p:spPr>
+          <a:xfrm>
+            <a:off x="3170160" y="2305800"/>
+            <a:ext cx="3453840" cy="2590200"/>
+          </a:xfrm>
+          <a:prstGeom prst="rect">
+            <a:avLst/>
+          </a:prstGeom>
+          <a:ln w="0">
+            <a:noFill/>
+          </a:ln>
+        </p:spPr>
+      </p:pic>
+      <p:pic>
+        <p:nvPicPr>
           <p:cNvPr id="221" name="" descr=""/>
           <p:cNvPicPr/>
           <p:nvPr/>
@@ -24305,8 +24193,31 @@
         </p:blipFill>
         <p:spPr>
           <a:xfrm>
-            <a:off x="4504320" y="1620000"/>
-            <a:ext cx="4855320" cy="3641400"/>
+            <a:off x="0" y="2232360"/>
+            <a:ext cx="3600000" cy="2699640"/>
+          </a:xfrm>
+          <a:prstGeom prst="rect">
+            <a:avLst/>
+          </a:prstGeom>
+          <a:ln w="0">
+            <a:noFill/>
+          </a:ln>
+        </p:spPr>
+      </p:pic>
+      <p:pic>
+        <p:nvPicPr>
+          <p:cNvPr id="222" name="" descr=""/>
+          <p:cNvPicPr/>
+          <p:nvPr/>
+        </p:nvPicPr>
+        <p:blipFill>
+          <a:blip r:embed="rId3"/>
+          <a:stretch/>
+        </p:blipFill>
+        <p:spPr>
+          <a:xfrm>
+            <a:off x="6300000" y="2232360"/>
+            <a:ext cx="3780000" cy="2699640"/>
           </a:xfrm>
           <a:prstGeom prst="rect">
             <a:avLst/>
@@ -24329,7 +24240,7 @@
 </p:sld>
 </file>
 
-<file path=ppt/slides/slide25.xml><?xml version="1.0" encoding="utf-8"?>
+<file path=ppt/slides/slide24.xml><?xml version="1.0" encoding="utf-8"?>
 <p:sld xmlns:a="http://schemas.openxmlformats.org/drawingml/2006/main" xmlns:p="http://schemas.openxmlformats.org/presentationml/2006/main" xmlns:r="http://schemas.openxmlformats.org/officeDocument/2006/relationships" xmlns:p14="http://schemas.microsoft.com/office/powerpoint/2010/main" xmlns:p15="http://schemas.microsoft.com/office/powerpoint/2012/main" xmlns:mc="http://schemas.openxmlformats.org/markup-compatibility/2006">
   <p:cSld>
     <p:spTree>
@@ -24348,174 +24259,14 @@
       </p:grpSpPr>
       <p:sp>
         <p:nvSpPr>
-          <p:cNvPr id="222" name="TextShape 34"/>
+          <p:cNvPr id="223" name="TextShape 35"/>
           <p:cNvSpPr/>
           <p:nvPr/>
         </p:nvSpPr>
         <p:spPr>
           <a:xfrm>
             <a:off x="1080000" y="1080000"/>
-            <a:ext cx="5759640" cy="394200"/>
-          </a:xfrm>
-          <a:prstGeom prst="rect">
-            <a:avLst/>
-          </a:prstGeom>
-          <a:noFill/>
-          <a:ln w="0">
-            <a:noFill/>
-          </a:ln>
-        </p:spPr>
-        <p:style>
-          <a:lnRef idx="0"/>
-          <a:fillRef idx="0"/>
-          <a:effectRef idx="0"/>
-          <a:fontRef idx="minor"/>
-        </p:style>
-        <p:txBody>
-          <a:bodyPr lIns="90000" rIns="90000" tIns="45000" bIns="45000" anchor="t">
-            <a:noAutofit/>
-          </a:bodyPr>
-          <a:p>
-            <a:pPr>
-              <a:lnSpc>
-                <a:spcPct val="100000"/>
-              </a:lnSpc>
-            </a:pPr>
-            <a:r>
-              <a:rPr b="1" lang="de-DE" sz="2400" spc="-1" strike="noStrike">
-                <a:solidFill>
-                  <a:srgbClr val="000000"/>
-                </a:solidFill>
-                <a:latin typeface="Noto Sans"/>
-                <a:ea typeface="DejaVu Sans"/>
-              </a:rPr>
-              <a:t>Analyse uni-variée: gras</a:t>
-            </a:r>
-            <a:endParaRPr b="0" lang="fr-CH" sz="2400" spc="-1" strike="noStrike">
-              <a:solidFill>
-                <a:srgbClr val="000000"/>
-              </a:solidFill>
-              <a:latin typeface="Arial"/>
-            </a:endParaRPr>
-          </a:p>
-        </p:txBody>
-      </p:sp>
-      <p:pic>
-        <p:nvPicPr>
-          <p:cNvPr id="223" name="" descr=""/>
-          <p:cNvPicPr/>
-          <p:nvPr/>
-        </p:nvPicPr>
-        <p:blipFill>
-          <a:blip r:embed="rId1"/>
-          <a:stretch/>
-        </p:blipFill>
-        <p:spPr>
-          <a:xfrm>
-            <a:off x="1980000" y="1546560"/>
-            <a:ext cx="5095440" cy="3821400"/>
-          </a:xfrm>
-          <a:prstGeom prst="rect">
-            <a:avLst/>
-          </a:prstGeom>
-          <a:ln w="0">
-            <a:noFill/>
-          </a:ln>
-        </p:spPr>
-      </p:pic>
-      <p:sp>
-        <p:nvSpPr>
-          <p:cNvPr id="224" name=""/>
-          <p:cNvSpPr/>
-          <p:nvPr/>
-        </p:nvSpPr>
-        <p:spPr>
-          <a:xfrm>
-            <a:off x="7020000" y="3780360"/>
-            <a:ext cx="1259640" cy="601920"/>
-          </a:xfrm>
-          <a:prstGeom prst="rect">
-            <a:avLst/>
-          </a:prstGeom>
-          <a:noFill/>
-          <a:ln w="0">
-            <a:noFill/>
-          </a:ln>
-        </p:spPr>
-        <p:style>
-          <a:lnRef idx="0"/>
-          <a:fillRef idx="0"/>
-          <a:effectRef idx="0"/>
-          <a:fontRef idx="minor"/>
-        </p:style>
-        <p:txBody>
-          <a:bodyPr lIns="90000" rIns="90000" tIns="45000" bIns="45000" anchor="t">
-            <a:noAutofit/>
-          </a:bodyPr>
-          <a:p>
-            <a:pPr>
-              <a:lnSpc>
-                <a:spcPct val="100000"/>
-              </a:lnSpc>
-            </a:pPr>
-            <a:r>
-              <a:rPr b="0" lang="fr-CH" sz="1400" spc="-1" strike="noStrike">
-                <a:solidFill>
-                  <a:srgbClr val="000000"/>
-                </a:solidFill>
-                <a:latin typeface="Arial"/>
-              </a:rPr>
-              <a:t>uni-modale</a:t>
-            </a:r>
-            <a:endParaRPr b="0" lang="fr-CH" sz="1400" spc="-1" strike="noStrike">
-              <a:solidFill>
-                <a:srgbClr val="000000"/>
-              </a:solidFill>
-              <a:latin typeface="Arial"/>
-            </a:endParaRPr>
-          </a:p>
-        </p:txBody>
-      </p:sp>
-    </p:spTree>
-  </p:cSld>
-  <mc:AlternateContent>
-    <mc:Choice Requires="p14">
-      <p:transition spd="slow" p14:dur="2000"/>
-    </mc:Choice>
-    <mc:Fallback>
-      <p:transition spd="slow"/>
-    </mc:Fallback>
-  </mc:AlternateContent>
-</p:sld>
-</file>
-
-<file path=ppt/slides/slide26.xml><?xml version="1.0" encoding="utf-8"?>
-<p:sld xmlns:a="http://schemas.openxmlformats.org/drawingml/2006/main" xmlns:p="http://schemas.openxmlformats.org/presentationml/2006/main" xmlns:r="http://schemas.openxmlformats.org/officeDocument/2006/relationships" xmlns:p14="http://schemas.microsoft.com/office/powerpoint/2010/main" xmlns:p15="http://schemas.microsoft.com/office/powerpoint/2012/main" xmlns:mc="http://schemas.openxmlformats.org/markup-compatibility/2006">
-  <p:cSld>
-    <p:spTree>
-      <p:nvGrpSpPr>
-        <p:cNvPr id="1" name=""/>
-        <p:cNvGrpSpPr/>
-        <p:nvPr/>
-      </p:nvGrpSpPr>
-      <p:grpSpPr>
-        <a:xfrm>
-          <a:off x="0" y="0"/>
-          <a:ext cx="0" cy="0"/>
-          <a:chOff x="0" y="0"/>
-          <a:chExt cx="0" cy="0"/>
-        </a:xfrm>
-      </p:grpSpPr>
-      <p:sp>
-        <p:nvSpPr>
-          <p:cNvPr id="225" name="TextShape 35"/>
-          <p:cNvSpPr/>
-          <p:nvPr/>
-        </p:nvSpPr>
-        <p:spPr>
-          <a:xfrm>
-            <a:off x="1080000" y="1080000"/>
-            <a:ext cx="5759640" cy="394200"/>
+            <a:ext cx="5759280" cy="393840"/>
           </a:xfrm>
           <a:prstGeom prst="rect">
             <a:avLst/>
@@ -24562,7 +24313,7 @@
       </p:sp>
       <p:pic>
         <p:nvPicPr>
-          <p:cNvPr id="226" name="" descr=""/>
+          <p:cNvPr id="224" name="" descr=""/>
           <p:cNvPicPr/>
           <p:nvPr/>
         </p:nvPicPr>
@@ -24572,8 +24323,8 @@
         </p:blipFill>
         <p:spPr>
           <a:xfrm>
-            <a:off x="360000" y="1758240"/>
-            <a:ext cx="4375440" cy="3281400"/>
+            <a:off x="3168000" y="2277000"/>
+            <a:ext cx="3499200" cy="2624040"/>
           </a:xfrm>
           <a:prstGeom prst="rect">
             <a:avLst/>
@@ -24585,7 +24336,7 @@
       </p:pic>
       <p:pic>
         <p:nvPicPr>
-          <p:cNvPr id="227" name="" descr=""/>
+          <p:cNvPr id="225" name="" descr=""/>
           <p:cNvPicPr/>
           <p:nvPr/>
         </p:nvPicPr>
@@ -24595,8 +24346,31 @@
         </p:blipFill>
         <p:spPr>
           <a:xfrm>
-            <a:off x="4320000" y="1729800"/>
-            <a:ext cx="4413600" cy="3309840"/>
+            <a:off x="0" y="2226960"/>
+            <a:ext cx="3600000" cy="2700000"/>
+          </a:xfrm>
+          <a:prstGeom prst="rect">
+            <a:avLst/>
+          </a:prstGeom>
+          <a:ln w="0">
+            <a:noFill/>
+          </a:ln>
+        </p:spPr>
+      </p:pic>
+      <p:pic>
+        <p:nvPicPr>
+          <p:cNvPr id="226" name="" descr=""/>
+          <p:cNvPicPr/>
+          <p:nvPr/>
+        </p:nvPicPr>
+        <p:blipFill>
+          <a:blip r:embed="rId3"/>
+          <a:stretch/>
+        </p:blipFill>
+        <p:spPr>
+          <a:xfrm>
+            <a:off x="6431040" y="2289600"/>
+            <a:ext cx="3648960" cy="2606400"/>
           </a:xfrm>
           <a:prstGeom prst="rect">
             <a:avLst/>
@@ -24619,7 +24393,7 @@
 </p:sld>
 </file>
 
-<file path=ppt/slides/slide27.xml><?xml version="1.0" encoding="utf-8"?>
+<file path=ppt/slides/slide25.xml><?xml version="1.0" encoding="utf-8"?>
 <p:sld xmlns:a="http://schemas.openxmlformats.org/drawingml/2006/main" xmlns:p="http://schemas.openxmlformats.org/presentationml/2006/main" xmlns:r="http://schemas.openxmlformats.org/officeDocument/2006/relationships" xmlns:p14="http://schemas.microsoft.com/office/powerpoint/2010/main" xmlns:p15="http://schemas.microsoft.com/office/powerpoint/2012/main" xmlns:mc="http://schemas.openxmlformats.org/markup-compatibility/2006">
   <p:cSld>
     <p:spTree>
@@ -24638,174 +24412,14 @@
       </p:grpSpPr>
       <p:sp>
         <p:nvSpPr>
-          <p:cNvPr id="228" name="TextShape 36"/>
+          <p:cNvPr id="227" name="TextShape 37"/>
           <p:cNvSpPr/>
           <p:nvPr/>
         </p:nvSpPr>
         <p:spPr>
           <a:xfrm>
             <a:off x="1080000" y="1080000"/>
-            <a:ext cx="5759640" cy="394200"/>
-          </a:xfrm>
-          <a:prstGeom prst="rect">
-            <a:avLst/>
-          </a:prstGeom>
-          <a:noFill/>
-          <a:ln w="0">
-            <a:noFill/>
-          </a:ln>
-        </p:spPr>
-        <p:style>
-          <a:lnRef idx="0"/>
-          <a:fillRef idx="0"/>
-          <a:effectRef idx="0"/>
-          <a:fontRef idx="minor"/>
-        </p:style>
-        <p:txBody>
-          <a:bodyPr lIns="90000" rIns="90000" tIns="45000" bIns="45000" anchor="t">
-            <a:noAutofit/>
-          </a:bodyPr>
-          <a:p>
-            <a:pPr>
-              <a:lnSpc>
-                <a:spcPct val="100000"/>
-              </a:lnSpc>
-            </a:pPr>
-            <a:r>
-              <a:rPr b="1" lang="de-DE" sz="2400" spc="-1" strike="noStrike">
-                <a:solidFill>
-                  <a:srgbClr val="000000"/>
-                </a:solidFill>
-                <a:latin typeface="Noto Sans"/>
-                <a:ea typeface="DejaVu Sans"/>
-              </a:rPr>
-              <a:t>Analyse uni-variée: protéine</a:t>
-            </a:r>
-            <a:endParaRPr b="0" lang="fr-CH" sz="2400" spc="-1" strike="noStrike">
-              <a:solidFill>
-                <a:srgbClr val="000000"/>
-              </a:solidFill>
-              <a:latin typeface="Arial"/>
-            </a:endParaRPr>
-          </a:p>
-        </p:txBody>
-      </p:sp>
-      <p:sp>
-        <p:nvSpPr>
-          <p:cNvPr id="229" name=""/>
-          <p:cNvSpPr/>
-          <p:nvPr/>
-        </p:nvSpPr>
-        <p:spPr>
-          <a:xfrm>
-            <a:off x="7020000" y="3780360"/>
-            <a:ext cx="1259640" cy="601920"/>
-          </a:xfrm>
-          <a:prstGeom prst="rect">
-            <a:avLst/>
-          </a:prstGeom>
-          <a:noFill/>
-          <a:ln w="0">
-            <a:noFill/>
-          </a:ln>
-        </p:spPr>
-        <p:style>
-          <a:lnRef idx="0"/>
-          <a:fillRef idx="0"/>
-          <a:effectRef idx="0"/>
-          <a:fontRef idx="minor"/>
-        </p:style>
-        <p:txBody>
-          <a:bodyPr lIns="90000" rIns="90000" tIns="45000" bIns="45000" anchor="t">
-            <a:noAutofit/>
-          </a:bodyPr>
-          <a:p>
-            <a:pPr>
-              <a:lnSpc>
-                <a:spcPct val="100000"/>
-              </a:lnSpc>
-            </a:pPr>
-            <a:r>
-              <a:rPr b="0" lang="fr-CH" sz="1400" spc="-1" strike="noStrike">
-                <a:solidFill>
-                  <a:srgbClr val="000000"/>
-                </a:solidFill>
-                <a:latin typeface="Arial"/>
-              </a:rPr>
-              <a:t>uni-modale</a:t>
-            </a:r>
-            <a:endParaRPr b="0" lang="fr-CH" sz="1400" spc="-1" strike="noStrike">
-              <a:solidFill>
-                <a:srgbClr val="000000"/>
-              </a:solidFill>
-              <a:latin typeface="Arial"/>
-            </a:endParaRPr>
-          </a:p>
-        </p:txBody>
-      </p:sp>
-      <p:pic>
-        <p:nvPicPr>
-          <p:cNvPr id="230" name="" descr=""/>
-          <p:cNvPicPr/>
-          <p:nvPr/>
-        </p:nvPicPr>
-        <p:blipFill>
-          <a:blip r:embed="rId1"/>
-          <a:stretch/>
-        </p:blipFill>
-        <p:spPr>
-          <a:xfrm>
-            <a:off x="1620000" y="1474560"/>
-            <a:ext cx="5253480" cy="3939840"/>
-          </a:xfrm>
-          <a:prstGeom prst="rect">
-            <a:avLst/>
-          </a:prstGeom>
-          <a:ln w="0">
-            <a:noFill/>
-          </a:ln>
-        </p:spPr>
-      </p:pic>
-    </p:spTree>
-  </p:cSld>
-  <mc:AlternateContent>
-    <mc:Choice Requires="p14">
-      <p:transition spd="slow" p14:dur="2000"/>
-    </mc:Choice>
-    <mc:Fallback>
-      <p:transition spd="slow"/>
-    </mc:Fallback>
-  </mc:AlternateContent>
-</p:sld>
-</file>
-
-<file path=ppt/slides/slide28.xml><?xml version="1.0" encoding="utf-8"?>
-<p:sld xmlns:a="http://schemas.openxmlformats.org/drawingml/2006/main" xmlns:p="http://schemas.openxmlformats.org/presentationml/2006/main" xmlns:r="http://schemas.openxmlformats.org/officeDocument/2006/relationships" xmlns:p14="http://schemas.microsoft.com/office/powerpoint/2010/main" xmlns:p15="http://schemas.microsoft.com/office/powerpoint/2012/main" xmlns:mc="http://schemas.openxmlformats.org/markup-compatibility/2006">
-  <p:cSld>
-    <p:spTree>
-      <p:nvGrpSpPr>
-        <p:cNvPr id="1" name=""/>
-        <p:cNvGrpSpPr/>
-        <p:nvPr/>
-      </p:nvGrpSpPr>
-      <p:grpSpPr>
-        <a:xfrm>
-          <a:off x="0" y="0"/>
-          <a:ext cx="0" cy="0"/>
-          <a:chOff x="0" y="0"/>
-          <a:chExt cx="0" cy="0"/>
-        </a:xfrm>
-      </p:grpSpPr>
-      <p:sp>
-        <p:nvSpPr>
-          <p:cNvPr id="231" name="TextShape 37"/>
-          <p:cNvSpPr/>
-          <p:nvPr/>
-        </p:nvSpPr>
-        <p:spPr>
-          <a:xfrm>
-            <a:off x="1080000" y="1080000"/>
-            <a:ext cx="5759640" cy="394200"/>
+            <a:ext cx="5759280" cy="393840"/>
           </a:xfrm>
           <a:prstGeom prst="rect">
             <a:avLst/>
@@ -24852,6 +24466,159 @@
       </p:sp>
       <p:pic>
         <p:nvPicPr>
+          <p:cNvPr id="228" name="" descr=""/>
+          <p:cNvPicPr/>
+          <p:nvPr/>
+        </p:nvPicPr>
+        <p:blipFill>
+          <a:blip r:embed="rId1"/>
+          <a:stretch/>
+        </p:blipFill>
+        <p:spPr>
+          <a:xfrm>
+            <a:off x="2988000" y="2154960"/>
+            <a:ext cx="3600000" cy="2700000"/>
+          </a:xfrm>
+          <a:prstGeom prst="rect">
+            <a:avLst/>
+          </a:prstGeom>
+          <a:ln w="0">
+            <a:noFill/>
+          </a:ln>
+        </p:spPr>
+      </p:pic>
+      <p:pic>
+        <p:nvPicPr>
+          <p:cNvPr id="229" name="" descr=""/>
+          <p:cNvPicPr/>
+          <p:nvPr/>
+        </p:nvPicPr>
+        <p:blipFill>
+          <a:blip r:embed="rId2"/>
+          <a:stretch/>
+        </p:blipFill>
+        <p:spPr>
+          <a:xfrm>
+            <a:off x="0" y="2208960"/>
+            <a:ext cx="3420000" cy="2565000"/>
+          </a:xfrm>
+          <a:prstGeom prst="rect">
+            <a:avLst/>
+          </a:prstGeom>
+          <a:ln w="0">
+            <a:noFill/>
+          </a:ln>
+        </p:spPr>
+      </p:pic>
+      <p:pic>
+        <p:nvPicPr>
+          <p:cNvPr id="230" name="" descr=""/>
+          <p:cNvPicPr/>
+          <p:nvPr/>
+        </p:nvPicPr>
+        <p:blipFill>
+          <a:blip r:embed="rId3"/>
+          <a:stretch/>
+        </p:blipFill>
+        <p:spPr>
+          <a:xfrm>
+            <a:off x="6243840" y="2124000"/>
+            <a:ext cx="3785760" cy="2703960"/>
+          </a:xfrm>
+          <a:prstGeom prst="rect">
+            <a:avLst/>
+          </a:prstGeom>
+          <a:ln w="0">
+            <a:noFill/>
+          </a:ln>
+        </p:spPr>
+      </p:pic>
+    </p:spTree>
+  </p:cSld>
+  <mc:AlternateContent>
+    <mc:Choice Requires="p14">
+      <p:transition spd="slow" p14:dur="2000"/>
+    </mc:Choice>
+    <mc:Fallback>
+      <p:transition spd="slow"/>
+    </mc:Fallback>
+  </mc:AlternateContent>
+</p:sld>
+</file>
+
+<file path=ppt/slides/slide26.xml><?xml version="1.0" encoding="utf-8"?>
+<p:sld xmlns:a="http://schemas.openxmlformats.org/drawingml/2006/main" xmlns:p="http://schemas.openxmlformats.org/presentationml/2006/main" xmlns:r="http://schemas.openxmlformats.org/officeDocument/2006/relationships" xmlns:p14="http://schemas.microsoft.com/office/powerpoint/2010/main" xmlns:p15="http://schemas.microsoft.com/office/powerpoint/2012/main" xmlns:mc="http://schemas.openxmlformats.org/markup-compatibility/2006">
+  <p:cSld>
+    <p:spTree>
+      <p:nvGrpSpPr>
+        <p:cNvPr id="1" name=""/>
+        <p:cNvGrpSpPr/>
+        <p:nvPr/>
+      </p:nvGrpSpPr>
+      <p:grpSpPr>
+        <a:xfrm>
+          <a:off x="0" y="0"/>
+          <a:ext cx="0" cy="0"/>
+          <a:chOff x="0" y="0"/>
+          <a:chExt cx="0" cy="0"/>
+        </a:xfrm>
+      </p:grpSpPr>
+      <p:sp>
+        <p:nvSpPr>
+          <p:cNvPr id="231" name="TextShape 41"/>
+          <p:cNvSpPr/>
+          <p:nvPr/>
+        </p:nvSpPr>
+        <p:spPr>
+          <a:xfrm>
+            <a:off x="1080000" y="1080000"/>
+            <a:ext cx="5759280" cy="393840"/>
+          </a:xfrm>
+          <a:prstGeom prst="rect">
+            <a:avLst/>
+          </a:prstGeom>
+          <a:noFill/>
+          <a:ln w="0">
+            <a:noFill/>
+          </a:ln>
+        </p:spPr>
+        <p:style>
+          <a:lnRef idx="0"/>
+          <a:fillRef idx="0"/>
+          <a:effectRef idx="0"/>
+          <a:fontRef idx="minor"/>
+        </p:style>
+        <p:txBody>
+          <a:bodyPr lIns="90000" rIns="90000" tIns="45000" bIns="45000" anchor="t">
+            <a:noAutofit/>
+          </a:bodyPr>
+          <a:p>
+            <a:pPr>
+              <a:lnSpc>
+                <a:spcPct val="100000"/>
+              </a:lnSpc>
+            </a:pPr>
+            <a:r>
+              <a:rPr b="1" lang="de-DE" sz="2400" spc="-1" strike="noStrike">
+                <a:solidFill>
+                  <a:srgbClr val="000000"/>
+                </a:solidFill>
+                <a:latin typeface="Noto Sans"/>
+                <a:ea typeface="DejaVu Sans"/>
+              </a:rPr>
+              <a:t>Analyse bi-variée: carbohydrate</a:t>
+            </a:r>
+            <a:endParaRPr b="0" lang="fr-CH" sz="2400" spc="-1" strike="noStrike">
+              <a:solidFill>
+                <a:srgbClr val="000000"/>
+              </a:solidFill>
+              <a:latin typeface="Arial"/>
+            </a:endParaRPr>
+          </a:p>
+        </p:txBody>
+      </p:sp>
+      <p:pic>
+        <p:nvPicPr>
           <p:cNvPr id="232" name="" descr=""/>
           <p:cNvPicPr/>
           <p:nvPr/>
@@ -24862,8 +24629,8 @@
         </p:blipFill>
         <p:spPr>
           <a:xfrm>
-            <a:off x="4464000" y="1440000"/>
-            <a:ext cx="5039640" cy="3779640"/>
+            <a:off x="3506040" y="2251800"/>
+            <a:ext cx="3333240" cy="2499480"/>
           </a:xfrm>
           <a:prstGeom prst="rect">
             <a:avLst/>
@@ -24885,8 +24652,337 @@
         </p:blipFill>
         <p:spPr>
           <a:xfrm>
-            <a:off x="168120" y="1476000"/>
-            <a:ext cx="4991760" cy="3743640"/>
+            <a:off x="6480000" y="2296800"/>
+            <a:ext cx="3273120" cy="2454480"/>
+          </a:xfrm>
+          <a:prstGeom prst="rect">
+            <a:avLst/>
+          </a:prstGeom>
+          <a:ln w="0">
+            <a:noFill/>
+          </a:ln>
+        </p:spPr>
+      </p:pic>
+      <p:pic>
+        <p:nvPicPr>
+          <p:cNvPr id="234" name="" descr=""/>
+          <p:cNvPicPr/>
+          <p:nvPr/>
+        </p:nvPicPr>
+        <p:blipFill>
+          <a:blip r:embed="rId3"/>
+          <a:stretch/>
+        </p:blipFill>
+        <p:spPr>
+          <a:xfrm>
+            <a:off x="36000" y="2221560"/>
+            <a:ext cx="3470040" cy="2602440"/>
+          </a:xfrm>
+          <a:prstGeom prst="rect">
+            <a:avLst/>
+          </a:prstGeom>
+          <a:ln w="0">
+            <a:noFill/>
+          </a:ln>
+        </p:spPr>
+      </p:pic>
+    </p:spTree>
+  </p:cSld>
+  <mc:AlternateContent>
+    <mc:Choice Requires="p14">
+      <p:transition spd="slow" p14:dur="2000"/>
+    </mc:Choice>
+    <mc:Fallback>
+      <p:transition spd="slow"/>
+    </mc:Fallback>
+  </mc:AlternateContent>
+</p:sld>
+</file>
+
+<file path=ppt/slides/slide27.xml><?xml version="1.0" encoding="utf-8"?>
+<p:sld xmlns:a="http://schemas.openxmlformats.org/drawingml/2006/main" xmlns:p="http://schemas.openxmlformats.org/presentationml/2006/main" xmlns:r="http://schemas.openxmlformats.org/officeDocument/2006/relationships" xmlns:p14="http://schemas.microsoft.com/office/powerpoint/2010/main" xmlns:p15="http://schemas.microsoft.com/office/powerpoint/2012/main" xmlns:mc="http://schemas.openxmlformats.org/markup-compatibility/2006">
+  <p:cSld>
+    <p:spTree>
+      <p:nvGrpSpPr>
+        <p:cNvPr id="1" name=""/>
+        <p:cNvGrpSpPr/>
+        <p:nvPr/>
+      </p:nvGrpSpPr>
+      <p:grpSpPr>
+        <a:xfrm>
+          <a:off x="0" y="0"/>
+          <a:ext cx="0" cy="0"/>
+          <a:chOff x="0" y="0"/>
+          <a:chExt cx="0" cy="0"/>
+        </a:xfrm>
+      </p:grpSpPr>
+      <p:sp>
+        <p:nvSpPr>
+          <p:cNvPr id="235" name="TextShape 39"/>
+          <p:cNvSpPr/>
+          <p:nvPr/>
+        </p:nvSpPr>
+        <p:spPr>
+          <a:xfrm>
+            <a:off x="1080000" y="1080000"/>
+            <a:ext cx="5759280" cy="393840"/>
+          </a:xfrm>
+          <a:prstGeom prst="rect">
+            <a:avLst/>
+          </a:prstGeom>
+          <a:noFill/>
+          <a:ln w="0">
+            <a:noFill/>
+          </a:ln>
+        </p:spPr>
+        <p:style>
+          <a:lnRef idx="0"/>
+          <a:fillRef idx="0"/>
+          <a:effectRef idx="0"/>
+          <a:fontRef idx="minor"/>
+        </p:style>
+        <p:txBody>
+          <a:bodyPr lIns="90000" rIns="90000" tIns="45000" bIns="45000" anchor="t">
+            <a:noAutofit/>
+          </a:bodyPr>
+          <a:p>
+            <a:pPr>
+              <a:lnSpc>
+                <a:spcPct val="100000"/>
+              </a:lnSpc>
+            </a:pPr>
+            <a:r>
+              <a:rPr b="1" lang="de-DE" sz="2400" spc="-1" strike="noStrike">
+                <a:solidFill>
+                  <a:srgbClr val="000000"/>
+                </a:solidFill>
+                <a:latin typeface="Noto Sans"/>
+                <a:ea typeface="DejaVu Sans"/>
+              </a:rPr>
+              <a:t>Analyse bi-variée: énergie</a:t>
+            </a:r>
+            <a:endParaRPr b="0" lang="fr-CH" sz="2400" spc="-1" strike="noStrike">
+              <a:solidFill>
+                <a:srgbClr val="000000"/>
+              </a:solidFill>
+              <a:latin typeface="Arial"/>
+            </a:endParaRPr>
+          </a:p>
+        </p:txBody>
+      </p:sp>
+      <p:pic>
+        <p:nvPicPr>
+          <p:cNvPr id="236" name="" descr=""/>
+          <p:cNvPicPr/>
+          <p:nvPr/>
+        </p:nvPicPr>
+        <p:blipFill>
+          <a:blip r:embed="rId1"/>
+          <a:stretch/>
+        </p:blipFill>
+        <p:spPr>
+          <a:xfrm>
+            <a:off x="3240000" y="2217240"/>
+            <a:ext cx="3475080" cy="2606040"/>
+          </a:xfrm>
+          <a:prstGeom prst="rect">
+            <a:avLst/>
+          </a:prstGeom>
+          <a:ln w="0">
+            <a:noFill/>
+          </a:ln>
+        </p:spPr>
+      </p:pic>
+      <p:pic>
+        <p:nvPicPr>
+          <p:cNvPr id="237" name="" descr=""/>
+          <p:cNvPicPr/>
+          <p:nvPr/>
+        </p:nvPicPr>
+        <p:blipFill>
+          <a:blip r:embed="rId2"/>
+          <a:stretch/>
+        </p:blipFill>
+        <p:spPr>
+          <a:xfrm>
+            <a:off x="6300000" y="2160000"/>
+            <a:ext cx="3633120" cy="2724480"/>
+          </a:xfrm>
+          <a:prstGeom prst="rect">
+            <a:avLst/>
+          </a:prstGeom>
+          <a:ln w="0">
+            <a:noFill/>
+          </a:ln>
+        </p:spPr>
+      </p:pic>
+      <p:pic>
+        <p:nvPicPr>
+          <p:cNvPr id="238" name="" descr=""/>
+          <p:cNvPicPr/>
+          <p:nvPr/>
+        </p:nvPicPr>
+        <p:blipFill>
+          <a:blip r:embed="rId3"/>
+          <a:stretch/>
+        </p:blipFill>
+        <p:spPr>
+          <a:xfrm>
+            <a:off x="6480" y="2201040"/>
+            <a:ext cx="3593520" cy="2694960"/>
+          </a:xfrm>
+          <a:prstGeom prst="rect">
+            <a:avLst/>
+          </a:prstGeom>
+          <a:ln w="0">
+            <a:noFill/>
+          </a:ln>
+        </p:spPr>
+      </p:pic>
+    </p:spTree>
+  </p:cSld>
+  <mc:AlternateContent>
+    <mc:Choice Requires="p14">
+      <p:transition spd="slow" p14:dur="2000"/>
+    </mc:Choice>
+    <mc:Fallback>
+      <p:transition spd="slow"/>
+    </mc:Fallback>
+  </mc:AlternateContent>
+</p:sld>
+</file>
+
+<file path=ppt/slides/slide28.xml><?xml version="1.0" encoding="utf-8"?>
+<p:sld xmlns:a="http://schemas.openxmlformats.org/drawingml/2006/main" xmlns:p="http://schemas.openxmlformats.org/presentationml/2006/main" xmlns:r="http://schemas.openxmlformats.org/officeDocument/2006/relationships" xmlns:p14="http://schemas.microsoft.com/office/powerpoint/2010/main" xmlns:p15="http://schemas.microsoft.com/office/powerpoint/2012/main" xmlns:mc="http://schemas.openxmlformats.org/markup-compatibility/2006">
+  <p:cSld>
+    <p:spTree>
+      <p:nvGrpSpPr>
+        <p:cNvPr id="1" name=""/>
+        <p:cNvGrpSpPr/>
+        <p:nvPr/>
+      </p:nvGrpSpPr>
+      <p:grpSpPr>
+        <a:xfrm>
+          <a:off x="0" y="0"/>
+          <a:ext cx="0" cy="0"/>
+          <a:chOff x="0" y="0"/>
+          <a:chExt cx="0" cy="0"/>
+        </a:xfrm>
+      </p:grpSpPr>
+      <p:sp>
+        <p:nvSpPr>
+          <p:cNvPr id="239" name="TextShape 40"/>
+          <p:cNvSpPr/>
+          <p:nvPr/>
+        </p:nvSpPr>
+        <p:spPr>
+          <a:xfrm>
+            <a:off x="1080000" y="1080000"/>
+            <a:ext cx="5759280" cy="393840"/>
+          </a:xfrm>
+          <a:prstGeom prst="rect">
+            <a:avLst/>
+          </a:prstGeom>
+          <a:noFill/>
+          <a:ln w="0">
+            <a:noFill/>
+          </a:ln>
+        </p:spPr>
+        <p:style>
+          <a:lnRef idx="0"/>
+          <a:fillRef idx="0"/>
+          <a:effectRef idx="0"/>
+          <a:fontRef idx="minor"/>
+        </p:style>
+        <p:txBody>
+          <a:bodyPr lIns="90000" rIns="90000" tIns="45000" bIns="45000" anchor="t">
+            <a:noAutofit/>
+          </a:bodyPr>
+          <a:p>
+            <a:pPr>
+              <a:lnSpc>
+                <a:spcPct val="100000"/>
+              </a:lnSpc>
+            </a:pPr>
+            <a:r>
+              <a:rPr b="1" lang="de-DE" sz="2400" spc="-1" strike="noStrike">
+                <a:solidFill>
+                  <a:srgbClr val="000000"/>
+                </a:solidFill>
+                <a:latin typeface="Noto Sans"/>
+                <a:ea typeface="DejaVu Sans"/>
+              </a:rPr>
+              <a:t>Analyse bi-variée: gras</a:t>
+            </a:r>
+            <a:endParaRPr b="0" lang="fr-CH" sz="2400" spc="-1" strike="noStrike">
+              <a:solidFill>
+                <a:srgbClr val="000000"/>
+              </a:solidFill>
+              <a:latin typeface="Arial"/>
+            </a:endParaRPr>
+          </a:p>
+        </p:txBody>
+      </p:sp>
+      <p:pic>
+        <p:nvPicPr>
+          <p:cNvPr id="240" name="" descr=""/>
+          <p:cNvPicPr/>
+          <p:nvPr/>
+        </p:nvPicPr>
+        <p:blipFill>
+          <a:blip r:embed="rId1"/>
+          <a:stretch/>
+        </p:blipFill>
+        <p:spPr>
+          <a:xfrm>
+            <a:off x="3240000" y="2304000"/>
+            <a:ext cx="3310920" cy="2483280"/>
+          </a:xfrm>
+          <a:prstGeom prst="rect">
+            <a:avLst/>
+          </a:prstGeom>
+          <a:ln w="0">
+            <a:noFill/>
+          </a:ln>
+        </p:spPr>
+      </p:pic>
+      <p:pic>
+        <p:nvPicPr>
+          <p:cNvPr id="241" name="" descr=""/>
+          <p:cNvPicPr/>
+          <p:nvPr/>
+        </p:nvPicPr>
+        <p:blipFill>
+          <a:blip r:embed="rId2"/>
+          <a:stretch/>
+        </p:blipFill>
+        <p:spPr>
+          <a:xfrm>
+            <a:off x="6300000" y="2268000"/>
+            <a:ext cx="3453120" cy="2589480"/>
+          </a:xfrm>
+          <a:prstGeom prst="rect">
+            <a:avLst/>
+          </a:prstGeom>
+          <a:ln w="0">
+            <a:noFill/>
+          </a:ln>
+        </p:spPr>
+      </p:pic>
+      <p:pic>
+        <p:nvPicPr>
+          <p:cNvPr id="242" name="" descr=""/>
+          <p:cNvPicPr/>
+          <p:nvPr/>
+        </p:nvPicPr>
+        <p:blipFill>
+          <a:blip r:embed="rId3"/>
+          <a:stretch/>
+        </p:blipFill>
+        <p:spPr>
+          <a:xfrm>
+            <a:off x="40320" y="2304000"/>
+            <a:ext cx="3264120" cy="2448000"/>
           </a:xfrm>
           <a:prstGeom prst="rect">
             <a:avLst/>
@@ -24928,14 +25024,14 @@
       </p:grpSpPr>
       <p:sp>
         <p:nvSpPr>
-          <p:cNvPr id="234" name="TextShape 38"/>
+          <p:cNvPr id="243" name="TextShape 42"/>
           <p:cNvSpPr/>
           <p:nvPr/>
         </p:nvSpPr>
         <p:spPr>
           <a:xfrm>
             <a:off x="1080000" y="1080000"/>
-            <a:ext cx="5759640" cy="394200"/>
+            <a:ext cx="5759280" cy="393840"/>
           </a:xfrm>
           <a:prstGeom prst="rect">
             <a:avLst/>
@@ -24969,7 +25065,7 @@
                 <a:latin typeface="Noto Sans"/>
                 <a:ea typeface="DejaVu Sans"/>
               </a:rPr>
-              <a:t>Analyse uni-variée: sucre</a:t>
+              <a:t>Analyse bi-variée: protéine</a:t>
             </a:r>
             <a:endParaRPr b="0" lang="fr-CH" sz="2400" spc="-1" strike="noStrike">
               <a:solidFill>
@@ -24980,62 +25076,9 @@
           </a:p>
         </p:txBody>
       </p:sp>
-      <p:sp>
-        <p:nvSpPr>
-          <p:cNvPr id="235" name=""/>
-          <p:cNvSpPr/>
-          <p:nvPr/>
-        </p:nvSpPr>
-        <p:spPr>
-          <a:xfrm>
-            <a:off x="7020000" y="3780360"/>
-            <a:ext cx="1259640" cy="601920"/>
-          </a:xfrm>
-          <a:prstGeom prst="rect">
-            <a:avLst/>
-          </a:prstGeom>
-          <a:noFill/>
-          <a:ln w="0">
-            <a:noFill/>
-          </a:ln>
-        </p:spPr>
-        <p:style>
-          <a:lnRef idx="0"/>
-          <a:fillRef idx="0"/>
-          <a:effectRef idx="0"/>
-          <a:fontRef idx="minor"/>
-        </p:style>
-        <p:txBody>
-          <a:bodyPr lIns="90000" rIns="90000" tIns="45000" bIns="45000" anchor="t">
-            <a:noAutofit/>
-          </a:bodyPr>
-          <a:p>
-            <a:pPr>
-              <a:lnSpc>
-                <a:spcPct val="100000"/>
-              </a:lnSpc>
-            </a:pPr>
-            <a:r>
-              <a:rPr b="0" lang="fr-CH" sz="1400" spc="-1" strike="noStrike">
-                <a:solidFill>
-                  <a:srgbClr val="000000"/>
-                </a:solidFill>
-                <a:latin typeface="Arial"/>
-              </a:rPr>
-              <a:t>bi-modale</a:t>
-            </a:r>
-            <a:endParaRPr b="0" lang="fr-CH" sz="1400" spc="-1" strike="noStrike">
-              <a:solidFill>
-                <a:srgbClr val="000000"/>
-              </a:solidFill>
-              <a:latin typeface="Arial"/>
-            </a:endParaRPr>
-          </a:p>
-        </p:txBody>
-      </p:sp>
       <p:pic>
         <p:nvPicPr>
-          <p:cNvPr id="236" name="" descr=""/>
+          <p:cNvPr id="244" name="" descr=""/>
           <p:cNvPicPr/>
           <p:nvPr/>
         </p:nvPicPr>
@@ -25045,8 +25088,54 @@
         </p:blipFill>
         <p:spPr>
           <a:xfrm>
-            <a:off x="1744200" y="1443240"/>
-            <a:ext cx="5275440" cy="3956400"/>
+            <a:off x="3240000" y="2217240"/>
+            <a:ext cx="3419280" cy="2564280"/>
+          </a:xfrm>
+          <a:prstGeom prst="rect">
+            <a:avLst/>
+          </a:prstGeom>
+          <a:ln w="0">
+            <a:noFill/>
+          </a:ln>
+        </p:spPr>
+      </p:pic>
+      <p:pic>
+        <p:nvPicPr>
+          <p:cNvPr id="245" name="" descr=""/>
+          <p:cNvPicPr/>
+          <p:nvPr/>
+        </p:nvPicPr>
+        <p:blipFill>
+          <a:blip r:embed="rId2"/>
+          <a:stretch/>
+        </p:blipFill>
+        <p:spPr>
+          <a:xfrm>
+            <a:off x="6300000" y="2154240"/>
+            <a:ext cx="3600000" cy="2699280"/>
+          </a:xfrm>
+          <a:prstGeom prst="rect">
+            <a:avLst/>
+          </a:prstGeom>
+          <a:ln w="0">
+            <a:noFill/>
+          </a:ln>
+        </p:spPr>
+      </p:pic>
+      <p:pic>
+        <p:nvPicPr>
+          <p:cNvPr id="246" name="" descr=""/>
+          <p:cNvPicPr/>
+          <p:nvPr/>
+        </p:nvPicPr>
+        <p:blipFill>
+          <a:blip r:embed="rId3"/>
+          <a:stretch/>
+        </p:blipFill>
+        <p:spPr>
+          <a:xfrm>
+            <a:off x="0" y="2222280"/>
+            <a:ext cx="3468960" cy="2601720"/>
           </a:xfrm>
           <a:prstGeom prst="rect">
             <a:avLst/>
@@ -25095,7 +25184,7 @@
         <p:spPr>
           <a:xfrm>
             <a:off x="1050120" y="1692000"/>
-            <a:ext cx="7733520" cy="2001600"/>
+            <a:ext cx="7733160" cy="2001240"/>
           </a:xfrm>
           <a:prstGeom prst="rect">
             <a:avLst/>
@@ -25222,7 +25311,7 @@
         <p:spPr>
           <a:xfrm>
             <a:off x="1080000" y="1080000"/>
-            <a:ext cx="3864960" cy="394200"/>
+            <a:ext cx="3864600" cy="393840"/>
           </a:xfrm>
           <a:prstGeom prst="rect">
             <a:avLst/>
@@ -25299,626 +25388,14 @@
       </p:grpSpPr>
       <p:sp>
         <p:nvSpPr>
-          <p:cNvPr id="237" name="TextShape 41"/>
+          <p:cNvPr id="247" name="TextShape 43"/>
           <p:cNvSpPr/>
           <p:nvPr/>
         </p:nvSpPr>
         <p:spPr>
           <a:xfrm>
             <a:off x="1080000" y="1080000"/>
-            <a:ext cx="5759640" cy="394200"/>
-          </a:xfrm>
-          <a:prstGeom prst="rect">
-            <a:avLst/>
-          </a:prstGeom>
-          <a:noFill/>
-          <a:ln w="0">
-            <a:noFill/>
-          </a:ln>
-        </p:spPr>
-        <p:style>
-          <a:lnRef idx="0"/>
-          <a:fillRef idx="0"/>
-          <a:effectRef idx="0"/>
-          <a:fontRef idx="minor"/>
-        </p:style>
-        <p:txBody>
-          <a:bodyPr lIns="90000" rIns="90000" tIns="45000" bIns="45000" anchor="t">
-            <a:noAutofit/>
-          </a:bodyPr>
-          <a:p>
-            <a:pPr>
-              <a:lnSpc>
-                <a:spcPct val="100000"/>
-              </a:lnSpc>
-            </a:pPr>
-            <a:r>
-              <a:rPr b="1" lang="de-DE" sz="2400" spc="-1" strike="noStrike">
-                <a:solidFill>
-                  <a:srgbClr val="000000"/>
-                </a:solidFill>
-                <a:latin typeface="Noto Sans"/>
-                <a:ea typeface="DejaVu Sans"/>
-              </a:rPr>
-              <a:t>Analyse bi-variée: carbohydrate</a:t>
-            </a:r>
-            <a:endParaRPr b="0" lang="fr-CH" sz="2400" spc="-1" strike="noStrike">
-              <a:solidFill>
-                <a:srgbClr val="000000"/>
-              </a:solidFill>
-              <a:latin typeface="Arial"/>
-            </a:endParaRPr>
-          </a:p>
-        </p:txBody>
-      </p:sp>
-      <p:pic>
-        <p:nvPicPr>
-          <p:cNvPr id="238" name="" descr=""/>
-          <p:cNvPicPr/>
-          <p:nvPr/>
-        </p:nvPicPr>
-        <p:blipFill>
-          <a:blip r:embed="rId1"/>
-          <a:stretch/>
-        </p:blipFill>
-        <p:spPr>
-          <a:xfrm>
-            <a:off x="180000" y="2340000"/>
-            <a:ext cx="3599640" cy="2699640"/>
-          </a:xfrm>
-          <a:prstGeom prst="rect">
-            <a:avLst/>
-          </a:prstGeom>
-          <a:ln w="0">
-            <a:noFill/>
-          </a:ln>
-        </p:spPr>
-      </p:pic>
-      <p:pic>
-        <p:nvPicPr>
-          <p:cNvPr id="239" name="" descr=""/>
-          <p:cNvPicPr/>
-          <p:nvPr/>
-        </p:nvPicPr>
-        <p:blipFill>
-          <a:blip r:embed="rId2"/>
-          <a:stretch/>
-        </p:blipFill>
-        <p:spPr>
-          <a:xfrm>
-            <a:off x="3506040" y="2359800"/>
-            <a:ext cx="3333600" cy="2499840"/>
-          </a:xfrm>
-          <a:prstGeom prst="rect">
-            <a:avLst/>
-          </a:prstGeom>
-          <a:ln w="0">
-            <a:noFill/>
-          </a:ln>
-        </p:spPr>
-      </p:pic>
-      <p:pic>
-        <p:nvPicPr>
-          <p:cNvPr id="240" name="" descr=""/>
-          <p:cNvPicPr/>
-          <p:nvPr/>
-        </p:nvPicPr>
-        <p:blipFill>
-          <a:blip r:embed="rId3"/>
-          <a:stretch/>
-        </p:blipFill>
-        <p:spPr>
-          <a:xfrm>
-            <a:off x="6480000" y="2404800"/>
-            <a:ext cx="3273480" cy="2454840"/>
-          </a:xfrm>
-          <a:prstGeom prst="rect">
-            <a:avLst/>
-          </a:prstGeom>
-          <a:ln w="0">
-            <a:noFill/>
-          </a:ln>
-        </p:spPr>
-      </p:pic>
-    </p:spTree>
-  </p:cSld>
-  <mc:AlternateContent>
-    <mc:Choice Requires="p14">
-      <p:transition spd="slow" p14:dur="2000"/>
-    </mc:Choice>
-    <mc:Fallback>
-      <p:transition spd="slow"/>
-    </mc:Fallback>
-  </mc:AlternateContent>
-</p:sld>
-</file>
-
-<file path=ppt/slides/slide31.xml><?xml version="1.0" encoding="utf-8"?>
-<p:sld xmlns:a="http://schemas.openxmlformats.org/drawingml/2006/main" xmlns:p="http://schemas.openxmlformats.org/presentationml/2006/main" xmlns:r="http://schemas.openxmlformats.org/officeDocument/2006/relationships" xmlns:p14="http://schemas.microsoft.com/office/powerpoint/2010/main" xmlns:p15="http://schemas.microsoft.com/office/powerpoint/2012/main" xmlns:mc="http://schemas.openxmlformats.org/markup-compatibility/2006">
-  <p:cSld>
-    <p:spTree>
-      <p:nvGrpSpPr>
-        <p:cNvPr id="1" name=""/>
-        <p:cNvGrpSpPr/>
-        <p:nvPr/>
-      </p:nvGrpSpPr>
-      <p:grpSpPr>
-        <a:xfrm>
-          <a:off x="0" y="0"/>
-          <a:ext cx="0" cy="0"/>
-          <a:chOff x="0" y="0"/>
-          <a:chExt cx="0" cy="0"/>
-        </a:xfrm>
-      </p:grpSpPr>
-      <p:sp>
-        <p:nvSpPr>
-          <p:cNvPr id="241" name="TextShape 39"/>
-          <p:cNvSpPr/>
-          <p:nvPr/>
-        </p:nvSpPr>
-        <p:spPr>
-          <a:xfrm>
-            <a:off x="1080000" y="1080000"/>
-            <a:ext cx="5759640" cy="394200"/>
-          </a:xfrm>
-          <a:prstGeom prst="rect">
-            <a:avLst/>
-          </a:prstGeom>
-          <a:noFill/>
-          <a:ln w="0">
-            <a:noFill/>
-          </a:ln>
-        </p:spPr>
-        <p:style>
-          <a:lnRef idx="0"/>
-          <a:fillRef idx="0"/>
-          <a:effectRef idx="0"/>
-          <a:fontRef idx="minor"/>
-        </p:style>
-        <p:txBody>
-          <a:bodyPr lIns="90000" rIns="90000" tIns="45000" bIns="45000" anchor="t">
-            <a:noAutofit/>
-          </a:bodyPr>
-          <a:p>
-            <a:pPr>
-              <a:lnSpc>
-                <a:spcPct val="100000"/>
-              </a:lnSpc>
-            </a:pPr>
-            <a:r>
-              <a:rPr b="1" lang="de-DE" sz="2400" spc="-1" strike="noStrike">
-                <a:solidFill>
-                  <a:srgbClr val="000000"/>
-                </a:solidFill>
-                <a:latin typeface="Noto Sans"/>
-                <a:ea typeface="DejaVu Sans"/>
-              </a:rPr>
-              <a:t>Analyse bi-variée: énergie</a:t>
-            </a:r>
-            <a:endParaRPr b="0" lang="fr-CH" sz="2400" spc="-1" strike="noStrike">
-              <a:solidFill>
-                <a:srgbClr val="000000"/>
-              </a:solidFill>
-              <a:latin typeface="Arial"/>
-            </a:endParaRPr>
-          </a:p>
-        </p:txBody>
-      </p:sp>
-      <p:pic>
-        <p:nvPicPr>
-          <p:cNvPr id="242" name="" descr=""/>
-          <p:cNvPicPr/>
-          <p:nvPr/>
-        </p:nvPicPr>
-        <p:blipFill>
-          <a:blip r:embed="rId1"/>
-          <a:stretch/>
-        </p:blipFill>
-        <p:spPr>
-          <a:xfrm>
-            <a:off x="360000" y="2478240"/>
-            <a:ext cx="3239640" cy="2429280"/>
-          </a:xfrm>
-          <a:prstGeom prst="rect">
-            <a:avLst/>
-          </a:prstGeom>
-          <a:ln w="0">
-            <a:noFill/>
-          </a:ln>
-        </p:spPr>
-      </p:pic>
-      <p:pic>
-        <p:nvPicPr>
-          <p:cNvPr id="243" name="" descr=""/>
-          <p:cNvPicPr/>
-          <p:nvPr/>
-        </p:nvPicPr>
-        <p:blipFill>
-          <a:blip r:embed="rId2"/>
-          <a:stretch/>
-        </p:blipFill>
-        <p:spPr>
-          <a:xfrm>
-            <a:off x="3240000" y="2433240"/>
-            <a:ext cx="3475440" cy="2606400"/>
-          </a:xfrm>
-          <a:prstGeom prst="rect">
-            <a:avLst/>
-          </a:prstGeom>
-          <a:ln w="0">
-            <a:noFill/>
-          </a:ln>
-        </p:spPr>
-      </p:pic>
-      <p:pic>
-        <p:nvPicPr>
-          <p:cNvPr id="244" name="" descr=""/>
-          <p:cNvPicPr/>
-          <p:nvPr/>
-        </p:nvPicPr>
-        <p:blipFill>
-          <a:blip r:embed="rId3"/>
-          <a:stretch/>
-        </p:blipFill>
-        <p:spPr>
-          <a:xfrm>
-            <a:off x="6300000" y="2340000"/>
-            <a:ext cx="3633480" cy="2724840"/>
-          </a:xfrm>
-          <a:prstGeom prst="rect">
-            <a:avLst/>
-          </a:prstGeom>
-          <a:ln w="0">
-            <a:noFill/>
-          </a:ln>
-        </p:spPr>
-      </p:pic>
-    </p:spTree>
-  </p:cSld>
-  <mc:AlternateContent>
-    <mc:Choice Requires="p14">
-      <p:transition spd="slow" p14:dur="2000"/>
-    </mc:Choice>
-    <mc:Fallback>
-      <p:transition spd="slow"/>
-    </mc:Fallback>
-  </mc:AlternateContent>
-</p:sld>
-</file>
-
-<file path=ppt/slides/slide32.xml><?xml version="1.0" encoding="utf-8"?>
-<p:sld xmlns:a="http://schemas.openxmlformats.org/drawingml/2006/main" xmlns:p="http://schemas.openxmlformats.org/presentationml/2006/main" xmlns:r="http://schemas.openxmlformats.org/officeDocument/2006/relationships" xmlns:p14="http://schemas.microsoft.com/office/powerpoint/2010/main" xmlns:p15="http://schemas.microsoft.com/office/powerpoint/2012/main" xmlns:mc="http://schemas.openxmlformats.org/markup-compatibility/2006">
-  <p:cSld>
-    <p:spTree>
-      <p:nvGrpSpPr>
-        <p:cNvPr id="1" name=""/>
-        <p:cNvGrpSpPr/>
-        <p:nvPr/>
-      </p:nvGrpSpPr>
-      <p:grpSpPr>
-        <a:xfrm>
-          <a:off x="0" y="0"/>
-          <a:ext cx="0" cy="0"/>
-          <a:chOff x="0" y="0"/>
-          <a:chExt cx="0" cy="0"/>
-        </a:xfrm>
-      </p:grpSpPr>
-      <p:sp>
-        <p:nvSpPr>
-          <p:cNvPr id="245" name="TextShape 40"/>
-          <p:cNvSpPr/>
-          <p:nvPr/>
-        </p:nvSpPr>
-        <p:spPr>
-          <a:xfrm>
-            <a:off x="1080000" y="1080000"/>
-            <a:ext cx="5759640" cy="394200"/>
-          </a:xfrm>
-          <a:prstGeom prst="rect">
-            <a:avLst/>
-          </a:prstGeom>
-          <a:noFill/>
-          <a:ln w="0">
-            <a:noFill/>
-          </a:ln>
-        </p:spPr>
-        <p:style>
-          <a:lnRef idx="0"/>
-          <a:fillRef idx="0"/>
-          <a:effectRef idx="0"/>
-          <a:fontRef idx="minor"/>
-        </p:style>
-        <p:txBody>
-          <a:bodyPr lIns="90000" rIns="90000" tIns="45000" bIns="45000" anchor="t">
-            <a:noAutofit/>
-          </a:bodyPr>
-          <a:p>
-            <a:pPr>
-              <a:lnSpc>
-                <a:spcPct val="100000"/>
-              </a:lnSpc>
-            </a:pPr>
-            <a:r>
-              <a:rPr b="1" lang="de-DE" sz="2400" spc="-1" strike="noStrike">
-                <a:solidFill>
-                  <a:srgbClr val="000000"/>
-                </a:solidFill>
-                <a:latin typeface="Noto Sans"/>
-                <a:ea typeface="DejaVu Sans"/>
-              </a:rPr>
-              <a:t>Analyse bi-variée: gras</a:t>
-            </a:r>
-            <a:endParaRPr b="0" lang="fr-CH" sz="2400" spc="-1" strike="noStrike">
-              <a:solidFill>
-                <a:srgbClr val="000000"/>
-              </a:solidFill>
-              <a:latin typeface="Arial"/>
-            </a:endParaRPr>
-          </a:p>
-        </p:txBody>
-      </p:sp>
-      <p:pic>
-        <p:nvPicPr>
-          <p:cNvPr id="246" name="" descr=""/>
-          <p:cNvPicPr/>
-          <p:nvPr/>
-        </p:nvPicPr>
-        <p:blipFill>
-          <a:blip r:embed="rId1"/>
-          <a:stretch/>
-        </p:blipFill>
-        <p:spPr>
-          <a:xfrm>
-            <a:off x="72000" y="2358000"/>
-            <a:ext cx="3527640" cy="2645640"/>
-          </a:xfrm>
-          <a:prstGeom prst="rect">
-            <a:avLst/>
-          </a:prstGeom>
-          <a:ln w="0">
-            <a:noFill/>
-          </a:ln>
-        </p:spPr>
-      </p:pic>
-      <p:pic>
-        <p:nvPicPr>
-          <p:cNvPr id="247" name="" descr=""/>
-          <p:cNvPicPr/>
-          <p:nvPr/>
-        </p:nvPicPr>
-        <p:blipFill>
-          <a:blip r:embed="rId2"/>
-          <a:stretch/>
-        </p:blipFill>
-        <p:spPr>
-          <a:xfrm>
-            <a:off x="3240000" y="2512440"/>
-            <a:ext cx="3273480" cy="2455200"/>
-          </a:xfrm>
-          <a:prstGeom prst="rect">
-            <a:avLst/>
-          </a:prstGeom>
-          <a:ln w="0">
-            <a:noFill/>
-          </a:ln>
-        </p:spPr>
-      </p:pic>
-      <p:pic>
-        <p:nvPicPr>
-          <p:cNvPr id="248" name="" descr=""/>
-          <p:cNvPicPr/>
-          <p:nvPr/>
-        </p:nvPicPr>
-        <p:blipFill>
-          <a:blip r:embed="rId3"/>
-          <a:stretch/>
-        </p:blipFill>
-        <p:spPr>
-          <a:xfrm>
-            <a:off x="6300000" y="2520000"/>
-            <a:ext cx="3453480" cy="2589840"/>
-          </a:xfrm>
-          <a:prstGeom prst="rect">
-            <a:avLst/>
-          </a:prstGeom>
-          <a:ln w="0">
-            <a:noFill/>
-          </a:ln>
-        </p:spPr>
-      </p:pic>
-    </p:spTree>
-  </p:cSld>
-  <mc:AlternateContent>
-    <mc:Choice Requires="p14">
-      <p:transition spd="slow" p14:dur="2000"/>
-    </mc:Choice>
-    <mc:Fallback>
-      <p:transition spd="slow"/>
-    </mc:Fallback>
-  </mc:AlternateContent>
-</p:sld>
-</file>
-
-<file path=ppt/slides/slide33.xml><?xml version="1.0" encoding="utf-8"?>
-<p:sld xmlns:a="http://schemas.openxmlformats.org/drawingml/2006/main" xmlns:p="http://schemas.openxmlformats.org/presentationml/2006/main" xmlns:r="http://schemas.openxmlformats.org/officeDocument/2006/relationships" xmlns:p14="http://schemas.microsoft.com/office/powerpoint/2010/main" xmlns:p15="http://schemas.microsoft.com/office/powerpoint/2012/main" xmlns:mc="http://schemas.openxmlformats.org/markup-compatibility/2006">
-  <p:cSld>
-    <p:spTree>
-      <p:nvGrpSpPr>
-        <p:cNvPr id="1" name=""/>
-        <p:cNvGrpSpPr/>
-        <p:nvPr/>
-      </p:nvGrpSpPr>
-      <p:grpSpPr>
-        <a:xfrm>
-          <a:off x="0" y="0"/>
-          <a:ext cx="0" cy="0"/>
-          <a:chOff x="0" y="0"/>
-          <a:chExt cx="0" cy="0"/>
-        </a:xfrm>
-      </p:grpSpPr>
-      <p:sp>
-        <p:nvSpPr>
-          <p:cNvPr id="249" name="TextShape 42"/>
-          <p:cNvSpPr/>
-          <p:nvPr/>
-        </p:nvSpPr>
-        <p:spPr>
-          <a:xfrm>
-            <a:off x="1080000" y="1080000"/>
-            <a:ext cx="5759640" cy="394200"/>
-          </a:xfrm>
-          <a:prstGeom prst="rect">
-            <a:avLst/>
-          </a:prstGeom>
-          <a:noFill/>
-          <a:ln w="0">
-            <a:noFill/>
-          </a:ln>
-        </p:spPr>
-        <p:style>
-          <a:lnRef idx="0"/>
-          <a:fillRef idx="0"/>
-          <a:effectRef idx="0"/>
-          <a:fontRef idx="minor"/>
-        </p:style>
-        <p:txBody>
-          <a:bodyPr lIns="90000" rIns="90000" tIns="45000" bIns="45000" anchor="t">
-            <a:noAutofit/>
-          </a:bodyPr>
-          <a:p>
-            <a:pPr>
-              <a:lnSpc>
-                <a:spcPct val="100000"/>
-              </a:lnSpc>
-            </a:pPr>
-            <a:r>
-              <a:rPr b="1" lang="de-DE" sz="2400" spc="-1" strike="noStrike">
-                <a:solidFill>
-                  <a:srgbClr val="000000"/>
-                </a:solidFill>
-                <a:latin typeface="Noto Sans"/>
-                <a:ea typeface="DejaVu Sans"/>
-              </a:rPr>
-              <a:t>Analyse bi-variée: protéine</a:t>
-            </a:r>
-            <a:endParaRPr b="0" lang="fr-CH" sz="2400" spc="-1" strike="noStrike">
-              <a:solidFill>
-                <a:srgbClr val="000000"/>
-              </a:solidFill>
-              <a:latin typeface="Arial"/>
-            </a:endParaRPr>
-          </a:p>
-        </p:txBody>
-      </p:sp>
-      <p:pic>
-        <p:nvPicPr>
-          <p:cNvPr id="250" name="" descr=""/>
-          <p:cNvPicPr/>
-          <p:nvPr/>
-        </p:nvPicPr>
-        <p:blipFill>
-          <a:blip r:embed="rId1"/>
-          <a:stretch/>
-        </p:blipFill>
-        <p:spPr>
-          <a:xfrm>
-            <a:off x="146160" y="2449800"/>
-            <a:ext cx="3453480" cy="2589840"/>
-          </a:xfrm>
-          <a:prstGeom prst="rect">
-            <a:avLst/>
-          </a:prstGeom>
-          <a:ln w="0">
-            <a:noFill/>
-          </a:ln>
-        </p:spPr>
-      </p:pic>
-      <p:pic>
-        <p:nvPicPr>
-          <p:cNvPr id="251" name="" descr=""/>
-          <p:cNvPicPr/>
-          <p:nvPr/>
-        </p:nvPicPr>
-        <p:blipFill>
-          <a:blip r:embed="rId2"/>
-          <a:stretch/>
-        </p:blipFill>
-        <p:spPr>
-          <a:xfrm>
-            <a:off x="3240000" y="2433240"/>
-            <a:ext cx="3419640" cy="2564640"/>
-          </a:xfrm>
-          <a:prstGeom prst="rect">
-            <a:avLst/>
-          </a:prstGeom>
-          <a:ln w="0">
-            <a:noFill/>
-          </a:ln>
-        </p:spPr>
-      </p:pic>
-      <p:pic>
-        <p:nvPicPr>
-          <p:cNvPr id="252" name="" descr=""/>
-          <p:cNvPicPr/>
-          <p:nvPr/>
-        </p:nvPicPr>
-        <p:blipFill>
-          <a:blip r:embed="rId3"/>
-          <a:stretch/>
-        </p:blipFill>
-        <p:spPr>
-          <a:xfrm>
-            <a:off x="6300000" y="2433600"/>
-            <a:ext cx="3419640" cy="2564280"/>
-          </a:xfrm>
-          <a:prstGeom prst="rect">
-            <a:avLst/>
-          </a:prstGeom>
-          <a:ln w="0">
-            <a:noFill/>
-          </a:ln>
-        </p:spPr>
-      </p:pic>
-    </p:spTree>
-  </p:cSld>
-  <mc:AlternateContent>
-    <mc:Choice Requires="p14">
-      <p:transition spd="slow" p14:dur="2000"/>
-    </mc:Choice>
-    <mc:Fallback>
-      <p:transition spd="slow"/>
-    </mc:Fallback>
-  </mc:AlternateContent>
-</p:sld>
-</file>
-
-<file path=ppt/slides/slide34.xml><?xml version="1.0" encoding="utf-8"?>
-<p:sld xmlns:a="http://schemas.openxmlformats.org/drawingml/2006/main" xmlns:p="http://schemas.openxmlformats.org/presentationml/2006/main" xmlns:r="http://schemas.openxmlformats.org/officeDocument/2006/relationships" xmlns:p14="http://schemas.microsoft.com/office/powerpoint/2010/main" xmlns:p15="http://schemas.microsoft.com/office/powerpoint/2012/main" xmlns:mc="http://schemas.openxmlformats.org/markup-compatibility/2006">
-  <p:cSld>
-    <p:spTree>
-      <p:nvGrpSpPr>
-        <p:cNvPr id="1" name=""/>
-        <p:cNvGrpSpPr/>
-        <p:nvPr/>
-      </p:nvGrpSpPr>
-      <p:grpSpPr>
-        <a:xfrm>
-          <a:off x="0" y="0"/>
-          <a:ext cx="0" cy="0"/>
-          <a:chOff x="0" y="0"/>
-          <a:chExt cx="0" cy="0"/>
-        </a:xfrm>
-      </p:grpSpPr>
-      <p:sp>
-        <p:nvSpPr>
-          <p:cNvPr id="253" name="TextShape 43"/>
-          <p:cNvSpPr/>
-          <p:nvPr/>
-        </p:nvSpPr>
-        <p:spPr>
-          <a:xfrm>
-            <a:off x="1080000" y="1080000"/>
-            <a:ext cx="5759640" cy="394200"/>
+            <a:ext cx="5759280" cy="393840"/>
           </a:xfrm>
           <a:prstGeom prst="rect">
             <a:avLst/>
@@ -25965,7 +25442,7 @@
       </p:sp>
       <p:pic>
         <p:nvPicPr>
-          <p:cNvPr id="254" name="" descr=""/>
+          <p:cNvPr id="248" name="" descr=""/>
           <p:cNvPicPr/>
           <p:nvPr/>
         </p:nvPicPr>
@@ -25975,8 +25452,8 @@
         </p:blipFill>
         <p:spPr>
           <a:xfrm>
-            <a:off x="2160" y="2340000"/>
-            <a:ext cx="3633480" cy="2724840"/>
+            <a:off x="3299760" y="2241000"/>
+            <a:ext cx="3539520" cy="2654280"/>
           </a:xfrm>
           <a:prstGeom prst="rect">
             <a:avLst/>
@@ -25988,7 +25465,7 @@
       </p:pic>
       <p:pic>
         <p:nvPicPr>
-          <p:cNvPr id="255" name="" descr=""/>
+          <p:cNvPr id="249" name="" descr=""/>
           <p:cNvPicPr/>
           <p:nvPr/>
         </p:nvPicPr>
@@ -25998,8 +25475,8 @@
         </p:blipFill>
         <p:spPr>
           <a:xfrm>
-            <a:off x="3299760" y="2385000"/>
-            <a:ext cx="3539880" cy="2654640"/>
+            <a:off x="6516000" y="2257920"/>
+            <a:ext cx="3564720" cy="2673360"/>
           </a:xfrm>
           <a:prstGeom prst="rect">
             <a:avLst/>
@@ -26011,7 +25488,7 @@
       </p:pic>
       <p:pic>
         <p:nvPicPr>
-          <p:cNvPr id="256" name="" descr=""/>
+          <p:cNvPr id="250" name="" descr=""/>
           <p:cNvPicPr/>
           <p:nvPr/>
         </p:nvPicPr>
@@ -26021,8 +25498,8 @@
         </p:blipFill>
         <p:spPr>
           <a:xfrm>
-            <a:off x="6516000" y="2340000"/>
-            <a:ext cx="3599640" cy="2699640"/>
+            <a:off x="6480" y="2232000"/>
+            <a:ext cx="3593520" cy="2694960"/>
           </a:xfrm>
           <a:prstGeom prst="rect">
             <a:avLst/>
@@ -26045,7 +25522,7 @@
 </p:sld>
 </file>
 
-<file path=ppt/slides/slide35.xml><?xml version="1.0" encoding="utf-8"?>
+<file path=ppt/slides/slide31.xml><?xml version="1.0" encoding="utf-8"?>
 <p:sld xmlns:a="http://schemas.openxmlformats.org/drawingml/2006/main" xmlns:p="http://schemas.openxmlformats.org/presentationml/2006/main" xmlns:r="http://schemas.openxmlformats.org/officeDocument/2006/relationships" xmlns:p14="http://schemas.microsoft.com/office/powerpoint/2010/main" xmlns:p15="http://schemas.microsoft.com/office/powerpoint/2012/main" xmlns:mc="http://schemas.openxmlformats.org/markup-compatibility/2006">
   <p:cSld>
     <p:spTree>
@@ -26064,7 +25541,7 @@
       </p:grpSpPr>
       <p:pic>
         <p:nvPicPr>
-          <p:cNvPr id="257" name="" descr=""/>
+          <p:cNvPr id="251" name="" descr=""/>
           <p:cNvPicPr/>
           <p:nvPr/>
         </p:nvPicPr>
@@ -26075,7 +25552,7 @@
         <p:spPr>
           <a:xfrm>
             <a:off x="2241360" y="1260000"/>
-            <a:ext cx="4958280" cy="4195440"/>
+            <a:ext cx="4957920" cy="4195080"/>
           </a:xfrm>
           <a:prstGeom prst="rect">
             <a:avLst/>
@@ -26087,14 +25564,14 @@
       </p:pic>
       <p:sp>
         <p:nvSpPr>
-          <p:cNvPr id="258" name="TextShape 44"/>
+          <p:cNvPr id="252" name="TextShape 44"/>
           <p:cNvSpPr/>
           <p:nvPr/>
         </p:nvSpPr>
         <p:spPr>
           <a:xfrm>
             <a:off x="1080000" y="1080000"/>
-            <a:ext cx="5759640" cy="394200"/>
+            <a:ext cx="5759280" cy="393840"/>
           </a:xfrm>
           <a:prstGeom prst="rect">
             <a:avLst/>
@@ -26152,7 +25629,7 @@
 </p:sld>
 </file>
 
-<file path=ppt/slides/slide36.xml><?xml version="1.0" encoding="utf-8"?>
+<file path=ppt/slides/slide32.xml><?xml version="1.0" encoding="utf-8"?>
 <p:sld xmlns:a="http://schemas.openxmlformats.org/drawingml/2006/main" xmlns:p="http://schemas.openxmlformats.org/presentationml/2006/main" xmlns:r="http://schemas.openxmlformats.org/officeDocument/2006/relationships" xmlns:p14="http://schemas.microsoft.com/office/powerpoint/2010/main" xmlns:p15="http://schemas.microsoft.com/office/powerpoint/2012/main" xmlns:mc="http://schemas.openxmlformats.org/markup-compatibility/2006">
   <p:cSld>
     <p:spTree>
@@ -26171,14 +25648,14 @@
       </p:grpSpPr>
       <p:sp>
         <p:nvSpPr>
-          <p:cNvPr id="259" name="TextShape 45"/>
+          <p:cNvPr id="253" name="TextShape 45"/>
           <p:cNvSpPr/>
           <p:nvPr/>
         </p:nvSpPr>
         <p:spPr>
           <a:xfrm>
             <a:off x="1080000" y="1080000"/>
-            <a:ext cx="5759640" cy="394200"/>
+            <a:ext cx="5759280" cy="393840"/>
           </a:xfrm>
           <a:prstGeom prst="rect">
             <a:avLst/>
@@ -26225,14 +25702,14 @@
       </p:sp>
       <p:sp>
         <p:nvSpPr>
-          <p:cNvPr id="260" name="TextShape 49"/>
+          <p:cNvPr id="254" name="TextShape 49"/>
           <p:cNvSpPr/>
           <p:nvPr/>
         </p:nvSpPr>
         <p:spPr>
           <a:xfrm>
             <a:off x="972000" y="1603800"/>
-            <a:ext cx="7739640" cy="2001600"/>
+            <a:ext cx="7739280" cy="2001240"/>
           </a:xfrm>
           <a:prstGeom prst="rect">
             <a:avLst/>
@@ -26275,7 +25752,39 @@
                 <a:latin typeface="Noto Sans"/>
                 <a:ea typeface="DejaVu Sans"/>
               </a:rPr>
-              <a:t>Le but de cette analyse ici va être d’essayer de trouver des liaisons entre les variables et d’évaluer la corrélation entre chacune. Cela devrait nous permettre de confirmer les résultats des analyses précédentes.</a:t>
+              <a:t>Le but de cette analyse ici va être d’essayer de trouver des liaisons entre les variables et d’évaluer leur corrélation. </a:t>
+            </a:r>
+            <a:endParaRPr b="0" lang="fr-CH" sz="1800" spc="-1" strike="noStrike">
+              <a:solidFill>
+                <a:srgbClr val="000000"/>
+              </a:solidFill>
+              <a:latin typeface="Arial"/>
+            </a:endParaRPr>
+          </a:p>
+          <a:p>
+            <a:pPr marL="216000" indent="-215640">
+              <a:lnSpc>
+                <a:spcPct val="100000"/>
+              </a:lnSpc>
+              <a:spcBef>
+                <a:spcPts val="720"/>
+              </a:spcBef>
+              <a:buClr>
+                <a:srgbClr val="000000"/>
+              </a:buClr>
+              <a:buSzPct val="45000"/>
+              <a:buFont typeface="Wingdings" charset="2"/>
+              <a:buChar char=""/>
+            </a:pPr>
+            <a:r>
+              <a:rPr b="0" lang="fr-CH" sz="1800" spc="-1" strike="noStrike">
+                <a:solidFill>
+                  <a:srgbClr val="808080"/>
+                </a:solidFill>
+                <a:latin typeface="Noto Sans"/>
+                <a:ea typeface="DejaVu Sans"/>
+              </a:rPr>
+              <a:t>Cela nous donnera plus de contexte pour évaluer les résultats des analyses précédentes.</a:t>
             </a:r>
             <a:endParaRPr b="0" lang="fr-CH" sz="1800" spc="-1" strike="noStrike">
               <a:solidFill>
@@ -26299,7 +25808,7 @@
 </p:sld>
 </file>
 
-<file path=ppt/slides/slide37.xml><?xml version="1.0" encoding="utf-8"?>
+<file path=ppt/slides/slide33.xml><?xml version="1.0" encoding="utf-8"?>
 <p:sld xmlns:a="http://schemas.openxmlformats.org/drawingml/2006/main" xmlns:p="http://schemas.openxmlformats.org/presentationml/2006/main" xmlns:r="http://schemas.openxmlformats.org/officeDocument/2006/relationships" xmlns:p14="http://schemas.microsoft.com/office/powerpoint/2010/main" xmlns:p15="http://schemas.microsoft.com/office/powerpoint/2012/main" xmlns:mc="http://schemas.openxmlformats.org/markup-compatibility/2006">
   <p:cSld>
     <p:spTree>
@@ -26318,7 +25827,7 @@
       </p:grpSpPr>
       <p:pic>
         <p:nvPicPr>
-          <p:cNvPr id="261" name="" descr=""/>
+          <p:cNvPr id="255" name="" descr=""/>
           <p:cNvPicPr/>
           <p:nvPr/>
         </p:nvPicPr>
@@ -26328,8 +25837,8 @@
         </p:blipFill>
         <p:spPr>
           <a:xfrm>
-            <a:off x="501480" y="1477440"/>
-            <a:ext cx="4358160" cy="3922200"/>
+            <a:off x="417600" y="1440000"/>
+            <a:ext cx="4406400" cy="3965760"/>
           </a:xfrm>
           <a:prstGeom prst="rect">
             <a:avLst/>
@@ -26341,14 +25850,14 @@
       </p:pic>
       <p:sp>
         <p:nvSpPr>
-          <p:cNvPr id="262" name="TextShape 48"/>
+          <p:cNvPr id="256" name="TextShape 48"/>
           <p:cNvSpPr/>
           <p:nvPr/>
         </p:nvSpPr>
         <p:spPr>
           <a:xfrm>
             <a:off x="1080000" y="1080000"/>
-            <a:ext cx="5759640" cy="394200"/>
+            <a:ext cx="5759280" cy="393840"/>
           </a:xfrm>
           <a:prstGeom prst="rect">
             <a:avLst/>
@@ -26395,7 +25904,7 @@
       </p:sp>
       <p:pic>
         <p:nvPicPr>
-          <p:cNvPr id="263" name="" descr=""/>
+          <p:cNvPr id="257" name="" descr=""/>
           <p:cNvPicPr/>
           <p:nvPr/>
         </p:nvPicPr>
@@ -26405,8 +25914,8 @@
         </p:blipFill>
         <p:spPr>
           <a:xfrm>
-            <a:off x="4821480" y="1477440"/>
-            <a:ext cx="4358160" cy="3922200"/>
+            <a:off x="4425480" y="1465200"/>
+            <a:ext cx="4358520" cy="3922560"/>
           </a:xfrm>
           <a:prstGeom prst="rect">
             <a:avLst/>
@@ -26429,7 +25938,7 @@
 </p:sld>
 </file>
 
-<file path=ppt/slides/slide38.xml><?xml version="1.0" encoding="utf-8"?>
+<file path=ppt/slides/slide34.xml><?xml version="1.0" encoding="utf-8"?>
 <p:sld xmlns:a="http://schemas.openxmlformats.org/drawingml/2006/main" xmlns:p="http://schemas.openxmlformats.org/presentationml/2006/main" xmlns:r="http://schemas.openxmlformats.org/officeDocument/2006/relationships" xmlns:p14="http://schemas.microsoft.com/office/powerpoint/2010/main" xmlns:p15="http://schemas.microsoft.com/office/powerpoint/2012/main" xmlns:mc="http://schemas.openxmlformats.org/markup-compatibility/2006">
   <p:cSld>
     <p:spTree>
@@ -26448,14 +25957,14 @@
       </p:grpSpPr>
       <p:sp>
         <p:nvSpPr>
-          <p:cNvPr id="264" name="TextShape 46"/>
+          <p:cNvPr id="258" name="TextShape 46"/>
           <p:cNvSpPr/>
           <p:nvPr/>
         </p:nvSpPr>
         <p:spPr>
           <a:xfrm>
             <a:off x="1080000" y="1080000"/>
-            <a:ext cx="5759640" cy="394200"/>
+            <a:ext cx="5759280" cy="393840"/>
           </a:xfrm>
           <a:prstGeom prst="rect">
             <a:avLst/>
@@ -26502,7 +26011,7 @@
       </p:sp>
       <p:pic>
         <p:nvPicPr>
-          <p:cNvPr id="265" name="" descr=""/>
+          <p:cNvPr id="259" name="" descr=""/>
           <p:cNvPicPr/>
           <p:nvPr/>
         </p:nvPicPr>
@@ -26513,7 +26022,7 @@
         <p:spPr>
           <a:xfrm>
             <a:off x="2340000" y="1692000"/>
-            <a:ext cx="4833360" cy="3624840"/>
+            <a:ext cx="4833000" cy="3624480"/>
           </a:xfrm>
           <a:prstGeom prst="rect">
             <a:avLst/>
@@ -26536,7 +26045,7 @@
 </p:sld>
 </file>
 
-<file path=ppt/slides/slide39.xml><?xml version="1.0" encoding="utf-8"?>
+<file path=ppt/slides/slide35.xml><?xml version="1.0" encoding="utf-8"?>
 <p:sld xmlns:a="http://schemas.openxmlformats.org/drawingml/2006/main" xmlns:p="http://schemas.openxmlformats.org/presentationml/2006/main" xmlns:r="http://schemas.openxmlformats.org/officeDocument/2006/relationships" xmlns:p14="http://schemas.microsoft.com/office/powerpoint/2010/main" xmlns:p15="http://schemas.microsoft.com/office/powerpoint/2012/main" xmlns:mc="http://schemas.openxmlformats.org/markup-compatibility/2006">
   <p:cSld>
     <p:spTree>
@@ -26555,14 +26064,14 @@
       </p:grpSpPr>
       <p:sp>
         <p:nvSpPr>
-          <p:cNvPr id="266" name="TextShape 47"/>
+          <p:cNvPr id="260" name="TextShape 47"/>
           <p:cNvSpPr/>
           <p:nvPr/>
         </p:nvSpPr>
         <p:spPr>
           <a:xfrm>
             <a:off x="1080000" y="1080000"/>
-            <a:ext cx="5759640" cy="394200"/>
+            <a:ext cx="5759280" cy="393840"/>
           </a:xfrm>
           <a:prstGeom prst="rect">
             <a:avLst/>
@@ -26609,7 +26118,7 @@
       </p:sp>
       <p:pic>
         <p:nvPicPr>
-          <p:cNvPr id="267" name="" descr=""/>
+          <p:cNvPr id="261" name="" descr=""/>
           <p:cNvPicPr/>
           <p:nvPr/>
         </p:nvPicPr>
@@ -26620,7 +26129,7 @@
         <p:spPr>
           <a:xfrm>
             <a:off x="4860000" y="540000"/>
-            <a:ext cx="3553200" cy="3742200"/>
+            <a:ext cx="3552840" cy="3741840"/>
           </a:xfrm>
           <a:prstGeom prst="rect">
             <a:avLst/>
@@ -26632,14 +26141,14 @@
       </p:pic>
       <p:sp>
         <p:nvSpPr>
-          <p:cNvPr id="268" name=""/>
+          <p:cNvPr id="262" name=""/>
           <p:cNvSpPr/>
           <p:nvPr/>
         </p:nvSpPr>
         <p:spPr>
           <a:xfrm>
             <a:off x="358560" y="2880000"/>
-            <a:ext cx="2521080" cy="651240"/>
+            <a:ext cx="2520720" cy="650880"/>
           </a:xfrm>
           <a:prstGeom prst="rect">
             <a:avLst/>
@@ -26689,14 +26198,14 @@
       </p:sp>
       <p:sp>
         <p:nvSpPr>
-          <p:cNvPr id="269" name="TextShape 50"/>
+          <p:cNvPr id="263" name="TextShape 50"/>
           <p:cNvSpPr/>
           <p:nvPr/>
         </p:nvSpPr>
         <p:spPr>
           <a:xfrm>
             <a:off x="360000" y="2340000"/>
-            <a:ext cx="4319640" cy="1079640"/>
+            <a:ext cx="4319280" cy="1079280"/>
           </a:xfrm>
           <a:prstGeom prst="rect">
             <a:avLst/>
@@ -26742,7 +26251,7 @@
                 <a:latin typeface="Noto Sans"/>
                 <a:ea typeface="DejaVu Sans"/>
               </a:rPr>
-              <a:t>PR(&gt;F) est toujours plus petit que 0.000000</a:t>
+              <a:t>PR(&gt;F) est toujours plus petit que 0.000000, indiquant que chaque nutri-score a une valeur moyenne différente de ses composants.</a:t>
             </a:r>
             <a:endParaRPr b="0" lang="fr-CH" sz="1000" spc="-1" strike="noStrike">
               <a:solidFill>
@@ -26777,9 +26286,504 @@
                 <a:latin typeface="Noto Sans"/>
                 <a:ea typeface="DejaVu Sans"/>
               </a:rPr>
-              <a:t>La valeur statistique F est liée à la corrélation de ces variables au nutri-score</a:t>
+              <a:t>La valeur statistique F indique qu’un nutri-score donné a une valeur moyenne de ses composants différente d’un autre score.</a:t>
             </a:r>
             <a:endParaRPr b="0" lang="fr-CH" sz="1000" spc="-1" strike="noStrike">
+              <a:solidFill>
+                <a:srgbClr val="000000"/>
+              </a:solidFill>
+              <a:latin typeface="Arial"/>
+            </a:endParaRPr>
+          </a:p>
+        </p:txBody>
+      </p:sp>
+    </p:spTree>
+  </p:cSld>
+  <mc:AlternateContent>
+    <mc:Choice Requires="p14">
+      <p:transition spd="slow" p14:dur="2000"/>
+    </mc:Choice>
+    <mc:Fallback>
+      <p:transition spd="slow"/>
+    </mc:Fallback>
+  </mc:AlternateContent>
+</p:sld>
+</file>
+
+<file path=ppt/slides/slide36.xml><?xml version="1.0" encoding="utf-8"?>
+<p:sld xmlns:a="http://schemas.openxmlformats.org/drawingml/2006/main" xmlns:p="http://schemas.openxmlformats.org/presentationml/2006/main" xmlns:r="http://schemas.openxmlformats.org/officeDocument/2006/relationships" xmlns:p14="http://schemas.microsoft.com/office/powerpoint/2010/main" xmlns:p15="http://schemas.microsoft.com/office/powerpoint/2012/main" xmlns:mc="http://schemas.openxmlformats.org/markup-compatibility/2006">
+  <p:cSld>
+    <p:spTree>
+      <p:nvGrpSpPr>
+        <p:cNvPr id="1" name=""/>
+        <p:cNvGrpSpPr/>
+        <p:nvPr/>
+      </p:nvGrpSpPr>
+      <p:grpSpPr>
+        <a:xfrm>
+          <a:off x="0" y="0"/>
+          <a:ext cx="0" cy="0"/>
+          <a:chOff x="0" y="0"/>
+          <a:chExt cx="0" cy="0"/>
+        </a:xfrm>
+      </p:grpSpPr>
+      <p:pic>
+        <p:nvPicPr>
+          <p:cNvPr id="264" name="" descr=""/>
+          <p:cNvPicPr/>
+          <p:nvPr/>
+        </p:nvPicPr>
+        <p:blipFill>
+          <a:blip r:embed="rId1"/>
+          <a:stretch/>
+        </p:blipFill>
+        <p:spPr>
+          <a:xfrm>
+            <a:off x="0" y="2216160"/>
+            <a:ext cx="4082400" cy="3454200"/>
+          </a:xfrm>
+          <a:prstGeom prst="rect">
+            <a:avLst/>
+          </a:prstGeom>
+          <a:ln w="0">
+            <a:noFill/>
+          </a:ln>
+        </p:spPr>
+      </p:pic>
+      <p:sp>
+        <p:nvSpPr>
+          <p:cNvPr id="265" name="TextShape 51"/>
+          <p:cNvSpPr/>
+          <p:nvPr/>
+        </p:nvSpPr>
+        <p:spPr>
+          <a:xfrm>
+            <a:off x="1080000" y="1080000"/>
+            <a:ext cx="8459280" cy="393840"/>
+          </a:xfrm>
+          <a:prstGeom prst="rect">
+            <a:avLst/>
+          </a:prstGeom>
+          <a:noFill/>
+          <a:ln w="0">
+            <a:noFill/>
+          </a:ln>
+        </p:spPr>
+        <p:style>
+          <a:lnRef idx="0"/>
+          <a:fillRef idx="0"/>
+          <a:effectRef idx="0"/>
+          <a:fontRef idx="minor"/>
+        </p:style>
+        <p:txBody>
+          <a:bodyPr lIns="90000" rIns="90000" tIns="45000" bIns="45000" anchor="t">
+            <a:noAutofit/>
+          </a:bodyPr>
+          <a:p>
+            <a:pPr>
+              <a:lnSpc>
+                <a:spcPct val="100000"/>
+              </a:lnSpc>
+            </a:pPr>
+            <a:r>
+              <a:rPr b="1" lang="de-DE" sz="2400" spc="-1" strike="noStrike">
+                <a:solidFill>
+                  <a:srgbClr val="000000"/>
+                </a:solidFill>
+                <a:latin typeface="Noto Sans"/>
+                <a:ea typeface="DejaVu Sans"/>
+              </a:rPr>
+              <a:t>Synthèse</a:t>
+            </a:r>
+            <a:endParaRPr b="0" lang="fr-CH" sz="2400" spc="-1" strike="noStrike">
+              <a:solidFill>
+                <a:srgbClr val="000000"/>
+              </a:solidFill>
+              <a:latin typeface="Arial"/>
+            </a:endParaRPr>
+          </a:p>
+        </p:txBody>
+      </p:sp>
+      <p:sp>
+        <p:nvSpPr>
+          <p:cNvPr id="266" name="TextShape 52"/>
+          <p:cNvSpPr/>
+          <p:nvPr/>
+        </p:nvSpPr>
+        <p:spPr>
+          <a:xfrm>
+            <a:off x="972000" y="1603800"/>
+            <a:ext cx="7739280" cy="2001240"/>
+          </a:xfrm>
+          <a:prstGeom prst="rect">
+            <a:avLst/>
+          </a:prstGeom>
+          <a:noFill/>
+          <a:ln w="0">
+            <a:noFill/>
+          </a:ln>
+        </p:spPr>
+        <p:style>
+          <a:lnRef idx="0"/>
+          <a:fillRef idx="0"/>
+          <a:effectRef idx="0"/>
+          <a:fontRef idx="minor"/>
+        </p:style>
+        <p:txBody>
+          <a:bodyPr lIns="90000" rIns="90000" tIns="45000" bIns="45000" anchor="t">
+            <a:noAutofit/>
+          </a:bodyPr>
+          <a:p>
+            <a:pPr marL="216000" indent="-215640">
+              <a:lnSpc>
+                <a:spcPct val="100000"/>
+              </a:lnSpc>
+              <a:spcBef>
+                <a:spcPts val="720"/>
+              </a:spcBef>
+              <a:buClr>
+                <a:srgbClr val="000000"/>
+              </a:buClr>
+              <a:buSzPct val="45000"/>
+              <a:buFont typeface="Wingdings" charset="2"/>
+              <a:buChar char=""/>
+            </a:pPr>
+            <a:r>
+              <a:rPr b="0" lang="fr-CH" sz="1800" spc="-1" strike="noStrike">
+                <a:solidFill>
+                  <a:srgbClr val="808080"/>
+                </a:solidFill>
+                <a:latin typeface="Noto Sans"/>
+                <a:ea typeface="DejaVu Sans"/>
+              </a:rPr>
+              <a:t>Ces différentes analyses indiquent que les corrélations les plus fortes entre le nutri-score et ces composants sont avec le taux de gras et d’énergie.</a:t>
+            </a:r>
+            <a:endParaRPr b="0" lang="fr-CH" sz="1800" spc="-1" strike="noStrike">
+              <a:solidFill>
+                <a:srgbClr val="000000"/>
+              </a:solidFill>
+              <a:latin typeface="Arial"/>
+            </a:endParaRPr>
+          </a:p>
+        </p:txBody>
+      </p:sp>
+      <p:pic>
+        <p:nvPicPr>
+          <p:cNvPr id="267" name="" descr=""/>
+          <p:cNvPicPr/>
+          <p:nvPr/>
+        </p:nvPicPr>
+        <p:blipFill>
+          <a:blip r:embed="rId2"/>
+          <a:stretch/>
+        </p:blipFill>
+        <p:spPr>
+          <a:xfrm>
+            <a:off x="3483720" y="2424240"/>
+            <a:ext cx="2995920" cy="3155400"/>
+          </a:xfrm>
+          <a:prstGeom prst="rect">
+            <a:avLst/>
+          </a:prstGeom>
+          <a:ln w="0">
+            <a:noFill/>
+          </a:ln>
+        </p:spPr>
+      </p:pic>
+      <p:pic>
+        <p:nvPicPr>
+          <p:cNvPr id="268" name="" descr=""/>
+          <p:cNvPicPr/>
+          <p:nvPr/>
+        </p:nvPicPr>
+        <p:blipFill>
+          <a:blip r:embed="rId3"/>
+          <a:stretch/>
+        </p:blipFill>
+        <p:spPr>
+          <a:xfrm>
+            <a:off x="6480000" y="2424240"/>
+            <a:ext cx="3420000" cy="3078000"/>
+          </a:xfrm>
+          <a:prstGeom prst="rect">
+            <a:avLst/>
+          </a:prstGeom>
+          <a:ln w="0">
+            <a:noFill/>
+          </a:ln>
+        </p:spPr>
+      </p:pic>
+    </p:spTree>
+  </p:cSld>
+  <mc:AlternateContent>
+    <mc:Choice Requires="p14">
+      <p:transition spd="slow" p14:dur="2000"/>
+    </mc:Choice>
+    <mc:Fallback>
+      <p:transition spd="slow"/>
+    </mc:Fallback>
+  </mc:AlternateContent>
+</p:sld>
+</file>
+
+<file path=ppt/slides/slide37.xml><?xml version="1.0" encoding="utf-8"?>
+<p:sld xmlns:a="http://schemas.openxmlformats.org/drawingml/2006/main" xmlns:p="http://schemas.openxmlformats.org/presentationml/2006/main" xmlns:r="http://schemas.openxmlformats.org/officeDocument/2006/relationships" xmlns:p14="http://schemas.microsoft.com/office/powerpoint/2010/main" xmlns:p15="http://schemas.microsoft.com/office/powerpoint/2012/main" xmlns:mc="http://schemas.openxmlformats.org/markup-compatibility/2006">
+  <p:cSld>
+    <p:spTree>
+      <p:nvGrpSpPr>
+        <p:cNvPr id="1" name=""/>
+        <p:cNvGrpSpPr/>
+        <p:nvPr/>
+      </p:nvGrpSpPr>
+      <p:grpSpPr>
+        <a:xfrm>
+          <a:off x="0" y="0"/>
+          <a:ext cx="0" cy="0"/>
+          <a:chOff x="0" y="0"/>
+          <a:chExt cx="0" cy="0"/>
+        </a:xfrm>
+      </p:grpSpPr>
+      <p:sp>
+        <p:nvSpPr>
+          <p:cNvPr id="269" name="TextShape 54"/>
+          <p:cNvSpPr/>
+          <p:nvPr/>
+        </p:nvSpPr>
+        <p:spPr>
+          <a:xfrm>
+            <a:off x="1080000" y="1080000"/>
+            <a:ext cx="8459280" cy="393840"/>
+          </a:xfrm>
+          <a:prstGeom prst="rect">
+            <a:avLst/>
+          </a:prstGeom>
+          <a:noFill/>
+          <a:ln w="0">
+            <a:noFill/>
+          </a:ln>
+        </p:spPr>
+        <p:style>
+          <a:lnRef idx="0"/>
+          <a:fillRef idx="0"/>
+          <a:effectRef idx="0"/>
+          <a:fontRef idx="minor"/>
+        </p:style>
+        <p:txBody>
+          <a:bodyPr lIns="90000" rIns="90000" tIns="45000" bIns="45000" anchor="t">
+            <a:noAutofit/>
+          </a:bodyPr>
+          <a:p>
+            <a:pPr>
+              <a:lnSpc>
+                <a:spcPct val="100000"/>
+              </a:lnSpc>
+            </a:pPr>
+            <a:r>
+              <a:rPr b="1" lang="de-DE" sz="2400" spc="-1" strike="noStrike">
+                <a:solidFill>
+                  <a:srgbClr val="000000"/>
+                </a:solidFill>
+                <a:latin typeface="Noto Sans"/>
+                <a:ea typeface="DejaVu Sans"/>
+              </a:rPr>
+              <a:t>Synthèse</a:t>
+            </a:r>
+            <a:endParaRPr b="0" lang="fr-CH" sz="2400" spc="-1" strike="noStrike">
+              <a:solidFill>
+                <a:srgbClr val="000000"/>
+              </a:solidFill>
+              <a:latin typeface="Arial"/>
+            </a:endParaRPr>
+          </a:p>
+        </p:txBody>
+      </p:sp>
+      <p:sp>
+        <p:nvSpPr>
+          <p:cNvPr id="270" name="TextShape 55"/>
+          <p:cNvSpPr/>
+          <p:nvPr/>
+        </p:nvSpPr>
+        <p:spPr>
+          <a:xfrm>
+            <a:off x="972000" y="1603800"/>
+            <a:ext cx="7739280" cy="2001240"/>
+          </a:xfrm>
+          <a:prstGeom prst="rect">
+            <a:avLst/>
+          </a:prstGeom>
+          <a:noFill/>
+          <a:ln w="0">
+            <a:noFill/>
+          </a:ln>
+        </p:spPr>
+        <p:style>
+          <a:lnRef idx="0"/>
+          <a:fillRef idx="0"/>
+          <a:effectRef idx="0"/>
+          <a:fontRef idx="minor"/>
+        </p:style>
+        <p:txBody>
+          <a:bodyPr lIns="90000" rIns="90000" tIns="45000" bIns="45000" anchor="t">
+            <a:noAutofit/>
+          </a:bodyPr>
+          <a:p>
+            <a:pPr>
+              <a:lnSpc>
+                <a:spcPct val="100000"/>
+              </a:lnSpc>
+              <a:spcBef>
+                <a:spcPts val="720"/>
+              </a:spcBef>
+            </a:pPr>
+            <a:endParaRPr b="0" lang="fr-CH" sz="1800" spc="-1" strike="noStrike">
+              <a:solidFill>
+                <a:srgbClr val="000000"/>
+              </a:solidFill>
+              <a:latin typeface="Arial"/>
+            </a:endParaRPr>
+          </a:p>
+          <a:p>
+            <a:pPr marL="216000" indent="-215640">
+              <a:lnSpc>
+                <a:spcPct val="100000"/>
+              </a:lnSpc>
+              <a:spcBef>
+                <a:spcPts val="720"/>
+              </a:spcBef>
+              <a:buClr>
+                <a:srgbClr val="000000"/>
+              </a:buClr>
+              <a:buSzPct val="45000"/>
+              <a:buFont typeface="Wingdings" charset="2"/>
+              <a:buChar char=""/>
+            </a:pPr>
+            <a:r>
+              <a:rPr b="0" lang="fr-CH" sz="1800" spc="-1" strike="noStrike">
+                <a:solidFill>
+                  <a:srgbClr val="808080"/>
+                </a:solidFill>
+                <a:latin typeface="Noto Sans"/>
+                <a:ea typeface="DejaVu Sans"/>
+              </a:rPr>
+              <a:t>Ces valeurs pourraient donc être utilisées pour inférer le nutri-score lorsqu’un utilisateur entre manuellement des produits dans la base de données Open Food Facts.</a:t>
+            </a:r>
+            <a:endParaRPr b="0" lang="fr-CH" sz="1800" spc="-1" strike="noStrike">
+              <a:solidFill>
+                <a:srgbClr val="000000"/>
+              </a:solidFill>
+              <a:latin typeface="Arial"/>
+            </a:endParaRPr>
+          </a:p>
+          <a:p>
+            <a:pPr marL="216000" indent="-215640">
+              <a:lnSpc>
+                <a:spcPct val="100000"/>
+              </a:lnSpc>
+              <a:spcBef>
+                <a:spcPts val="720"/>
+              </a:spcBef>
+              <a:buClr>
+                <a:srgbClr val="000000"/>
+              </a:buClr>
+              <a:buSzPct val="45000"/>
+              <a:buFont typeface="Wingdings" charset="2"/>
+              <a:buChar char=""/>
+            </a:pPr>
+            <a:r>
+              <a:rPr b="0" lang="fr-CH" sz="1800" spc="-1" strike="noStrike">
+                <a:solidFill>
+                  <a:srgbClr val="808080"/>
+                </a:solidFill>
+                <a:latin typeface="Noto Sans"/>
+                <a:ea typeface="DejaVu Sans"/>
+              </a:rPr>
+              <a:t>Ce score pourrait également être inféré/mis à jour plus tard avec une meilleure précision en utilisant la même méthode de remplissage avec un IterativeImputer (RandomForestRegressor).</a:t>
+            </a:r>
+            <a:endParaRPr b="0" lang="fr-CH" sz="1800" spc="-1" strike="noStrike">
+              <a:solidFill>
+                <a:srgbClr val="000000"/>
+              </a:solidFill>
+              <a:latin typeface="Arial"/>
+            </a:endParaRPr>
+          </a:p>
+        </p:txBody>
+      </p:sp>
+    </p:spTree>
+  </p:cSld>
+  <mc:AlternateContent>
+    <mc:Choice Requires="p14">
+      <p:transition spd="slow" p14:dur="2000"/>
+    </mc:Choice>
+    <mc:Fallback>
+      <p:transition spd="slow"/>
+    </mc:Fallback>
+  </mc:AlternateContent>
+</p:sld>
+</file>
+
+<file path=ppt/slides/slide38.xml><?xml version="1.0" encoding="utf-8"?>
+<p:sld xmlns:a="http://schemas.openxmlformats.org/drawingml/2006/main" xmlns:p="http://schemas.openxmlformats.org/presentationml/2006/main" xmlns:r="http://schemas.openxmlformats.org/officeDocument/2006/relationships" xmlns:p14="http://schemas.microsoft.com/office/powerpoint/2010/main" xmlns:p15="http://schemas.microsoft.com/office/powerpoint/2012/main" xmlns:mc="http://schemas.openxmlformats.org/markup-compatibility/2006">
+  <p:cSld>
+    <p:spTree>
+      <p:nvGrpSpPr>
+        <p:cNvPr id="1" name=""/>
+        <p:cNvGrpSpPr/>
+        <p:nvPr/>
+      </p:nvGrpSpPr>
+      <p:grpSpPr>
+        <a:xfrm>
+          <a:off x="0" y="0"/>
+          <a:ext cx="0" cy="0"/>
+          <a:chOff x="0" y="0"/>
+          <a:chExt cx="0" cy="0"/>
+        </a:xfrm>
+      </p:grpSpPr>
+      <p:sp>
+        <p:nvSpPr>
+          <p:cNvPr id="271" name="TextShape 53"/>
+          <p:cNvSpPr/>
+          <p:nvPr/>
+        </p:nvSpPr>
+        <p:spPr>
+          <a:xfrm>
+            <a:off x="1080000" y="1080000"/>
+            <a:ext cx="8459280" cy="393840"/>
+          </a:xfrm>
+          <a:prstGeom prst="rect">
+            <a:avLst/>
+          </a:prstGeom>
+          <a:noFill/>
+          <a:ln w="0">
+            <a:noFill/>
+          </a:ln>
+        </p:spPr>
+        <p:style>
+          <a:lnRef idx="0"/>
+          <a:fillRef idx="0"/>
+          <a:effectRef idx="0"/>
+          <a:fontRef idx="minor"/>
+        </p:style>
+        <p:txBody>
+          <a:bodyPr lIns="90000" rIns="90000" tIns="45000" bIns="45000" anchor="t">
+            <a:noAutofit/>
+          </a:bodyPr>
+          <a:p>
+            <a:pPr>
+              <a:lnSpc>
+                <a:spcPct val="100000"/>
+              </a:lnSpc>
+            </a:pPr>
+            <a:r>
+              <a:rPr b="1" lang="de-DE" sz="2400" spc="-1" strike="noStrike">
+                <a:solidFill>
+                  <a:srgbClr val="000000"/>
+                </a:solidFill>
+                <a:latin typeface="Liberation Sans;Arial"/>
+                <a:ea typeface="DejaVu Sans"/>
+              </a:rPr>
+              <a:t>Discussion</a:t>
+            </a:r>
+            <a:endParaRPr b="0" lang="fr-CH" sz="2400" spc="-1" strike="noStrike">
               <a:solidFill>
                 <a:srgbClr val="000000"/>
               </a:solidFill>
@@ -26827,7 +26831,7 @@
         <p:spPr>
           <a:xfrm>
             <a:off x="1080000" y="2030040"/>
-            <a:ext cx="7739640" cy="2001600"/>
+            <a:ext cx="7739280" cy="2001240"/>
           </a:xfrm>
           <a:prstGeom prst="rect">
             <a:avLst/>
@@ -27082,7 +27086,7 @@
         <p:spPr>
           <a:xfrm>
             <a:off x="1080000" y="1080000"/>
-            <a:ext cx="5759640" cy="394200"/>
+            <a:ext cx="5759280" cy="393840"/>
           </a:xfrm>
           <a:prstGeom prst="rect">
             <a:avLst/>
@@ -27140,507 +27144,6 @@
 </p:sld>
 </file>
 
-<file path=ppt/slides/slide40.xml><?xml version="1.0" encoding="utf-8"?>
-<p:sld xmlns:a="http://schemas.openxmlformats.org/drawingml/2006/main" xmlns:p="http://schemas.openxmlformats.org/presentationml/2006/main" xmlns:r="http://schemas.openxmlformats.org/officeDocument/2006/relationships" xmlns:p14="http://schemas.microsoft.com/office/powerpoint/2010/main" xmlns:p15="http://schemas.microsoft.com/office/powerpoint/2012/main" xmlns:mc="http://schemas.openxmlformats.org/markup-compatibility/2006">
-  <p:cSld>
-    <p:spTree>
-      <p:nvGrpSpPr>
-        <p:cNvPr id="1" name=""/>
-        <p:cNvGrpSpPr/>
-        <p:nvPr/>
-      </p:nvGrpSpPr>
-      <p:grpSpPr>
-        <a:xfrm>
-          <a:off x="0" y="0"/>
-          <a:ext cx="0" cy="0"/>
-          <a:chOff x="0" y="0"/>
-          <a:chExt cx="0" cy="0"/>
-        </a:xfrm>
-      </p:grpSpPr>
-      <p:pic>
-        <p:nvPicPr>
-          <p:cNvPr id="270" name="" descr=""/>
-          <p:cNvPicPr/>
-          <p:nvPr/>
-        </p:nvPicPr>
-        <p:blipFill>
-          <a:blip r:embed="rId1"/>
-          <a:stretch/>
-        </p:blipFill>
-        <p:spPr>
-          <a:xfrm>
-            <a:off x="0" y="2216160"/>
-            <a:ext cx="4082760" cy="3454560"/>
-          </a:xfrm>
-          <a:prstGeom prst="rect">
-            <a:avLst/>
-          </a:prstGeom>
-          <a:ln w="0">
-            <a:noFill/>
-          </a:ln>
-        </p:spPr>
-      </p:pic>
-      <p:sp>
-        <p:nvSpPr>
-          <p:cNvPr id="271" name="TextShape 51"/>
-          <p:cNvSpPr/>
-          <p:nvPr/>
-        </p:nvSpPr>
-        <p:spPr>
-          <a:xfrm>
-            <a:off x="1080000" y="1080000"/>
-            <a:ext cx="8459640" cy="394200"/>
-          </a:xfrm>
-          <a:prstGeom prst="rect">
-            <a:avLst/>
-          </a:prstGeom>
-          <a:noFill/>
-          <a:ln w="0">
-            <a:noFill/>
-          </a:ln>
-        </p:spPr>
-        <p:style>
-          <a:lnRef idx="0"/>
-          <a:fillRef idx="0"/>
-          <a:effectRef idx="0"/>
-          <a:fontRef idx="minor"/>
-        </p:style>
-        <p:txBody>
-          <a:bodyPr lIns="90000" rIns="90000" tIns="45000" bIns="45000" anchor="t">
-            <a:noAutofit/>
-          </a:bodyPr>
-          <a:p>
-            <a:pPr>
-              <a:lnSpc>
-                <a:spcPct val="100000"/>
-              </a:lnSpc>
-            </a:pPr>
-            <a:r>
-              <a:rPr b="1" lang="de-DE" sz="2400" spc="-1" strike="noStrike">
-                <a:solidFill>
-                  <a:srgbClr val="000000"/>
-                </a:solidFill>
-                <a:latin typeface="Noto Sans"/>
-                <a:ea typeface="DejaVu Sans"/>
-              </a:rPr>
-              <a:t>Synthèse</a:t>
-            </a:r>
-            <a:endParaRPr b="0" lang="fr-CH" sz="2400" spc="-1" strike="noStrike">
-              <a:solidFill>
-                <a:srgbClr val="000000"/>
-              </a:solidFill>
-              <a:latin typeface="Arial"/>
-            </a:endParaRPr>
-          </a:p>
-        </p:txBody>
-      </p:sp>
-      <p:sp>
-        <p:nvSpPr>
-          <p:cNvPr id="272" name="TextShape 52"/>
-          <p:cNvSpPr/>
-          <p:nvPr/>
-        </p:nvSpPr>
-        <p:spPr>
-          <a:xfrm>
-            <a:off x="972000" y="1603800"/>
-            <a:ext cx="7739640" cy="2001600"/>
-          </a:xfrm>
-          <a:prstGeom prst="rect">
-            <a:avLst/>
-          </a:prstGeom>
-          <a:noFill/>
-          <a:ln w="0">
-            <a:noFill/>
-          </a:ln>
-        </p:spPr>
-        <p:style>
-          <a:lnRef idx="0"/>
-          <a:fillRef idx="0"/>
-          <a:effectRef idx="0"/>
-          <a:fontRef idx="minor"/>
-        </p:style>
-        <p:txBody>
-          <a:bodyPr lIns="90000" rIns="90000" tIns="45000" bIns="45000" anchor="t">
-            <a:noAutofit/>
-          </a:bodyPr>
-          <a:p>
-            <a:pPr marL="216000" indent="-215640">
-              <a:lnSpc>
-                <a:spcPct val="100000"/>
-              </a:lnSpc>
-              <a:spcBef>
-                <a:spcPts val="720"/>
-              </a:spcBef>
-              <a:buClr>
-                <a:srgbClr val="000000"/>
-              </a:buClr>
-              <a:buSzPct val="45000"/>
-              <a:buFont typeface="Wingdings" charset="2"/>
-              <a:buChar char=""/>
-            </a:pPr>
-            <a:r>
-              <a:rPr b="0" lang="fr-CH" sz="1800" spc="-1" strike="noStrike">
-                <a:solidFill>
-                  <a:srgbClr val="808080"/>
-                </a:solidFill>
-                <a:latin typeface="Noto Sans"/>
-                <a:ea typeface="DejaVu Sans"/>
-              </a:rPr>
-              <a:t>Ces différentes analyses indiquent que les corrélations les plus fortes entre le nutri-score et ces composants sont avec le taux de gras et d’énergie.</a:t>
-            </a:r>
-            <a:endParaRPr b="0" lang="fr-CH" sz="1800" spc="-1" strike="noStrike">
-              <a:solidFill>
-                <a:srgbClr val="000000"/>
-              </a:solidFill>
-              <a:latin typeface="Arial"/>
-            </a:endParaRPr>
-          </a:p>
-        </p:txBody>
-      </p:sp>
-      <p:pic>
-        <p:nvPicPr>
-          <p:cNvPr id="273" name="" descr=""/>
-          <p:cNvPicPr/>
-          <p:nvPr/>
-        </p:nvPicPr>
-        <p:blipFill>
-          <a:blip r:embed="rId2"/>
-          <a:stretch/>
-        </p:blipFill>
-        <p:spPr>
-          <a:xfrm>
-            <a:off x="6480000" y="2502000"/>
-            <a:ext cx="3420000" cy="3078000"/>
-          </a:xfrm>
-          <a:prstGeom prst="rect">
-            <a:avLst/>
-          </a:prstGeom>
-          <a:ln w="0">
-            <a:noFill/>
-          </a:ln>
-        </p:spPr>
-      </p:pic>
-      <p:pic>
-        <p:nvPicPr>
-          <p:cNvPr id="274" name="" descr=""/>
-          <p:cNvPicPr/>
-          <p:nvPr/>
-        </p:nvPicPr>
-        <p:blipFill>
-          <a:blip r:embed="rId3"/>
-          <a:stretch/>
-        </p:blipFill>
-        <p:spPr>
-          <a:xfrm>
-            <a:off x="3483720" y="2424240"/>
-            <a:ext cx="2996280" cy="3155760"/>
-          </a:xfrm>
-          <a:prstGeom prst="rect">
-            <a:avLst/>
-          </a:prstGeom>
-          <a:ln w="0">
-            <a:noFill/>
-          </a:ln>
-        </p:spPr>
-      </p:pic>
-    </p:spTree>
-  </p:cSld>
-  <mc:AlternateContent>
-    <mc:Choice Requires="p14">
-      <p:transition spd="slow" p14:dur="2000"/>
-    </mc:Choice>
-    <mc:Fallback>
-      <p:transition spd="slow"/>
-    </mc:Fallback>
-  </mc:AlternateContent>
-</p:sld>
-</file>
-
-<file path=ppt/slides/slide41.xml><?xml version="1.0" encoding="utf-8"?>
-<p:sld xmlns:a="http://schemas.openxmlformats.org/drawingml/2006/main" xmlns:p="http://schemas.openxmlformats.org/presentationml/2006/main" xmlns:r="http://schemas.openxmlformats.org/officeDocument/2006/relationships" xmlns:p14="http://schemas.microsoft.com/office/powerpoint/2010/main" xmlns:p15="http://schemas.microsoft.com/office/powerpoint/2012/main" xmlns:mc="http://schemas.openxmlformats.org/markup-compatibility/2006">
-  <p:cSld>
-    <p:spTree>
-      <p:nvGrpSpPr>
-        <p:cNvPr id="1" name=""/>
-        <p:cNvGrpSpPr/>
-        <p:nvPr/>
-      </p:nvGrpSpPr>
-      <p:grpSpPr>
-        <a:xfrm>
-          <a:off x="0" y="0"/>
-          <a:ext cx="0" cy="0"/>
-          <a:chOff x="0" y="0"/>
-          <a:chExt cx="0" cy="0"/>
-        </a:xfrm>
-      </p:grpSpPr>
-      <p:sp>
-        <p:nvSpPr>
-          <p:cNvPr id="275" name="TextShape 54"/>
-          <p:cNvSpPr/>
-          <p:nvPr/>
-        </p:nvSpPr>
-        <p:spPr>
-          <a:xfrm>
-            <a:off x="1080000" y="1080000"/>
-            <a:ext cx="8459640" cy="394200"/>
-          </a:xfrm>
-          <a:prstGeom prst="rect">
-            <a:avLst/>
-          </a:prstGeom>
-          <a:noFill/>
-          <a:ln w="0">
-            <a:noFill/>
-          </a:ln>
-        </p:spPr>
-        <p:style>
-          <a:lnRef idx="0"/>
-          <a:fillRef idx="0"/>
-          <a:effectRef idx="0"/>
-          <a:fontRef idx="minor"/>
-        </p:style>
-        <p:txBody>
-          <a:bodyPr lIns="90000" rIns="90000" tIns="45000" bIns="45000" anchor="t">
-            <a:noAutofit/>
-          </a:bodyPr>
-          <a:p>
-            <a:pPr>
-              <a:lnSpc>
-                <a:spcPct val="100000"/>
-              </a:lnSpc>
-            </a:pPr>
-            <a:r>
-              <a:rPr b="1" lang="de-DE" sz="2400" spc="-1" strike="noStrike">
-                <a:solidFill>
-                  <a:srgbClr val="000000"/>
-                </a:solidFill>
-                <a:latin typeface="Noto Sans"/>
-                <a:ea typeface="DejaVu Sans"/>
-              </a:rPr>
-              <a:t>Synthèse</a:t>
-            </a:r>
-            <a:endParaRPr b="0" lang="fr-CH" sz="2400" spc="-1" strike="noStrike">
-              <a:solidFill>
-                <a:srgbClr val="000000"/>
-              </a:solidFill>
-              <a:latin typeface="Arial"/>
-            </a:endParaRPr>
-          </a:p>
-        </p:txBody>
-      </p:sp>
-      <p:sp>
-        <p:nvSpPr>
-          <p:cNvPr id="276" name="TextShape 55"/>
-          <p:cNvSpPr/>
-          <p:nvPr/>
-        </p:nvSpPr>
-        <p:spPr>
-          <a:xfrm>
-            <a:off x="972000" y="1603800"/>
-            <a:ext cx="7739640" cy="2001600"/>
-          </a:xfrm>
-          <a:prstGeom prst="rect">
-            <a:avLst/>
-          </a:prstGeom>
-          <a:noFill/>
-          <a:ln w="0">
-            <a:noFill/>
-          </a:ln>
-        </p:spPr>
-        <p:style>
-          <a:lnRef idx="0"/>
-          <a:fillRef idx="0"/>
-          <a:effectRef idx="0"/>
-          <a:fontRef idx="minor"/>
-        </p:style>
-        <p:txBody>
-          <a:bodyPr lIns="90000" rIns="90000" tIns="45000" bIns="45000" anchor="t">
-            <a:noAutofit/>
-          </a:bodyPr>
-          <a:p>
-            <a:pPr marL="216000" indent="-215640">
-              <a:lnSpc>
-                <a:spcPct val="100000"/>
-              </a:lnSpc>
-              <a:spcBef>
-                <a:spcPts val="720"/>
-              </a:spcBef>
-              <a:buClr>
-                <a:srgbClr val="000000"/>
-              </a:buClr>
-              <a:buSzPct val="45000"/>
-              <a:buFont typeface="Wingdings" charset="2"/>
-              <a:buChar char=""/>
-            </a:pPr>
-            <a:endParaRPr b="0" lang="fr-CH" sz="1800" spc="-1" strike="noStrike">
-              <a:solidFill>
-                <a:srgbClr val="000000"/>
-              </a:solidFill>
-              <a:latin typeface="Arial"/>
-            </a:endParaRPr>
-          </a:p>
-          <a:p>
-            <a:pPr marL="216000" indent="-215640">
-              <a:lnSpc>
-                <a:spcPct val="100000"/>
-              </a:lnSpc>
-              <a:spcBef>
-                <a:spcPts val="720"/>
-              </a:spcBef>
-              <a:buClr>
-                <a:srgbClr val="000000"/>
-              </a:buClr>
-              <a:buSzPct val="45000"/>
-              <a:buFont typeface="Wingdings" charset="2"/>
-              <a:buChar char=""/>
-            </a:pPr>
-            <a:r>
-              <a:rPr b="0" lang="fr-CH" sz="1800" spc="-1" strike="noStrike">
-                <a:solidFill>
-                  <a:srgbClr val="808080"/>
-                </a:solidFill>
-                <a:latin typeface="Noto Sans"/>
-                <a:ea typeface="DejaVu Sans"/>
-              </a:rPr>
-              <a:t>Ces valeurs pourraient donc être utilisées pour inférer le nutri-score lorsqu’un utilisateur entre manuellement des produits dans la base de données Open Food Facts.</a:t>
-            </a:r>
-            <a:endParaRPr b="0" lang="fr-CH" sz="1800" spc="-1" strike="noStrike">
-              <a:solidFill>
-                <a:srgbClr val="000000"/>
-              </a:solidFill>
-              <a:latin typeface="Arial"/>
-            </a:endParaRPr>
-          </a:p>
-          <a:p>
-            <a:pPr marL="216000" indent="-215640">
-              <a:lnSpc>
-                <a:spcPct val="100000"/>
-              </a:lnSpc>
-              <a:spcBef>
-                <a:spcPts val="720"/>
-              </a:spcBef>
-              <a:buClr>
-                <a:srgbClr val="000000"/>
-              </a:buClr>
-              <a:buSzPct val="45000"/>
-              <a:buFont typeface="Wingdings" charset="2"/>
-              <a:buChar char=""/>
-            </a:pPr>
-            <a:r>
-              <a:rPr b="0" lang="fr-CH" sz="1800" spc="-1" strike="noStrike">
-                <a:solidFill>
-                  <a:srgbClr val="808080"/>
-                </a:solidFill>
-                <a:latin typeface="Noto Sans"/>
-                <a:ea typeface="DejaVu Sans"/>
-              </a:rPr>
-              <a:t>Ce score pourrait également être inféré/mis à jour plus tard avec une meilleure précision en utilisant la même méthode de remplissage avec un IterativeImputer (RandomForestRegressor).</a:t>
-            </a:r>
-            <a:endParaRPr b="0" lang="fr-CH" sz="1800" spc="-1" strike="noStrike">
-              <a:solidFill>
-                <a:srgbClr val="000000"/>
-              </a:solidFill>
-              <a:latin typeface="Arial"/>
-            </a:endParaRPr>
-          </a:p>
-        </p:txBody>
-      </p:sp>
-    </p:spTree>
-  </p:cSld>
-  <mc:AlternateContent>
-    <mc:Choice Requires="p14">
-      <p:transition spd="slow" p14:dur="2000"/>
-    </mc:Choice>
-    <mc:Fallback>
-      <p:transition spd="slow"/>
-    </mc:Fallback>
-  </mc:AlternateContent>
-</p:sld>
-</file>
-
-<file path=ppt/slides/slide42.xml><?xml version="1.0" encoding="utf-8"?>
-<p:sld xmlns:a="http://schemas.openxmlformats.org/drawingml/2006/main" xmlns:p="http://schemas.openxmlformats.org/presentationml/2006/main" xmlns:r="http://schemas.openxmlformats.org/officeDocument/2006/relationships" xmlns:p14="http://schemas.microsoft.com/office/powerpoint/2010/main" xmlns:p15="http://schemas.microsoft.com/office/powerpoint/2012/main" xmlns:mc="http://schemas.openxmlformats.org/markup-compatibility/2006">
-  <p:cSld>
-    <p:spTree>
-      <p:nvGrpSpPr>
-        <p:cNvPr id="1" name=""/>
-        <p:cNvGrpSpPr/>
-        <p:nvPr/>
-      </p:nvGrpSpPr>
-      <p:grpSpPr>
-        <a:xfrm>
-          <a:off x="0" y="0"/>
-          <a:ext cx="0" cy="0"/>
-          <a:chOff x="0" y="0"/>
-          <a:chExt cx="0" cy="0"/>
-        </a:xfrm>
-      </p:grpSpPr>
-      <p:sp>
-        <p:nvSpPr>
-          <p:cNvPr id="277" name="TextShape 53"/>
-          <p:cNvSpPr/>
-          <p:nvPr/>
-        </p:nvSpPr>
-        <p:spPr>
-          <a:xfrm>
-            <a:off x="1080000" y="1080000"/>
-            <a:ext cx="8459640" cy="394200"/>
-          </a:xfrm>
-          <a:prstGeom prst="rect">
-            <a:avLst/>
-          </a:prstGeom>
-          <a:noFill/>
-          <a:ln w="0">
-            <a:noFill/>
-          </a:ln>
-        </p:spPr>
-        <p:style>
-          <a:lnRef idx="0"/>
-          <a:fillRef idx="0"/>
-          <a:effectRef idx="0"/>
-          <a:fontRef idx="minor"/>
-        </p:style>
-        <p:txBody>
-          <a:bodyPr lIns="90000" rIns="90000" tIns="45000" bIns="45000" anchor="t">
-            <a:noAutofit/>
-          </a:bodyPr>
-          <a:p>
-            <a:pPr>
-              <a:lnSpc>
-                <a:spcPct val="100000"/>
-              </a:lnSpc>
-            </a:pPr>
-            <a:r>
-              <a:rPr b="1" lang="de-DE" sz="2400" spc="-1" strike="noStrike">
-                <a:solidFill>
-                  <a:srgbClr val="000000"/>
-                </a:solidFill>
-                <a:latin typeface="Liberation Sans;Arial"/>
-                <a:ea typeface="DejaVu Sans"/>
-              </a:rPr>
-              <a:t>Discussion</a:t>
-            </a:r>
-            <a:endParaRPr b="0" lang="fr-CH" sz="2400" spc="-1" strike="noStrike">
-              <a:solidFill>
-                <a:srgbClr val="000000"/>
-              </a:solidFill>
-              <a:latin typeface="Arial"/>
-            </a:endParaRPr>
-          </a:p>
-        </p:txBody>
-      </p:sp>
-    </p:spTree>
-  </p:cSld>
-  <mc:AlternateContent>
-    <mc:Choice Requires="p14">
-      <p:transition spd="slow" p14:dur="2000"/>
-    </mc:Choice>
-    <mc:Fallback>
-      <p:transition spd="slow"/>
-    </mc:Fallback>
-  </mc:AlternateContent>
-</p:sld>
-</file>
-
 <file path=ppt/slides/slide5.xml><?xml version="1.0" encoding="utf-8"?>
 <p:sld xmlns:a="http://schemas.openxmlformats.org/drawingml/2006/main" xmlns:p="http://schemas.openxmlformats.org/presentationml/2006/main" xmlns:r="http://schemas.openxmlformats.org/officeDocument/2006/relationships" xmlns:p14="http://schemas.microsoft.com/office/powerpoint/2010/main" xmlns:p15="http://schemas.microsoft.com/office/powerpoint/2012/main" xmlns:mc="http://schemas.openxmlformats.org/markup-compatibility/2006">
   <p:cSld>
@@ -27667,7 +27170,7 @@
         <p:spPr>
           <a:xfrm>
             <a:off x="1080000" y="1080000"/>
-            <a:ext cx="6839640" cy="394200"/>
+            <a:ext cx="6839280" cy="393840"/>
           </a:xfrm>
           <a:prstGeom prst="rect">
             <a:avLst/>
@@ -27751,7 +27254,7 @@
         <p:spPr>
           <a:xfrm>
             <a:off x="1080000" y="1742040"/>
-            <a:ext cx="7739640" cy="2001600"/>
+            <a:ext cx="7739280" cy="2001240"/>
           </a:xfrm>
           <a:prstGeom prst="rect">
             <a:avLst/>
@@ -27920,7 +27423,7 @@
         <p:spPr>
           <a:xfrm>
             <a:off x="1080000" y="1080000"/>
-            <a:ext cx="5759640" cy="394200"/>
+            <a:ext cx="5759280" cy="393840"/>
           </a:xfrm>
           <a:prstGeom prst="rect">
             <a:avLst/>
@@ -28004,7 +27507,7 @@
         <p:spPr>
           <a:xfrm>
             <a:off x="1080000" y="1778040"/>
-            <a:ext cx="7739640" cy="2001600"/>
+            <a:ext cx="7739280" cy="2001240"/>
           </a:xfrm>
           <a:prstGeom prst="rect">
             <a:avLst/>
@@ -28131,7 +27634,7 @@
         <p:spPr>
           <a:xfrm>
             <a:off x="1080000" y="1080000"/>
-            <a:ext cx="5759640" cy="394200"/>
+            <a:ext cx="5759280" cy="393840"/>
           </a:xfrm>
           <a:prstGeom prst="rect">
             <a:avLst/>
@@ -28215,7 +27718,7 @@
         <p:spPr>
           <a:xfrm>
             <a:off x="1080000" y="1706040"/>
-            <a:ext cx="7739640" cy="2001600"/>
+            <a:ext cx="7739280" cy="2001240"/>
           </a:xfrm>
           <a:prstGeom prst="rect">
             <a:avLst/>
@@ -28461,7 +27964,7 @@
         <p:spPr>
           <a:xfrm>
             <a:off x="1080000" y="1080000"/>
-            <a:ext cx="5759640" cy="394200"/>
+            <a:ext cx="5759280" cy="393840"/>
           </a:xfrm>
           <a:prstGeom prst="rect">
             <a:avLst/>
@@ -28545,7 +28048,7 @@
         <p:spPr>
           <a:xfrm>
             <a:off x="1080000" y="1598040"/>
-            <a:ext cx="7739640" cy="2001600"/>
+            <a:ext cx="7739280" cy="2001240"/>
           </a:xfrm>
           <a:prstGeom prst="rect">
             <a:avLst/>
@@ -28652,7 +28155,7 @@
                 <a:latin typeface="Noto Sans"/>
                 <a:ea typeface="DejaVu Sans"/>
               </a:rPr>
-              <a:t>Les variables ayant des valeurs aberrantes à éliminer sont les quantités de protéine et sucre sur 100 grammes. Après le premier nettoyage, très peu d’outliers sont restés. Les taux définissant les valeurs aberrantes pour ces variables ont été déterminés manuellement afin de garder les valeurs cohérentes, au final seulement neuf produits vont être supprimés.</a:t>
+              <a:t>Les variables ayant des valeurs aberrantes à éliminer sont les quantités de protéine et sucre sur 100 grammes. Après le premier nettoyage, très peu d’outliers business sont restés. Les taux définissant les valeurs aberrantes pour ces variables ont été déterminés manuellement afin de garder les valeurs cohérentes, au final seulement neuf produits vont être supprimés.</a:t>
             </a:r>
             <a:endParaRPr b="0" lang="fr-CH" sz="1800" spc="-1" strike="noStrike">
               <a:solidFill>
@@ -28717,7 +28220,7 @@
         <p:spPr>
           <a:xfrm>
             <a:off x="1080000" y="1080000"/>
-            <a:ext cx="5759640" cy="394200"/>
+            <a:ext cx="5759280" cy="393840"/>
           </a:xfrm>
           <a:prstGeom prst="rect">
             <a:avLst/>
